--- a/docs/image/memo.pptx
+++ b/docs/image/memo.pptx
@@ -2,25 +2,29 @@
 <file path=ppt/presentation.xml><?xml version="1.0" encoding="utf-8"?>
 <p:presentation xmlns:a="http://schemas.openxmlformats.org/drawingml/2006/main" xmlns:r="http://schemas.openxmlformats.org/officeDocument/2006/relationships" xmlns:p="http://schemas.openxmlformats.org/presentationml/2006/main" saveSubsetFonts="1" autoCompressPictures="0">
   <p:sldMasterIdLst>
-    <p:sldMasterId id="2147483648" r:id="rId1"/>
+    <p:sldMasterId id="2147483660" r:id="rId1"/>
   </p:sldMasterIdLst>
   <p:notesMasterIdLst>
-    <p:notesMasterId r:id="rId6"/>
+    <p:notesMasterId r:id="rId10"/>
   </p:notesMasterIdLst>
   <p:sldIdLst>
     <p:sldId id="256" r:id="rId2"/>
     <p:sldId id="257" r:id="rId3"/>
     <p:sldId id="258" r:id="rId4"/>
     <p:sldId id="259" r:id="rId5"/>
+    <p:sldId id="260" r:id="rId6"/>
+    <p:sldId id="261" r:id="rId7"/>
+    <p:sldId id="262" r:id="rId8"/>
+    <p:sldId id="263" r:id="rId9"/>
   </p:sldIdLst>
-  <p:sldSz cx="12192000" cy="6858000"/>
+  <p:sldSz cx="36025138" cy="28817888"/>
   <p:notesSz cx="6858000" cy="9144000"/>
   <p:defaultTextStyle>
     <a:defPPr>
       <a:defRPr lang="ja-JP"/>
     </a:defPPr>
-    <a:lvl1pPr marL="0" algn="l" defTabSz="914400" rtl="0" eaLnBrk="1" latinLnBrk="0" hangingPunct="1">
-      <a:defRPr kumimoji="1" sz="1800" kern="1200">
+    <a:lvl1pPr marL="0" algn="l" defTabSz="3112435" rtl="0" eaLnBrk="1" latinLnBrk="0" hangingPunct="1">
+      <a:defRPr kumimoji="1" sz="6127" kern="1200">
         <a:solidFill>
           <a:schemeClr val="tx1"/>
         </a:solidFill>
@@ -29,8 +33,8 @@
         <a:cs typeface="+mn-cs"/>
       </a:defRPr>
     </a:lvl1pPr>
-    <a:lvl2pPr marL="457200" algn="l" defTabSz="914400" rtl="0" eaLnBrk="1" latinLnBrk="0" hangingPunct="1">
-      <a:defRPr kumimoji="1" sz="1800" kern="1200">
+    <a:lvl2pPr marL="1556217" algn="l" defTabSz="3112435" rtl="0" eaLnBrk="1" latinLnBrk="0" hangingPunct="1">
+      <a:defRPr kumimoji="1" sz="6127" kern="1200">
         <a:solidFill>
           <a:schemeClr val="tx1"/>
         </a:solidFill>
@@ -39,8 +43,8 @@
         <a:cs typeface="+mn-cs"/>
       </a:defRPr>
     </a:lvl2pPr>
-    <a:lvl3pPr marL="914400" algn="l" defTabSz="914400" rtl="0" eaLnBrk="1" latinLnBrk="0" hangingPunct="1">
-      <a:defRPr kumimoji="1" sz="1800" kern="1200">
+    <a:lvl3pPr marL="3112435" algn="l" defTabSz="3112435" rtl="0" eaLnBrk="1" latinLnBrk="0" hangingPunct="1">
+      <a:defRPr kumimoji="1" sz="6127" kern="1200">
         <a:solidFill>
           <a:schemeClr val="tx1"/>
         </a:solidFill>
@@ -49,8 +53,8 @@
         <a:cs typeface="+mn-cs"/>
       </a:defRPr>
     </a:lvl3pPr>
-    <a:lvl4pPr marL="1371600" algn="l" defTabSz="914400" rtl="0" eaLnBrk="1" latinLnBrk="0" hangingPunct="1">
-      <a:defRPr kumimoji="1" sz="1800" kern="1200">
+    <a:lvl4pPr marL="4668652" algn="l" defTabSz="3112435" rtl="0" eaLnBrk="1" latinLnBrk="0" hangingPunct="1">
+      <a:defRPr kumimoji="1" sz="6127" kern="1200">
         <a:solidFill>
           <a:schemeClr val="tx1"/>
         </a:solidFill>
@@ -59,8 +63,8 @@
         <a:cs typeface="+mn-cs"/>
       </a:defRPr>
     </a:lvl4pPr>
-    <a:lvl5pPr marL="1828800" algn="l" defTabSz="914400" rtl="0" eaLnBrk="1" latinLnBrk="0" hangingPunct="1">
-      <a:defRPr kumimoji="1" sz="1800" kern="1200">
+    <a:lvl5pPr marL="6224869" algn="l" defTabSz="3112435" rtl="0" eaLnBrk="1" latinLnBrk="0" hangingPunct="1">
+      <a:defRPr kumimoji="1" sz="6127" kern="1200">
         <a:solidFill>
           <a:schemeClr val="tx1"/>
         </a:solidFill>
@@ -69,8 +73,8 @@
         <a:cs typeface="+mn-cs"/>
       </a:defRPr>
     </a:lvl5pPr>
-    <a:lvl6pPr marL="2286000" algn="l" defTabSz="914400" rtl="0" eaLnBrk="1" latinLnBrk="0" hangingPunct="1">
-      <a:defRPr kumimoji="1" sz="1800" kern="1200">
+    <a:lvl6pPr marL="7781087" algn="l" defTabSz="3112435" rtl="0" eaLnBrk="1" latinLnBrk="0" hangingPunct="1">
+      <a:defRPr kumimoji="1" sz="6127" kern="1200">
         <a:solidFill>
           <a:schemeClr val="tx1"/>
         </a:solidFill>
@@ -79,8 +83,8 @@
         <a:cs typeface="+mn-cs"/>
       </a:defRPr>
     </a:lvl6pPr>
-    <a:lvl7pPr marL="2743200" algn="l" defTabSz="914400" rtl="0" eaLnBrk="1" latinLnBrk="0" hangingPunct="1">
-      <a:defRPr kumimoji="1" sz="1800" kern="1200">
+    <a:lvl7pPr marL="9337304" algn="l" defTabSz="3112435" rtl="0" eaLnBrk="1" latinLnBrk="0" hangingPunct="1">
+      <a:defRPr kumimoji="1" sz="6127" kern="1200">
         <a:solidFill>
           <a:schemeClr val="tx1"/>
         </a:solidFill>
@@ -89,8 +93,8 @@
         <a:cs typeface="+mn-cs"/>
       </a:defRPr>
     </a:lvl7pPr>
-    <a:lvl8pPr marL="3200400" algn="l" defTabSz="914400" rtl="0" eaLnBrk="1" latinLnBrk="0" hangingPunct="1">
-      <a:defRPr kumimoji="1" sz="1800" kern="1200">
+    <a:lvl8pPr marL="10893522" algn="l" defTabSz="3112435" rtl="0" eaLnBrk="1" latinLnBrk="0" hangingPunct="1">
+      <a:defRPr kumimoji="1" sz="6127" kern="1200">
         <a:solidFill>
           <a:schemeClr val="tx1"/>
         </a:solidFill>
@@ -99,8 +103,8 @@
         <a:cs typeface="+mn-cs"/>
       </a:defRPr>
     </a:lvl8pPr>
-    <a:lvl9pPr marL="3657600" algn="l" defTabSz="914400" rtl="0" eaLnBrk="1" latinLnBrk="0" hangingPunct="1">
-      <a:defRPr kumimoji="1" sz="1800" kern="1200">
+    <a:lvl9pPr marL="12449739" algn="l" defTabSz="3112435" rtl="0" eaLnBrk="1" latinLnBrk="0" hangingPunct="1">
+      <a:defRPr kumimoji="1" sz="6127" kern="1200">
         <a:solidFill>
           <a:schemeClr val="tx1"/>
         </a:solidFill>
@@ -218,8 +222,8 @@
         </p:nvSpPr>
         <p:spPr>
           <a:xfrm>
-            <a:off x="685800" y="1143000"/>
-            <a:ext cx="5486400" cy="3086100"/>
+            <a:off x="1500188" y="1143000"/>
+            <a:ext cx="3857625" cy="3086100"/>
           </a:xfrm>
           <a:prstGeom prst="rect">
             <a:avLst/>
@@ -406,8 +410,8 @@
   </p:cSld>
   <p:clrMap bg1="lt1" tx1="dk1" bg2="lt2" tx2="dk2" accent1="accent1" accent2="accent2" accent3="accent3" accent4="accent4" accent5="accent5" accent6="accent6" hlink="hlink" folHlink="folHlink"/>
   <p:notesStyle>
-    <a:lvl1pPr marL="0" algn="l" defTabSz="914400" rtl="0" eaLnBrk="1" latinLnBrk="0" hangingPunct="1">
-      <a:defRPr kumimoji="1" sz="1200" kern="1200">
+    <a:lvl1pPr marL="0" algn="l" defTabSz="3112435" rtl="0" eaLnBrk="1" latinLnBrk="0" hangingPunct="1">
+      <a:defRPr kumimoji="1" sz="4085" kern="1200">
         <a:solidFill>
           <a:schemeClr val="tx1"/>
         </a:solidFill>
@@ -416,8 +420,8 @@
         <a:cs typeface="+mn-cs"/>
       </a:defRPr>
     </a:lvl1pPr>
-    <a:lvl2pPr marL="457200" algn="l" defTabSz="914400" rtl="0" eaLnBrk="1" latinLnBrk="0" hangingPunct="1">
-      <a:defRPr kumimoji="1" sz="1200" kern="1200">
+    <a:lvl2pPr marL="1556217" algn="l" defTabSz="3112435" rtl="0" eaLnBrk="1" latinLnBrk="0" hangingPunct="1">
+      <a:defRPr kumimoji="1" sz="4085" kern="1200">
         <a:solidFill>
           <a:schemeClr val="tx1"/>
         </a:solidFill>
@@ -426,8 +430,8 @@
         <a:cs typeface="+mn-cs"/>
       </a:defRPr>
     </a:lvl2pPr>
-    <a:lvl3pPr marL="914400" algn="l" defTabSz="914400" rtl="0" eaLnBrk="1" latinLnBrk="0" hangingPunct="1">
-      <a:defRPr kumimoji="1" sz="1200" kern="1200">
+    <a:lvl3pPr marL="3112435" algn="l" defTabSz="3112435" rtl="0" eaLnBrk="1" latinLnBrk="0" hangingPunct="1">
+      <a:defRPr kumimoji="1" sz="4085" kern="1200">
         <a:solidFill>
           <a:schemeClr val="tx1"/>
         </a:solidFill>
@@ -436,8 +440,8 @@
         <a:cs typeface="+mn-cs"/>
       </a:defRPr>
     </a:lvl3pPr>
-    <a:lvl4pPr marL="1371600" algn="l" defTabSz="914400" rtl="0" eaLnBrk="1" latinLnBrk="0" hangingPunct="1">
-      <a:defRPr kumimoji="1" sz="1200" kern="1200">
+    <a:lvl4pPr marL="4668652" algn="l" defTabSz="3112435" rtl="0" eaLnBrk="1" latinLnBrk="0" hangingPunct="1">
+      <a:defRPr kumimoji="1" sz="4085" kern="1200">
         <a:solidFill>
           <a:schemeClr val="tx1"/>
         </a:solidFill>
@@ -446,8 +450,8 @@
         <a:cs typeface="+mn-cs"/>
       </a:defRPr>
     </a:lvl4pPr>
-    <a:lvl5pPr marL="1828800" algn="l" defTabSz="914400" rtl="0" eaLnBrk="1" latinLnBrk="0" hangingPunct="1">
-      <a:defRPr kumimoji="1" sz="1200" kern="1200">
+    <a:lvl5pPr marL="6224869" algn="l" defTabSz="3112435" rtl="0" eaLnBrk="1" latinLnBrk="0" hangingPunct="1">
+      <a:defRPr kumimoji="1" sz="4085" kern="1200">
         <a:solidFill>
           <a:schemeClr val="tx1"/>
         </a:solidFill>
@@ -456,8 +460,8 @@
         <a:cs typeface="+mn-cs"/>
       </a:defRPr>
     </a:lvl5pPr>
-    <a:lvl6pPr marL="2286000" algn="l" defTabSz="914400" rtl="0" eaLnBrk="1" latinLnBrk="0" hangingPunct="1">
-      <a:defRPr kumimoji="1" sz="1200" kern="1200">
+    <a:lvl6pPr marL="7781087" algn="l" defTabSz="3112435" rtl="0" eaLnBrk="1" latinLnBrk="0" hangingPunct="1">
+      <a:defRPr kumimoji="1" sz="4085" kern="1200">
         <a:solidFill>
           <a:schemeClr val="tx1"/>
         </a:solidFill>
@@ -466,8 +470,8 @@
         <a:cs typeface="+mn-cs"/>
       </a:defRPr>
     </a:lvl6pPr>
-    <a:lvl7pPr marL="2743200" algn="l" defTabSz="914400" rtl="0" eaLnBrk="1" latinLnBrk="0" hangingPunct="1">
-      <a:defRPr kumimoji="1" sz="1200" kern="1200">
+    <a:lvl7pPr marL="9337304" algn="l" defTabSz="3112435" rtl="0" eaLnBrk="1" latinLnBrk="0" hangingPunct="1">
+      <a:defRPr kumimoji="1" sz="4085" kern="1200">
         <a:solidFill>
           <a:schemeClr val="tx1"/>
         </a:solidFill>
@@ -476,8 +480,8 @@
         <a:cs typeface="+mn-cs"/>
       </a:defRPr>
     </a:lvl7pPr>
-    <a:lvl8pPr marL="3200400" algn="l" defTabSz="914400" rtl="0" eaLnBrk="1" latinLnBrk="0" hangingPunct="1">
-      <a:defRPr kumimoji="1" sz="1200" kern="1200">
+    <a:lvl8pPr marL="10893522" algn="l" defTabSz="3112435" rtl="0" eaLnBrk="1" latinLnBrk="0" hangingPunct="1">
+      <a:defRPr kumimoji="1" sz="4085" kern="1200">
         <a:solidFill>
           <a:schemeClr val="tx1"/>
         </a:solidFill>
@@ -486,8 +490,8 @@
         <a:cs typeface="+mn-cs"/>
       </a:defRPr>
     </a:lvl8pPr>
-    <a:lvl9pPr marL="3657600" algn="l" defTabSz="914400" rtl="0" eaLnBrk="1" latinLnBrk="0" hangingPunct="1">
-      <a:defRPr kumimoji="1" sz="1200" kern="1200">
+    <a:lvl9pPr marL="12449739" algn="l" defTabSz="3112435" rtl="0" eaLnBrk="1" latinLnBrk="0" hangingPunct="1">
+      <a:defRPr kumimoji="1" sz="4085" kern="1200">
         <a:solidFill>
           <a:schemeClr val="tx1"/>
         </a:solidFill>
@@ -527,7 +531,12 @@
             <p:ph type="sldImg"/>
           </p:nvPr>
         </p:nvSpPr>
-        <p:spPr/>
+        <p:spPr>
+          <a:xfrm>
+            <a:off x="1500188" y="1143000"/>
+            <a:ext cx="3857625" cy="3086100"/>
+          </a:xfrm>
+        </p:spPr>
       </p:sp>
       <p:sp>
         <p:nvSpPr>
@@ -606,7 +615,7 @@
       </p:grpSpPr>
       <p:sp>
         <p:nvSpPr>
-          <p:cNvPr id="2" name="タイトル 1"/>
+          <p:cNvPr id="2" name="Title 1"/>
           <p:cNvSpPr>
             <a:spLocks noGrp="1"/>
           </p:cNvSpPr>
@@ -616,29 +625,29 @@
         </p:nvSpPr>
         <p:spPr>
           <a:xfrm>
-            <a:off x="1524000" y="1122363"/>
-            <a:ext cx="9144000" cy="2387600"/>
+            <a:off x="2701886" y="4716263"/>
+            <a:ext cx="30621367" cy="10032894"/>
           </a:xfrm>
         </p:spPr>
         <p:txBody>
           <a:bodyPr anchor="b"/>
           <a:lstStyle>
             <a:lvl1pPr algn="ctr">
-              <a:defRPr sz="6000"/>
+              <a:defRPr sz="23639"/>
             </a:lvl1pPr>
           </a:lstStyle>
           <a:p>
             <a:r>
-              <a:rPr kumimoji="1" lang="ja-JP" altLang="en-US" smtClean="0"/>
+              <a:rPr lang="ja-JP" altLang="en-US" smtClean="0"/>
               <a:t>マスター タイトルの書式設定</a:t>
             </a:r>
-            <a:endParaRPr kumimoji="1" lang="ja-JP" altLang="en-US"/>
+            <a:endParaRPr lang="en-US" dirty="0"/>
           </a:p>
         </p:txBody>
       </p:sp>
       <p:sp>
         <p:nvSpPr>
-          <p:cNvPr id="3" name="サブタイトル 2"/>
+          <p:cNvPr id="3" name="Subtitle 2"/>
           <p:cNvSpPr>
             <a:spLocks noGrp="1"/>
           </p:cNvSpPr>
@@ -648,8 +657,8 @@
         </p:nvSpPr>
         <p:spPr>
           <a:xfrm>
-            <a:off x="1524000" y="3602038"/>
-            <a:ext cx="9144000" cy="1655762"/>
+            <a:off x="4503142" y="15136064"/>
+            <a:ext cx="27018854" cy="6957650"/>
           </a:xfrm>
         </p:spPr>
         <p:txBody>
@@ -657,53 +666,53 @@
           <a:lstStyle>
             <a:lvl1pPr marL="0" indent="0" algn="ctr">
               <a:buNone/>
-              <a:defRPr sz="2400"/>
+              <a:defRPr sz="9456"/>
             </a:lvl1pPr>
-            <a:lvl2pPr marL="457200" indent="0" algn="ctr">
+            <a:lvl2pPr marL="1801277" indent="0" algn="ctr">
               <a:buNone/>
-              <a:defRPr sz="2000"/>
+              <a:defRPr sz="7880"/>
             </a:lvl2pPr>
-            <a:lvl3pPr marL="914400" indent="0" algn="ctr">
+            <a:lvl3pPr marL="3602553" indent="0" algn="ctr">
               <a:buNone/>
-              <a:defRPr sz="1800"/>
+              <a:defRPr sz="7092"/>
             </a:lvl3pPr>
-            <a:lvl4pPr marL="1371600" indent="0" algn="ctr">
+            <a:lvl4pPr marL="5403830" indent="0" algn="ctr">
               <a:buNone/>
-              <a:defRPr sz="1600"/>
+              <a:defRPr sz="6304"/>
             </a:lvl4pPr>
-            <a:lvl5pPr marL="1828800" indent="0" algn="ctr">
+            <a:lvl5pPr marL="7205106" indent="0" algn="ctr">
               <a:buNone/>
-              <a:defRPr sz="1600"/>
+              <a:defRPr sz="6304"/>
             </a:lvl5pPr>
-            <a:lvl6pPr marL="2286000" indent="0" algn="ctr">
+            <a:lvl6pPr marL="9006383" indent="0" algn="ctr">
               <a:buNone/>
-              <a:defRPr sz="1600"/>
+              <a:defRPr sz="6304"/>
             </a:lvl6pPr>
-            <a:lvl7pPr marL="2743200" indent="0" algn="ctr">
+            <a:lvl7pPr marL="10807659" indent="0" algn="ctr">
               <a:buNone/>
-              <a:defRPr sz="1600"/>
+              <a:defRPr sz="6304"/>
             </a:lvl7pPr>
-            <a:lvl8pPr marL="3200400" indent="0" algn="ctr">
+            <a:lvl8pPr marL="12608936" indent="0" algn="ctr">
               <a:buNone/>
-              <a:defRPr sz="1600"/>
+              <a:defRPr sz="6304"/>
             </a:lvl8pPr>
-            <a:lvl9pPr marL="3657600" indent="0" algn="ctr">
+            <a:lvl9pPr marL="14410212" indent="0" algn="ctr">
               <a:buNone/>
-              <a:defRPr sz="1600"/>
+              <a:defRPr sz="6304"/>
             </a:lvl9pPr>
           </a:lstStyle>
           <a:p>
             <a:r>
-              <a:rPr kumimoji="1" lang="ja-JP" altLang="en-US" smtClean="0"/>
+              <a:rPr lang="ja-JP" altLang="en-US" smtClean="0"/>
               <a:t>マスター サブタイトルの書式設定</a:t>
             </a:r>
-            <a:endParaRPr kumimoji="1" lang="ja-JP" altLang="en-US"/>
+            <a:endParaRPr lang="en-US" dirty="0"/>
           </a:p>
         </p:txBody>
       </p:sp>
       <p:sp>
         <p:nvSpPr>
-          <p:cNvPr id="4" name="日付プレースホルダー 3"/>
+          <p:cNvPr id="4" name="Date Placeholder 3"/>
           <p:cNvSpPr>
             <a:spLocks noGrp="1"/>
           </p:cNvSpPr>
@@ -726,7 +735,7 @@
       </p:sp>
       <p:sp>
         <p:nvSpPr>
-          <p:cNvPr id="5" name="フッター プレースホルダー 4"/>
+          <p:cNvPr id="5" name="Footer Placeholder 4"/>
           <p:cNvSpPr>
             <a:spLocks noGrp="1"/>
           </p:cNvSpPr>
@@ -745,7 +754,7 @@
       </p:sp>
       <p:sp>
         <p:nvSpPr>
-          <p:cNvPr id="6" name="スライド番号プレースホルダー 5"/>
+          <p:cNvPr id="6" name="Slide Number Placeholder 5"/>
           <p:cNvSpPr>
             <a:spLocks noGrp="1"/>
           </p:cNvSpPr>
@@ -767,11 +776,6 @@
         </p:txBody>
       </p:sp>
     </p:spTree>
-    <p:extLst>
-      <p:ext uri="{BB962C8B-B14F-4D97-AF65-F5344CB8AC3E}">
-        <p14:creationId xmlns:p14="http://schemas.microsoft.com/office/powerpoint/2010/main" val="388285817"/>
-      </p:ext>
-    </p:extLst>
   </p:cSld>
   <p:clrMapOvr>
     <a:masterClrMapping/>
@@ -798,7 +802,7 @@
       </p:grpSpPr>
       <p:sp>
         <p:nvSpPr>
-          <p:cNvPr id="2" name="タイトル 1"/>
+          <p:cNvPr id="2" name="Title 1"/>
           <p:cNvSpPr>
             <a:spLocks noGrp="1"/>
           </p:cNvSpPr>
@@ -812,16 +816,16 @@
           <a:lstStyle/>
           <a:p>
             <a:r>
-              <a:rPr kumimoji="1" lang="ja-JP" altLang="en-US" smtClean="0"/>
+              <a:rPr lang="ja-JP" altLang="en-US" smtClean="0"/>
               <a:t>マスター タイトルの書式設定</a:t>
             </a:r>
-            <a:endParaRPr kumimoji="1" lang="ja-JP" altLang="en-US"/>
+            <a:endParaRPr lang="en-US" dirty="0"/>
           </a:p>
         </p:txBody>
       </p:sp>
       <p:sp>
         <p:nvSpPr>
-          <p:cNvPr id="3" name="縦書きテキスト プレースホルダー 2"/>
+          <p:cNvPr id="3" name="Vertical Text Placeholder 2"/>
           <p:cNvSpPr>
             <a:spLocks noGrp="1"/>
           </p:cNvSpPr>
@@ -836,76 +840,76 @@
           <a:p>
             <a:pPr lvl="0"/>
             <a:r>
-              <a:rPr kumimoji="1" lang="ja-JP" altLang="en-US" smtClean="0"/>
+              <a:rPr lang="ja-JP" altLang="en-US" smtClean="0"/>
               <a:t>マスター テキストの書式設定</a:t>
             </a:r>
           </a:p>
           <a:p>
             <a:pPr lvl="1"/>
             <a:r>
-              <a:rPr kumimoji="1" lang="ja-JP" altLang="en-US" smtClean="0"/>
+              <a:rPr lang="ja-JP" altLang="en-US" smtClean="0"/>
               <a:t>第 </a:t>
             </a:r>
             <a:r>
-              <a:rPr kumimoji="1" lang="en-US" altLang="ja-JP" smtClean="0"/>
+              <a:rPr lang="en-US" altLang="ja-JP" smtClean="0"/>
               <a:t>2 </a:t>
             </a:r>
             <a:r>
-              <a:rPr kumimoji="1" lang="ja-JP" altLang="en-US" smtClean="0"/>
+              <a:rPr lang="ja-JP" altLang="en-US" smtClean="0"/>
               <a:t>レベル</a:t>
             </a:r>
           </a:p>
           <a:p>
             <a:pPr lvl="2"/>
             <a:r>
-              <a:rPr kumimoji="1" lang="ja-JP" altLang="en-US" smtClean="0"/>
+              <a:rPr lang="ja-JP" altLang="en-US" smtClean="0"/>
               <a:t>第 </a:t>
             </a:r>
             <a:r>
-              <a:rPr kumimoji="1" lang="en-US" altLang="ja-JP" smtClean="0"/>
+              <a:rPr lang="en-US" altLang="ja-JP" smtClean="0"/>
               <a:t>3 </a:t>
             </a:r>
             <a:r>
-              <a:rPr kumimoji="1" lang="ja-JP" altLang="en-US" smtClean="0"/>
+              <a:rPr lang="ja-JP" altLang="en-US" smtClean="0"/>
               <a:t>レベル</a:t>
             </a:r>
           </a:p>
           <a:p>
             <a:pPr lvl="3"/>
             <a:r>
-              <a:rPr kumimoji="1" lang="ja-JP" altLang="en-US" smtClean="0"/>
+              <a:rPr lang="ja-JP" altLang="en-US" smtClean="0"/>
               <a:t>第 </a:t>
             </a:r>
             <a:r>
-              <a:rPr kumimoji="1" lang="en-US" altLang="ja-JP" smtClean="0"/>
+              <a:rPr lang="en-US" altLang="ja-JP" smtClean="0"/>
               <a:t>4 </a:t>
             </a:r>
             <a:r>
-              <a:rPr kumimoji="1" lang="ja-JP" altLang="en-US" smtClean="0"/>
+              <a:rPr lang="ja-JP" altLang="en-US" smtClean="0"/>
               <a:t>レベル</a:t>
             </a:r>
           </a:p>
           <a:p>
             <a:pPr lvl="4"/>
             <a:r>
-              <a:rPr kumimoji="1" lang="ja-JP" altLang="en-US" smtClean="0"/>
+              <a:rPr lang="ja-JP" altLang="en-US" smtClean="0"/>
               <a:t>第 </a:t>
             </a:r>
             <a:r>
-              <a:rPr kumimoji="1" lang="en-US" altLang="ja-JP" smtClean="0"/>
+              <a:rPr lang="en-US" altLang="ja-JP" smtClean="0"/>
               <a:t>5 </a:t>
             </a:r>
             <a:r>
-              <a:rPr kumimoji="1" lang="ja-JP" altLang="en-US" smtClean="0"/>
+              <a:rPr lang="ja-JP" altLang="en-US" smtClean="0"/>
               <a:t>レベル</a:t>
             </a:r>
-            <a:endParaRPr kumimoji="1" lang="ja-JP" altLang="en-US"/>
+            <a:endParaRPr lang="en-US" dirty="0"/>
           </a:p>
         </p:txBody>
       </p:sp>
       <p:sp>
         <p:nvSpPr>
-          <p:cNvPr id="4" name="日付プレースホルダー 3"/>
+          <p:cNvPr id="4" name="Date Placeholder 3"/>
           <p:cNvSpPr>
             <a:spLocks noGrp="1"/>
           </p:cNvSpPr>
@@ -928,7 +932,7 @@
       </p:sp>
       <p:sp>
         <p:nvSpPr>
-          <p:cNvPr id="5" name="フッター プレースホルダー 4"/>
+          <p:cNvPr id="5" name="Footer Placeholder 4"/>
           <p:cNvSpPr>
             <a:spLocks noGrp="1"/>
           </p:cNvSpPr>
@@ -947,7 +951,7 @@
       </p:sp>
       <p:sp>
         <p:nvSpPr>
-          <p:cNvPr id="6" name="スライド番号プレースホルダー 5"/>
+          <p:cNvPr id="6" name="Slide Number Placeholder 5"/>
           <p:cNvSpPr>
             <a:spLocks noGrp="1"/>
           </p:cNvSpPr>
@@ -969,11 +973,6 @@
         </p:txBody>
       </p:sp>
     </p:spTree>
-    <p:extLst>
-      <p:ext uri="{BB962C8B-B14F-4D97-AF65-F5344CB8AC3E}">
-        <p14:creationId xmlns:p14="http://schemas.microsoft.com/office/powerpoint/2010/main" val="1987351218"/>
-      </p:ext>
-    </p:extLst>
   </p:cSld>
   <p:clrMapOvr>
     <a:masterClrMapping/>
@@ -1000,7 +999,7 @@
       </p:grpSpPr>
       <p:sp>
         <p:nvSpPr>
-          <p:cNvPr id="2" name="縦書きタイトル 1"/>
+          <p:cNvPr id="2" name="Vertical Title 1"/>
           <p:cNvSpPr>
             <a:spLocks noGrp="1"/>
           </p:cNvSpPr>
@@ -1010,8 +1009,8 @@
         </p:nvSpPr>
         <p:spPr>
           <a:xfrm>
-            <a:off x="8724900" y="365125"/>
-            <a:ext cx="2628900" cy="5811838"/>
+            <a:off x="25780492" y="1534286"/>
+            <a:ext cx="7767920" cy="24421828"/>
           </a:xfrm>
         </p:spPr>
         <p:txBody>
@@ -1019,16 +1018,16 @@
           <a:lstStyle/>
           <a:p>
             <a:r>
-              <a:rPr kumimoji="1" lang="ja-JP" altLang="en-US" smtClean="0"/>
+              <a:rPr lang="ja-JP" altLang="en-US" smtClean="0"/>
               <a:t>マスター タイトルの書式設定</a:t>
             </a:r>
-            <a:endParaRPr kumimoji="1" lang="ja-JP" altLang="en-US"/>
+            <a:endParaRPr lang="en-US" dirty="0"/>
           </a:p>
         </p:txBody>
       </p:sp>
       <p:sp>
         <p:nvSpPr>
-          <p:cNvPr id="3" name="縦書きテキスト プレースホルダー 2"/>
+          <p:cNvPr id="3" name="Vertical Text Placeholder 2"/>
           <p:cNvSpPr>
             <a:spLocks noGrp="1"/>
           </p:cNvSpPr>
@@ -1038,8 +1037,8 @@
         </p:nvSpPr>
         <p:spPr>
           <a:xfrm>
-            <a:off x="838200" y="365125"/>
-            <a:ext cx="7734300" cy="5811838"/>
+            <a:off x="2476730" y="1534286"/>
+            <a:ext cx="22853447" cy="24421828"/>
           </a:xfrm>
         </p:spPr>
         <p:txBody>
@@ -1048,76 +1047,76 @@
           <a:p>
             <a:pPr lvl="0"/>
             <a:r>
-              <a:rPr kumimoji="1" lang="ja-JP" altLang="en-US" smtClean="0"/>
+              <a:rPr lang="ja-JP" altLang="en-US" smtClean="0"/>
               <a:t>マスター テキストの書式設定</a:t>
             </a:r>
           </a:p>
           <a:p>
             <a:pPr lvl="1"/>
             <a:r>
-              <a:rPr kumimoji="1" lang="ja-JP" altLang="en-US" smtClean="0"/>
+              <a:rPr lang="ja-JP" altLang="en-US" smtClean="0"/>
               <a:t>第 </a:t>
             </a:r>
             <a:r>
-              <a:rPr kumimoji="1" lang="en-US" altLang="ja-JP" smtClean="0"/>
+              <a:rPr lang="en-US" altLang="ja-JP" smtClean="0"/>
               <a:t>2 </a:t>
             </a:r>
             <a:r>
-              <a:rPr kumimoji="1" lang="ja-JP" altLang="en-US" smtClean="0"/>
+              <a:rPr lang="ja-JP" altLang="en-US" smtClean="0"/>
               <a:t>レベル</a:t>
             </a:r>
           </a:p>
           <a:p>
             <a:pPr lvl="2"/>
             <a:r>
-              <a:rPr kumimoji="1" lang="ja-JP" altLang="en-US" smtClean="0"/>
+              <a:rPr lang="ja-JP" altLang="en-US" smtClean="0"/>
               <a:t>第 </a:t>
             </a:r>
             <a:r>
-              <a:rPr kumimoji="1" lang="en-US" altLang="ja-JP" smtClean="0"/>
+              <a:rPr lang="en-US" altLang="ja-JP" smtClean="0"/>
               <a:t>3 </a:t>
             </a:r>
             <a:r>
-              <a:rPr kumimoji="1" lang="ja-JP" altLang="en-US" smtClean="0"/>
+              <a:rPr lang="ja-JP" altLang="en-US" smtClean="0"/>
               <a:t>レベル</a:t>
             </a:r>
           </a:p>
           <a:p>
             <a:pPr lvl="3"/>
             <a:r>
-              <a:rPr kumimoji="1" lang="ja-JP" altLang="en-US" smtClean="0"/>
+              <a:rPr lang="ja-JP" altLang="en-US" smtClean="0"/>
               <a:t>第 </a:t>
             </a:r>
             <a:r>
-              <a:rPr kumimoji="1" lang="en-US" altLang="ja-JP" smtClean="0"/>
+              <a:rPr lang="en-US" altLang="ja-JP" smtClean="0"/>
               <a:t>4 </a:t>
             </a:r>
             <a:r>
-              <a:rPr kumimoji="1" lang="ja-JP" altLang="en-US" smtClean="0"/>
+              <a:rPr lang="ja-JP" altLang="en-US" smtClean="0"/>
               <a:t>レベル</a:t>
             </a:r>
           </a:p>
           <a:p>
             <a:pPr lvl="4"/>
             <a:r>
-              <a:rPr kumimoji="1" lang="ja-JP" altLang="en-US" smtClean="0"/>
+              <a:rPr lang="ja-JP" altLang="en-US" smtClean="0"/>
               <a:t>第 </a:t>
             </a:r>
             <a:r>
-              <a:rPr kumimoji="1" lang="en-US" altLang="ja-JP" smtClean="0"/>
+              <a:rPr lang="en-US" altLang="ja-JP" smtClean="0"/>
               <a:t>5 </a:t>
             </a:r>
             <a:r>
-              <a:rPr kumimoji="1" lang="ja-JP" altLang="en-US" smtClean="0"/>
+              <a:rPr lang="ja-JP" altLang="en-US" smtClean="0"/>
               <a:t>レベル</a:t>
             </a:r>
-            <a:endParaRPr kumimoji="1" lang="ja-JP" altLang="en-US"/>
+            <a:endParaRPr lang="en-US" dirty="0"/>
           </a:p>
         </p:txBody>
       </p:sp>
       <p:sp>
         <p:nvSpPr>
-          <p:cNvPr id="4" name="日付プレースホルダー 3"/>
+          <p:cNvPr id="4" name="Date Placeholder 3"/>
           <p:cNvSpPr>
             <a:spLocks noGrp="1"/>
           </p:cNvSpPr>
@@ -1140,7 +1139,7 @@
       </p:sp>
       <p:sp>
         <p:nvSpPr>
-          <p:cNvPr id="5" name="フッター プレースホルダー 4"/>
+          <p:cNvPr id="5" name="Footer Placeholder 4"/>
           <p:cNvSpPr>
             <a:spLocks noGrp="1"/>
           </p:cNvSpPr>
@@ -1159,7 +1158,7 @@
       </p:sp>
       <p:sp>
         <p:nvSpPr>
-          <p:cNvPr id="6" name="スライド番号プレースホルダー 5"/>
+          <p:cNvPr id="6" name="Slide Number Placeholder 5"/>
           <p:cNvSpPr>
             <a:spLocks noGrp="1"/>
           </p:cNvSpPr>
@@ -1181,11 +1180,6 @@
         </p:txBody>
       </p:sp>
     </p:spTree>
-    <p:extLst>
-      <p:ext uri="{BB962C8B-B14F-4D97-AF65-F5344CB8AC3E}">
-        <p14:creationId xmlns:p14="http://schemas.microsoft.com/office/powerpoint/2010/main" val="1598759135"/>
-      </p:ext>
-    </p:extLst>
   </p:cSld>
   <p:clrMapOvr>
     <a:masterClrMapping/>
@@ -1212,7 +1206,7 @@
       </p:grpSpPr>
       <p:sp>
         <p:nvSpPr>
-          <p:cNvPr id="2" name="タイトル 1"/>
+          <p:cNvPr id="2" name="Title 1"/>
           <p:cNvSpPr>
             <a:spLocks noGrp="1"/>
           </p:cNvSpPr>
@@ -1226,16 +1220,16 @@
           <a:lstStyle/>
           <a:p>
             <a:r>
-              <a:rPr kumimoji="1" lang="ja-JP" altLang="en-US" smtClean="0"/>
+              <a:rPr lang="ja-JP" altLang="en-US" smtClean="0"/>
               <a:t>マスター タイトルの書式設定</a:t>
             </a:r>
-            <a:endParaRPr kumimoji="1" lang="ja-JP" altLang="en-US"/>
+            <a:endParaRPr lang="en-US" dirty="0"/>
           </a:p>
         </p:txBody>
       </p:sp>
       <p:sp>
         <p:nvSpPr>
-          <p:cNvPr id="3" name="コンテンツ プレースホルダー 2"/>
+          <p:cNvPr id="3" name="Content Placeholder 2"/>
           <p:cNvSpPr>
             <a:spLocks noGrp="1"/>
           </p:cNvSpPr>
@@ -1250,76 +1244,76 @@
           <a:p>
             <a:pPr lvl="0"/>
             <a:r>
-              <a:rPr kumimoji="1" lang="ja-JP" altLang="en-US" smtClean="0"/>
+              <a:rPr lang="ja-JP" altLang="en-US" smtClean="0"/>
               <a:t>マスター テキストの書式設定</a:t>
             </a:r>
           </a:p>
           <a:p>
             <a:pPr lvl="1"/>
             <a:r>
-              <a:rPr kumimoji="1" lang="ja-JP" altLang="en-US" smtClean="0"/>
+              <a:rPr lang="ja-JP" altLang="en-US" smtClean="0"/>
               <a:t>第 </a:t>
             </a:r>
             <a:r>
-              <a:rPr kumimoji="1" lang="en-US" altLang="ja-JP" smtClean="0"/>
+              <a:rPr lang="en-US" altLang="ja-JP" smtClean="0"/>
               <a:t>2 </a:t>
             </a:r>
             <a:r>
-              <a:rPr kumimoji="1" lang="ja-JP" altLang="en-US" smtClean="0"/>
+              <a:rPr lang="ja-JP" altLang="en-US" smtClean="0"/>
               <a:t>レベル</a:t>
             </a:r>
           </a:p>
           <a:p>
             <a:pPr lvl="2"/>
             <a:r>
-              <a:rPr kumimoji="1" lang="ja-JP" altLang="en-US" smtClean="0"/>
+              <a:rPr lang="ja-JP" altLang="en-US" smtClean="0"/>
               <a:t>第 </a:t>
             </a:r>
             <a:r>
-              <a:rPr kumimoji="1" lang="en-US" altLang="ja-JP" smtClean="0"/>
+              <a:rPr lang="en-US" altLang="ja-JP" smtClean="0"/>
               <a:t>3 </a:t>
             </a:r>
             <a:r>
-              <a:rPr kumimoji="1" lang="ja-JP" altLang="en-US" smtClean="0"/>
+              <a:rPr lang="ja-JP" altLang="en-US" smtClean="0"/>
               <a:t>レベル</a:t>
             </a:r>
           </a:p>
           <a:p>
             <a:pPr lvl="3"/>
             <a:r>
-              <a:rPr kumimoji="1" lang="ja-JP" altLang="en-US" smtClean="0"/>
+              <a:rPr lang="ja-JP" altLang="en-US" smtClean="0"/>
               <a:t>第 </a:t>
             </a:r>
             <a:r>
-              <a:rPr kumimoji="1" lang="en-US" altLang="ja-JP" smtClean="0"/>
+              <a:rPr lang="en-US" altLang="ja-JP" smtClean="0"/>
               <a:t>4 </a:t>
             </a:r>
             <a:r>
-              <a:rPr kumimoji="1" lang="ja-JP" altLang="en-US" smtClean="0"/>
+              <a:rPr lang="ja-JP" altLang="en-US" smtClean="0"/>
               <a:t>レベル</a:t>
             </a:r>
           </a:p>
           <a:p>
             <a:pPr lvl="4"/>
             <a:r>
-              <a:rPr kumimoji="1" lang="ja-JP" altLang="en-US" smtClean="0"/>
+              <a:rPr lang="ja-JP" altLang="en-US" smtClean="0"/>
               <a:t>第 </a:t>
             </a:r>
             <a:r>
-              <a:rPr kumimoji="1" lang="en-US" altLang="ja-JP" smtClean="0"/>
+              <a:rPr lang="en-US" altLang="ja-JP" smtClean="0"/>
               <a:t>5 </a:t>
             </a:r>
             <a:r>
-              <a:rPr kumimoji="1" lang="ja-JP" altLang="en-US" smtClean="0"/>
+              <a:rPr lang="ja-JP" altLang="en-US" smtClean="0"/>
               <a:t>レベル</a:t>
             </a:r>
-            <a:endParaRPr kumimoji="1" lang="ja-JP" altLang="en-US"/>
+            <a:endParaRPr lang="en-US" dirty="0"/>
           </a:p>
         </p:txBody>
       </p:sp>
       <p:sp>
         <p:nvSpPr>
-          <p:cNvPr id="4" name="日付プレースホルダー 3"/>
+          <p:cNvPr id="4" name="Date Placeholder 3"/>
           <p:cNvSpPr>
             <a:spLocks noGrp="1"/>
           </p:cNvSpPr>
@@ -1342,7 +1336,7 @@
       </p:sp>
       <p:sp>
         <p:nvSpPr>
-          <p:cNvPr id="5" name="フッター プレースホルダー 4"/>
+          <p:cNvPr id="5" name="Footer Placeholder 4"/>
           <p:cNvSpPr>
             <a:spLocks noGrp="1"/>
           </p:cNvSpPr>
@@ -1361,7 +1355,7 @@
       </p:sp>
       <p:sp>
         <p:nvSpPr>
-          <p:cNvPr id="6" name="スライド番号プレースホルダー 5"/>
+          <p:cNvPr id="6" name="Slide Number Placeholder 5"/>
           <p:cNvSpPr>
             <a:spLocks noGrp="1"/>
           </p:cNvSpPr>
@@ -1383,11 +1377,6 @@
         </p:txBody>
       </p:sp>
     </p:spTree>
-    <p:extLst>
-      <p:ext uri="{BB962C8B-B14F-4D97-AF65-F5344CB8AC3E}">
-        <p14:creationId xmlns:p14="http://schemas.microsoft.com/office/powerpoint/2010/main" val="1864406733"/>
-      </p:ext>
-    </p:extLst>
   </p:cSld>
   <p:clrMapOvr>
     <a:masterClrMapping/>
@@ -1414,7 +1403,7 @@
       </p:grpSpPr>
       <p:sp>
         <p:nvSpPr>
-          <p:cNvPr id="2" name="タイトル 1"/>
+          <p:cNvPr id="2" name="Title 1"/>
           <p:cNvSpPr>
             <a:spLocks noGrp="1"/>
           </p:cNvSpPr>
@@ -1424,29 +1413,29 @@
         </p:nvSpPr>
         <p:spPr>
           <a:xfrm>
-            <a:off x="831850" y="1709738"/>
-            <a:ext cx="10515600" cy="2852737"/>
+            <a:off x="2457967" y="7184468"/>
+            <a:ext cx="31071682" cy="11987439"/>
           </a:xfrm>
         </p:spPr>
         <p:txBody>
           <a:bodyPr anchor="b"/>
           <a:lstStyle>
             <a:lvl1pPr>
-              <a:defRPr sz="6000"/>
+              <a:defRPr sz="23639"/>
             </a:lvl1pPr>
           </a:lstStyle>
           <a:p>
             <a:r>
-              <a:rPr kumimoji="1" lang="ja-JP" altLang="en-US" smtClean="0"/>
+              <a:rPr lang="ja-JP" altLang="en-US" smtClean="0"/>
               <a:t>マスター タイトルの書式設定</a:t>
             </a:r>
-            <a:endParaRPr kumimoji="1" lang="ja-JP" altLang="en-US"/>
+            <a:endParaRPr lang="en-US" dirty="0"/>
           </a:p>
         </p:txBody>
       </p:sp>
       <p:sp>
         <p:nvSpPr>
-          <p:cNvPr id="3" name="テキスト プレースホルダー 2"/>
+          <p:cNvPr id="3" name="Text Placeholder 2"/>
           <p:cNvSpPr>
             <a:spLocks noGrp="1"/>
           </p:cNvSpPr>
@@ -1456,8 +1445,8 @@
         </p:nvSpPr>
         <p:spPr>
           <a:xfrm>
-            <a:off x="831850" y="4589463"/>
-            <a:ext cx="10515600" cy="1500187"/>
+            <a:off x="2457967" y="19285313"/>
+            <a:ext cx="31071682" cy="6303911"/>
           </a:xfrm>
         </p:spPr>
         <p:txBody>
@@ -1465,17 +1454,15 @@
           <a:lstStyle>
             <a:lvl1pPr marL="0" indent="0">
               <a:buNone/>
-              <a:defRPr sz="2400">
+              <a:defRPr sz="9456">
                 <a:solidFill>
-                  <a:schemeClr val="tx1">
-                    <a:tint val="75000"/>
-                  </a:schemeClr>
+                  <a:schemeClr val="tx1"/>
                 </a:solidFill>
               </a:defRPr>
             </a:lvl1pPr>
-            <a:lvl2pPr marL="457200" indent="0">
+            <a:lvl2pPr marL="1801277" indent="0">
               <a:buNone/>
-              <a:defRPr sz="2000">
+              <a:defRPr sz="7880">
                 <a:solidFill>
                   <a:schemeClr val="tx1">
                     <a:tint val="75000"/>
@@ -1483,9 +1470,9 @@
                 </a:solidFill>
               </a:defRPr>
             </a:lvl2pPr>
-            <a:lvl3pPr marL="914400" indent="0">
+            <a:lvl3pPr marL="3602553" indent="0">
               <a:buNone/>
-              <a:defRPr sz="1800">
+              <a:defRPr sz="7092">
                 <a:solidFill>
                   <a:schemeClr val="tx1">
                     <a:tint val="75000"/>
@@ -1493,9 +1480,9 @@
                 </a:solidFill>
               </a:defRPr>
             </a:lvl3pPr>
-            <a:lvl4pPr marL="1371600" indent="0">
+            <a:lvl4pPr marL="5403830" indent="0">
               <a:buNone/>
-              <a:defRPr sz="1600">
+              <a:defRPr sz="6304">
                 <a:solidFill>
                   <a:schemeClr val="tx1">
                     <a:tint val="75000"/>
@@ -1503,9 +1490,9 @@
                 </a:solidFill>
               </a:defRPr>
             </a:lvl4pPr>
-            <a:lvl5pPr marL="1828800" indent="0">
+            <a:lvl5pPr marL="7205106" indent="0">
               <a:buNone/>
-              <a:defRPr sz="1600">
+              <a:defRPr sz="6304">
                 <a:solidFill>
                   <a:schemeClr val="tx1">
                     <a:tint val="75000"/>
@@ -1513,9 +1500,9 @@
                 </a:solidFill>
               </a:defRPr>
             </a:lvl5pPr>
-            <a:lvl6pPr marL="2286000" indent="0">
+            <a:lvl6pPr marL="9006383" indent="0">
               <a:buNone/>
-              <a:defRPr sz="1600">
+              <a:defRPr sz="6304">
                 <a:solidFill>
                   <a:schemeClr val="tx1">
                     <a:tint val="75000"/>
@@ -1523,9 +1510,9 @@
                 </a:solidFill>
               </a:defRPr>
             </a:lvl6pPr>
-            <a:lvl7pPr marL="2743200" indent="0">
+            <a:lvl7pPr marL="10807659" indent="0">
               <a:buNone/>
-              <a:defRPr sz="1600">
+              <a:defRPr sz="6304">
                 <a:solidFill>
                   <a:schemeClr val="tx1">
                     <a:tint val="75000"/>
@@ -1533,9 +1520,9 @@
                 </a:solidFill>
               </a:defRPr>
             </a:lvl7pPr>
-            <a:lvl8pPr marL="3200400" indent="0">
+            <a:lvl8pPr marL="12608936" indent="0">
               <a:buNone/>
-              <a:defRPr sz="1600">
+              <a:defRPr sz="6304">
                 <a:solidFill>
                   <a:schemeClr val="tx1">
                     <a:tint val="75000"/>
@@ -1543,9 +1530,9 @@
                 </a:solidFill>
               </a:defRPr>
             </a:lvl8pPr>
-            <a:lvl9pPr marL="3657600" indent="0">
+            <a:lvl9pPr marL="14410212" indent="0">
               <a:buNone/>
-              <a:defRPr sz="1600">
+              <a:defRPr sz="6304">
                 <a:solidFill>
                   <a:schemeClr val="tx1">
                     <a:tint val="75000"/>
@@ -1557,7 +1544,7 @@
           <a:p>
             <a:pPr lvl="0"/>
             <a:r>
-              <a:rPr kumimoji="1" lang="ja-JP" altLang="en-US" smtClean="0"/>
+              <a:rPr lang="ja-JP" altLang="en-US" smtClean="0"/>
               <a:t>マスター テキストの書式設定</a:t>
             </a:r>
           </a:p>
@@ -1565,7 +1552,7 @@
       </p:sp>
       <p:sp>
         <p:nvSpPr>
-          <p:cNvPr id="4" name="日付プレースホルダー 3"/>
+          <p:cNvPr id="4" name="Date Placeholder 3"/>
           <p:cNvSpPr>
             <a:spLocks noGrp="1"/>
           </p:cNvSpPr>
@@ -1588,7 +1575,7 @@
       </p:sp>
       <p:sp>
         <p:nvSpPr>
-          <p:cNvPr id="5" name="フッター プレースホルダー 4"/>
+          <p:cNvPr id="5" name="Footer Placeholder 4"/>
           <p:cNvSpPr>
             <a:spLocks noGrp="1"/>
           </p:cNvSpPr>
@@ -1607,7 +1594,7 @@
       </p:sp>
       <p:sp>
         <p:nvSpPr>
-          <p:cNvPr id="6" name="スライド番号プレースホルダー 5"/>
+          <p:cNvPr id="6" name="Slide Number Placeholder 5"/>
           <p:cNvSpPr>
             <a:spLocks noGrp="1"/>
           </p:cNvSpPr>
@@ -1629,11 +1616,6 @@
         </p:txBody>
       </p:sp>
     </p:spTree>
-    <p:extLst>
-      <p:ext uri="{BB962C8B-B14F-4D97-AF65-F5344CB8AC3E}">
-        <p14:creationId xmlns:p14="http://schemas.microsoft.com/office/powerpoint/2010/main" val="1150068154"/>
-      </p:ext>
-    </p:extLst>
   </p:cSld>
   <p:clrMapOvr>
     <a:masterClrMapping/>
@@ -1660,7 +1642,7 @@
       </p:grpSpPr>
       <p:sp>
         <p:nvSpPr>
-          <p:cNvPr id="2" name="タイトル 1"/>
+          <p:cNvPr id="2" name="Title 1"/>
           <p:cNvSpPr>
             <a:spLocks noGrp="1"/>
           </p:cNvSpPr>
@@ -1674,16 +1656,16 @@
           <a:lstStyle/>
           <a:p>
             <a:r>
-              <a:rPr kumimoji="1" lang="ja-JP" altLang="en-US" smtClean="0"/>
+              <a:rPr lang="ja-JP" altLang="en-US" smtClean="0"/>
               <a:t>マスター タイトルの書式設定</a:t>
             </a:r>
-            <a:endParaRPr kumimoji="1" lang="ja-JP" altLang="en-US"/>
+            <a:endParaRPr lang="en-US" dirty="0"/>
           </a:p>
         </p:txBody>
       </p:sp>
       <p:sp>
         <p:nvSpPr>
-          <p:cNvPr id="3" name="コンテンツ プレースホルダー 2"/>
+          <p:cNvPr id="3" name="Content Placeholder 2"/>
           <p:cNvSpPr>
             <a:spLocks noGrp="1"/>
           </p:cNvSpPr>
@@ -1693,8 +1675,8 @@
         </p:nvSpPr>
         <p:spPr>
           <a:xfrm>
-            <a:off x="838200" y="1825625"/>
-            <a:ext cx="5181600" cy="4351338"/>
+            <a:off x="2476728" y="7671429"/>
+            <a:ext cx="15310684" cy="18284685"/>
           </a:xfrm>
         </p:spPr>
         <p:txBody>
@@ -1703,76 +1685,76 @@
           <a:p>
             <a:pPr lvl="0"/>
             <a:r>
-              <a:rPr kumimoji="1" lang="ja-JP" altLang="en-US" smtClean="0"/>
+              <a:rPr lang="ja-JP" altLang="en-US" smtClean="0"/>
               <a:t>マスター テキストの書式設定</a:t>
             </a:r>
           </a:p>
           <a:p>
             <a:pPr lvl="1"/>
             <a:r>
-              <a:rPr kumimoji="1" lang="ja-JP" altLang="en-US" smtClean="0"/>
+              <a:rPr lang="ja-JP" altLang="en-US" smtClean="0"/>
               <a:t>第 </a:t>
             </a:r>
             <a:r>
-              <a:rPr kumimoji="1" lang="en-US" altLang="ja-JP" smtClean="0"/>
+              <a:rPr lang="en-US" altLang="ja-JP" smtClean="0"/>
               <a:t>2 </a:t>
             </a:r>
             <a:r>
-              <a:rPr kumimoji="1" lang="ja-JP" altLang="en-US" smtClean="0"/>
+              <a:rPr lang="ja-JP" altLang="en-US" smtClean="0"/>
               <a:t>レベル</a:t>
             </a:r>
           </a:p>
           <a:p>
             <a:pPr lvl="2"/>
             <a:r>
-              <a:rPr kumimoji="1" lang="ja-JP" altLang="en-US" smtClean="0"/>
+              <a:rPr lang="ja-JP" altLang="en-US" smtClean="0"/>
               <a:t>第 </a:t>
             </a:r>
             <a:r>
-              <a:rPr kumimoji="1" lang="en-US" altLang="ja-JP" smtClean="0"/>
+              <a:rPr lang="en-US" altLang="ja-JP" smtClean="0"/>
               <a:t>3 </a:t>
             </a:r>
             <a:r>
-              <a:rPr kumimoji="1" lang="ja-JP" altLang="en-US" smtClean="0"/>
+              <a:rPr lang="ja-JP" altLang="en-US" smtClean="0"/>
               <a:t>レベル</a:t>
             </a:r>
           </a:p>
           <a:p>
             <a:pPr lvl="3"/>
             <a:r>
-              <a:rPr kumimoji="1" lang="ja-JP" altLang="en-US" smtClean="0"/>
+              <a:rPr lang="ja-JP" altLang="en-US" smtClean="0"/>
               <a:t>第 </a:t>
             </a:r>
             <a:r>
-              <a:rPr kumimoji="1" lang="en-US" altLang="ja-JP" smtClean="0"/>
+              <a:rPr lang="en-US" altLang="ja-JP" smtClean="0"/>
               <a:t>4 </a:t>
             </a:r>
             <a:r>
-              <a:rPr kumimoji="1" lang="ja-JP" altLang="en-US" smtClean="0"/>
+              <a:rPr lang="ja-JP" altLang="en-US" smtClean="0"/>
               <a:t>レベル</a:t>
             </a:r>
           </a:p>
           <a:p>
             <a:pPr lvl="4"/>
             <a:r>
-              <a:rPr kumimoji="1" lang="ja-JP" altLang="en-US" smtClean="0"/>
+              <a:rPr lang="ja-JP" altLang="en-US" smtClean="0"/>
               <a:t>第 </a:t>
             </a:r>
             <a:r>
-              <a:rPr kumimoji="1" lang="en-US" altLang="ja-JP" smtClean="0"/>
+              <a:rPr lang="en-US" altLang="ja-JP" smtClean="0"/>
               <a:t>5 </a:t>
             </a:r>
             <a:r>
-              <a:rPr kumimoji="1" lang="ja-JP" altLang="en-US" smtClean="0"/>
+              <a:rPr lang="ja-JP" altLang="en-US" smtClean="0"/>
               <a:t>レベル</a:t>
             </a:r>
-            <a:endParaRPr kumimoji="1" lang="ja-JP" altLang="en-US"/>
+            <a:endParaRPr lang="en-US" dirty="0"/>
           </a:p>
         </p:txBody>
       </p:sp>
       <p:sp>
         <p:nvSpPr>
-          <p:cNvPr id="4" name="コンテンツ プレースホルダー 3"/>
+          <p:cNvPr id="4" name="Content Placeholder 3"/>
           <p:cNvSpPr>
             <a:spLocks noGrp="1"/>
           </p:cNvSpPr>
@@ -1782,8 +1764,8 @@
         </p:nvSpPr>
         <p:spPr>
           <a:xfrm>
-            <a:off x="6172200" y="1825625"/>
-            <a:ext cx="5181600" cy="4351338"/>
+            <a:off x="18237726" y="7671429"/>
+            <a:ext cx="15310684" cy="18284685"/>
           </a:xfrm>
         </p:spPr>
         <p:txBody>
@@ -1792,76 +1774,76 @@
           <a:p>
             <a:pPr lvl="0"/>
             <a:r>
-              <a:rPr kumimoji="1" lang="ja-JP" altLang="en-US" smtClean="0"/>
+              <a:rPr lang="ja-JP" altLang="en-US" smtClean="0"/>
               <a:t>マスター テキストの書式設定</a:t>
             </a:r>
           </a:p>
           <a:p>
             <a:pPr lvl="1"/>
             <a:r>
-              <a:rPr kumimoji="1" lang="ja-JP" altLang="en-US" smtClean="0"/>
+              <a:rPr lang="ja-JP" altLang="en-US" smtClean="0"/>
               <a:t>第 </a:t>
             </a:r>
             <a:r>
-              <a:rPr kumimoji="1" lang="en-US" altLang="ja-JP" smtClean="0"/>
+              <a:rPr lang="en-US" altLang="ja-JP" smtClean="0"/>
               <a:t>2 </a:t>
             </a:r>
             <a:r>
-              <a:rPr kumimoji="1" lang="ja-JP" altLang="en-US" smtClean="0"/>
+              <a:rPr lang="ja-JP" altLang="en-US" smtClean="0"/>
               <a:t>レベル</a:t>
             </a:r>
           </a:p>
           <a:p>
             <a:pPr lvl="2"/>
             <a:r>
-              <a:rPr kumimoji="1" lang="ja-JP" altLang="en-US" smtClean="0"/>
+              <a:rPr lang="ja-JP" altLang="en-US" smtClean="0"/>
               <a:t>第 </a:t>
             </a:r>
             <a:r>
-              <a:rPr kumimoji="1" lang="en-US" altLang="ja-JP" smtClean="0"/>
+              <a:rPr lang="en-US" altLang="ja-JP" smtClean="0"/>
               <a:t>3 </a:t>
             </a:r>
             <a:r>
-              <a:rPr kumimoji="1" lang="ja-JP" altLang="en-US" smtClean="0"/>
+              <a:rPr lang="ja-JP" altLang="en-US" smtClean="0"/>
               <a:t>レベル</a:t>
             </a:r>
           </a:p>
           <a:p>
             <a:pPr lvl="3"/>
             <a:r>
-              <a:rPr kumimoji="1" lang="ja-JP" altLang="en-US" smtClean="0"/>
+              <a:rPr lang="ja-JP" altLang="en-US" smtClean="0"/>
               <a:t>第 </a:t>
             </a:r>
             <a:r>
-              <a:rPr kumimoji="1" lang="en-US" altLang="ja-JP" smtClean="0"/>
+              <a:rPr lang="en-US" altLang="ja-JP" smtClean="0"/>
               <a:t>4 </a:t>
             </a:r>
             <a:r>
-              <a:rPr kumimoji="1" lang="ja-JP" altLang="en-US" smtClean="0"/>
+              <a:rPr lang="ja-JP" altLang="en-US" smtClean="0"/>
               <a:t>レベル</a:t>
             </a:r>
           </a:p>
           <a:p>
             <a:pPr lvl="4"/>
             <a:r>
-              <a:rPr kumimoji="1" lang="ja-JP" altLang="en-US" smtClean="0"/>
+              <a:rPr lang="ja-JP" altLang="en-US" smtClean="0"/>
               <a:t>第 </a:t>
             </a:r>
             <a:r>
-              <a:rPr kumimoji="1" lang="en-US" altLang="ja-JP" smtClean="0"/>
+              <a:rPr lang="en-US" altLang="ja-JP" smtClean="0"/>
               <a:t>5 </a:t>
             </a:r>
             <a:r>
-              <a:rPr kumimoji="1" lang="ja-JP" altLang="en-US" smtClean="0"/>
+              <a:rPr lang="ja-JP" altLang="en-US" smtClean="0"/>
               <a:t>レベル</a:t>
             </a:r>
-            <a:endParaRPr kumimoji="1" lang="ja-JP" altLang="en-US"/>
+            <a:endParaRPr lang="en-US" dirty="0"/>
           </a:p>
         </p:txBody>
       </p:sp>
       <p:sp>
         <p:nvSpPr>
-          <p:cNvPr id="5" name="日付プレースホルダー 4"/>
+          <p:cNvPr id="5" name="Date Placeholder 4"/>
           <p:cNvSpPr>
             <a:spLocks noGrp="1"/>
           </p:cNvSpPr>
@@ -1884,7 +1866,7 @@
       </p:sp>
       <p:sp>
         <p:nvSpPr>
-          <p:cNvPr id="6" name="フッター プレースホルダー 5"/>
+          <p:cNvPr id="6" name="Footer Placeholder 5"/>
           <p:cNvSpPr>
             <a:spLocks noGrp="1"/>
           </p:cNvSpPr>
@@ -1903,7 +1885,7 @@
       </p:sp>
       <p:sp>
         <p:nvSpPr>
-          <p:cNvPr id="7" name="スライド番号プレースホルダー 6"/>
+          <p:cNvPr id="7" name="Slide Number Placeholder 6"/>
           <p:cNvSpPr>
             <a:spLocks noGrp="1"/>
           </p:cNvSpPr>
@@ -1925,11 +1907,6 @@
         </p:txBody>
       </p:sp>
     </p:spTree>
-    <p:extLst>
-      <p:ext uri="{BB962C8B-B14F-4D97-AF65-F5344CB8AC3E}">
-        <p14:creationId xmlns:p14="http://schemas.microsoft.com/office/powerpoint/2010/main" val="1842641278"/>
-      </p:ext>
-    </p:extLst>
   </p:cSld>
   <p:clrMapOvr>
     <a:masterClrMapping/>
@@ -1956,7 +1933,7 @@
       </p:grpSpPr>
       <p:sp>
         <p:nvSpPr>
-          <p:cNvPr id="2" name="タイトル 1"/>
+          <p:cNvPr id="2" name="Title 1"/>
           <p:cNvSpPr>
             <a:spLocks noGrp="1"/>
           </p:cNvSpPr>
@@ -1966,8 +1943,8 @@
         </p:nvSpPr>
         <p:spPr>
           <a:xfrm>
-            <a:off x="839788" y="365125"/>
-            <a:ext cx="10515600" cy="1325563"/>
+            <a:off x="2481420" y="1534292"/>
+            <a:ext cx="31071682" cy="5570126"/>
           </a:xfrm>
         </p:spPr>
         <p:txBody>
@@ -1975,16 +1952,16 @@
           <a:lstStyle/>
           <a:p>
             <a:r>
-              <a:rPr kumimoji="1" lang="ja-JP" altLang="en-US" smtClean="0"/>
+              <a:rPr lang="ja-JP" altLang="en-US" smtClean="0"/>
               <a:t>マスター タイトルの書式設定</a:t>
             </a:r>
-            <a:endParaRPr kumimoji="1" lang="ja-JP" altLang="en-US"/>
+            <a:endParaRPr lang="en-US" dirty="0"/>
           </a:p>
         </p:txBody>
       </p:sp>
       <p:sp>
         <p:nvSpPr>
-          <p:cNvPr id="3" name="テキスト プレースホルダー 2"/>
+          <p:cNvPr id="3" name="Text Placeholder 2"/>
           <p:cNvSpPr>
             <a:spLocks noGrp="1"/>
           </p:cNvSpPr>
@@ -1994,8 +1971,8 @@
         </p:nvSpPr>
         <p:spPr>
           <a:xfrm>
-            <a:off x="839788" y="1681163"/>
-            <a:ext cx="5157787" cy="823912"/>
+            <a:off x="2481424" y="7064387"/>
+            <a:ext cx="15240320" cy="3462147"/>
           </a:xfrm>
         </p:spPr>
         <p:txBody>
@@ -2003,45 +1980,45 @@
           <a:lstStyle>
             <a:lvl1pPr marL="0" indent="0">
               <a:buNone/>
-              <a:defRPr sz="2400" b="1"/>
+              <a:defRPr sz="9456" b="1"/>
             </a:lvl1pPr>
-            <a:lvl2pPr marL="457200" indent="0">
+            <a:lvl2pPr marL="1801277" indent="0">
               <a:buNone/>
-              <a:defRPr sz="2000" b="1"/>
+              <a:defRPr sz="7880" b="1"/>
             </a:lvl2pPr>
-            <a:lvl3pPr marL="914400" indent="0">
+            <a:lvl3pPr marL="3602553" indent="0">
               <a:buNone/>
-              <a:defRPr sz="1800" b="1"/>
+              <a:defRPr sz="7092" b="1"/>
             </a:lvl3pPr>
-            <a:lvl4pPr marL="1371600" indent="0">
+            <a:lvl4pPr marL="5403830" indent="0">
               <a:buNone/>
-              <a:defRPr sz="1600" b="1"/>
+              <a:defRPr sz="6304" b="1"/>
             </a:lvl4pPr>
-            <a:lvl5pPr marL="1828800" indent="0">
+            <a:lvl5pPr marL="7205106" indent="0">
               <a:buNone/>
-              <a:defRPr sz="1600" b="1"/>
+              <a:defRPr sz="6304" b="1"/>
             </a:lvl5pPr>
-            <a:lvl6pPr marL="2286000" indent="0">
+            <a:lvl6pPr marL="9006383" indent="0">
               <a:buNone/>
-              <a:defRPr sz="1600" b="1"/>
+              <a:defRPr sz="6304" b="1"/>
             </a:lvl6pPr>
-            <a:lvl7pPr marL="2743200" indent="0">
+            <a:lvl7pPr marL="10807659" indent="0">
               <a:buNone/>
-              <a:defRPr sz="1600" b="1"/>
+              <a:defRPr sz="6304" b="1"/>
             </a:lvl7pPr>
-            <a:lvl8pPr marL="3200400" indent="0">
+            <a:lvl8pPr marL="12608936" indent="0">
               <a:buNone/>
-              <a:defRPr sz="1600" b="1"/>
+              <a:defRPr sz="6304" b="1"/>
             </a:lvl8pPr>
-            <a:lvl9pPr marL="3657600" indent="0">
+            <a:lvl9pPr marL="14410212" indent="0">
               <a:buNone/>
-              <a:defRPr sz="1600" b="1"/>
+              <a:defRPr sz="6304" b="1"/>
             </a:lvl9pPr>
           </a:lstStyle>
           <a:p>
             <a:pPr lvl="0"/>
             <a:r>
-              <a:rPr kumimoji="1" lang="ja-JP" altLang="en-US" smtClean="0"/>
+              <a:rPr lang="ja-JP" altLang="en-US" smtClean="0"/>
               <a:t>マスター テキストの書式設定</a:t>
             </a:r>
           </a:p>
@@ -2049,7 +2026,7 @@
       </p:sp>
       <p:sp>
         <p:nvSpPr>
-          <p:cNvPr id="4" name="コンテンツ プレースホルダー 3"/>
+          <p:cNvPr id="4" name="Content Placeholder 3"/>
           <p:cNvSpPr>
             <a:spLocks noGrp="1"/>
           </p:cNvSpPr>
@@ -2059,8 +2036,8 @@
         </p:nvSpPr>
         <p:spPr>
           <a:xfrm>
-            <a:off x="839788" y="2505075"/>
-            <a:ext cx="5157787" cy="3684588"/>
+            <a:off x="2481424" y="10526534"/>
+            <a:ext cx="15240320" cy="15482946"/>
           </a:xfrm>
         </p:spPr>
         <p:txBody>
@@ -2069,76 +2046,76 @@
           <a:p>
             <a:pPr lvl="0"/>
             <a:r>
-              <a:rPr kumimoji="1" lang="ja-JP" altLang="en-US" smtClean="0"/>
+              <a:rPr lang="ja-JP" altLang="en-US" smtClean="0"/>
               <a:t>マスター テキストの書式設定</a:t>
             </a:r>
           </a:p>
           <a:p>
             <a:pPr lvl="1"/>
             <a:r>
-              <a:rPr kumimoji="1" lang="ja-JP" altLang="en-US" smtClean="0"/>
+              <a:rPr lang="ja-JP" altLang="en-US" smtClean="0"/>
               <a:t>第 </a:t>
             </a:r>
             <a:r>
-              <a:rPr kumimoji="1" lang="en-US" altLang="ja-JP" smtClean="0"/>
+              <a:rPr lang="en-US" altLang="ja-JP" smtClean="0"/>
               <a:t>2 </a:t>
             </a:r>
             <a:r>
-              <a:rPr kumimoji="1" lang="ja-JP" altLang="en-US" smtClean="0"/>
+              <a:rPr lang="ja-JP" altLang="en-US" smtClean="0"/>
               <a:t>レベル</a:t>
             </a:r>
           </a:p>
           <a:p>
             <a:pPr lvl="2"/>
             <a:r>
-              <a:rPr kumimoji="1" lang="ja-JP" altLang="en-US" smtClean="0"/>
+              <a:rPr lang="ja-JP" altLang="en-US" smtClean="0"/>
               <a:t>第 </a:t>
             </a:r>
             <a:r>
-              <a:rPr kumimoji="1" lang="en-US" altLang="ja-JP" smtClean="0"/>
+              <a:rPr lang="en-US" altLang="ja-JP" smtClean="0"/>
               <a:t>3 </a:t>
             </a:r>
             <a:r>
-              <a:rPr kumimoji="1" lang="ja-JP" altLang="en-US" smtClean="0"/>
+              <a:rPr lang="ja-JP" altLang="en-US" smtClean="0"/>
               <a:t>レベル</a:t>
             </a:r>
           </a:p>
           <a:p>
             <a:pPr lvl="3"/>
             <a:r>
-              <a:rPr kumimoji="1" lang="ja-JP" altLang="en-US" smtClean="0"/>
+              <a:rPr lang="ja-JP" altLang="en-US" smtClean="0"/>
               <a:t>第 </a:t>
             </a:r>
             <a:r>
-              <a:rPr kumimoji="1" lang="en-US" altLang="ja-JP" smtClean="0"/>
+              <a:rPr lang="en-US" altLang="ja-JP" smtClean="0"/>
               <a:t>4 </a:t>
             </a:r>
             <a:r>
-              <a:rPr kumimoji="1" lang="ja-JP" altLang="en-US" smtClean="0"/>
+              <a:rPr lang="ja-JP" altLang="en-US" smtClean="0"/>
               <a:t>レベル</a:t>
             </a:r>
           </a:p>
           <a:p>
             <a:pPr lvl="4"/>
             <a:r>
-              <a:rPr kumimoji="1" lang="ja-JP" altLang="en-US" smtClean="0"/>
+              <a:rPr lang="ja-JP" altLang="en-US" smtClean="0"/>
               <a:t>第 </a:t>
             </a:r>
             <a:r>
-              <a:rPr kumimoji="1" lang="en-US" altLang="ja-JP" smtClean="0"/>
+              <a:rPr lang="en-US" altLang="ja-JP" smtClean="0"/>
               <a:t>5 </a:t>
             </a:r>
             <a:r>
-              <a:rPr kumimoji="1" lang="ja-JP" altLang="en-US" smtClean="0"/>
+              <a:rPr lang="ja-JP" altLang="en-US" smtClean="0"/>
               <a:t>レベル</a:t>
             </a:r>
-            <a:endParaRPr kumimoji="1" lang="ja-JP" altLang="en-US"/>
+            <a:endParaRPr lang="en-US" dirty="0"/>
           </a:p>
         </p:txBody>
       </p:sp>
       <p:sp>
         <p:nvSpPr>
-          <p:cNvPr id="5" name="テキスト プレースホルダー 4"/>
+          <p:cNvPr id="5" name="Text Placeholder 4"/>
           <p:cNvSpPr>
             <a:spLocks noGrp="1"/>
           </p:cNvSpPr>
@@ -2148,8 +2125,8 @@
         </p:nvSpPr>
         <p:spPr>
           <a:xfrm>
-            <a:off x="6172200" y="1681163"/>
-            <a:ext cx="5183188" cy="823912"/>
+            <a:off x="18237728" y="7064387"/>
+            <a:ext cx="15315376" cy="3462147"/>
           </a:xfrm>
         </p:spPr>
         <p:txBody>
@@ -2157,45 +2134,45 @@
           <a:lstStyle>
             <a:lvl1pPr marL="0" indent="0">
               <a:buNone/>
-              <a:defRPr sz="2400" b="1"/>
+              <a:defRPr sz="9456" b="1"/>
             </a:lvl1pPr>
-            <a:lvl2pPr marL="457200" indent="0">
+            <a:lvl2pPr marL="1801277" indent="0">
               <a:buNone/>
-              <a:defRPr sz="2000" b="1"/>
+              <a:defRPr sz="7880" b="1"/>
             </a:lvl2pPr>
-            <a:lvl3pPr marL="914400" indent="0">
+            <a:lvl3pPr marL="3602553" indent="0">
               <a:buNone/>
-              <a:defRPr sz="1800" b="1"/>
+              <a:defRPr sz="7092" b="1"/>
             </a:lvl3pPr>
-            <a:lvl4pPr marL="1371600" indent="0">
+            <a:lvl4pPr marL="5403830" indent="0">
               <a:buNone/>
-              <a:defRPr sz="1600" b="1"/>
+              <a:defRPr sz="6304" b="1"/>
             </a:lvl4pPr>
-            <a:lvl5pPr marL="1828800" indent="0">
+            <a:lvl5pPr marL="7205106" indent="0">
               <a:buNone/>
-              <a:defRPr sz="1600" b="1"/>
+              <a:defRPr sz="6304" b="1"/>
             </a:lvl5pPr>
-            <a:lvl6pPr marL="2286000" indent="0">
+            <a:lvl6pPr marL="9006383" indent="0">
               <a:buNone/>
-              <a:defRPr sz="1600" b="1"/>
+              <a:defRPr sz="6304" b="1"/>
             </a:lvl6pPr>
-            <a:lvl7pPr marL="2743200" indent="0">
+            <a:lvl7pPr marL="10807659" indent="0">
               <a:buNone/>
-              <a:defRPr sz="1600" b="1"/>
+              <a:defRPr sz="6304" b="1"/>
             </a:lvl7pPr>
-            <a:lvl8pPr marL="3200400" indent="0">
+            <a:lvl8pPr marL="12608936" indent="0">
               <a:buNone/>
-              <a:defRPr sz="1600" b="1"/>
+              <a:defRPr sz="6304" b="1"/>
             </a:lvl8pPr>
-            <a:lvl9pPr marL="3657600" indent="0">
+            <a:lvl9pPr marL="14410212" indent="0">
               <a:buNone/>
-              <a:defRPr sz="1600" b="1"/>
+              <a:defRPr sz="6304" b="1"/>
             </a:lvl9pPr>
           </a:lstStyle>
           <a:p>
             <a:pPr lvl="0"/>
             <a:r>
-              <a:rPr kumimoji="1" lang="ja-JP" altLang="en-US" smtClean="0"/>
+              <a:rPr lang="ja-JP" altLang="en-US" smtClean="0"/>
               <a:t>マスター テキストの書式設定</a:t>
             </a:r>
           </a:p>
@@ -2203,7 +2180,7 @@
       </p:sp>
       <p:sp>
         <p:nvSpPr>
-          <p:cNvPr id="6" name="コンテンツ プレースホルダー 5"/>
+          <p:cNvPr id="6" name="Content Placeholder 5"/>
           <p:cNvSpPr>
             <a:spLocks noGrp="1"/>
           </p:cNvSpPr>
@@ -2213,8 +2190,8 @@
         </p:nvSpPr>
         <p:spPr>
           <a:xfrm>
-            <a:off x="6172200" y="2505075"/>
-            <a:ext cx="5183188" cy="3684588"/>
+            <a:off x="18237728" y="10526534"/>
+            <a:ext cx="15315376" cy="15482946"/>
           </a:xfrm>
         </p:spPr>
         <p:txBody>
@@ -2223,76 +2200,76 @@
           <a:p>
             <a:pPr lvl="0"/>
             <a:r>
-              <a:rPr kumimoji="1" lang="ja-JP" altLang="en-US" smtClean="0"/>
+              <a:rPr lang="ja-JP" altLang="en-US" smtClean="0"/>
               <a:t>マスター テキストの書式設定</a:t>
             </a:r>
           </a:p>
           <a:p>
             <a:pPr lvl="1"/>
             <a:r>
-              <a:rPr kumimoji="1" lang="ja-JP" altLang="en-US" smtClean="0"/>
+              <a:rPr lang="ja-JP" altLang="en-US" smtClean="0"/>
               <a:t>第 </a:t>
             </a:r>
             <a:r>
-              <a:rPr kumimoji="1" lang="en-US" altLang="ja-JP" smtClean="0"/>
+              <a:rPr lang="en-US" altLang="ja-JP" smtClean="0"/>
               <a:t>2 </a:t>
             </a:r>
             <a:r>
-              <a:rPr kumimoji="1" lang="ja-JP" altLang="en-US" smtClean="0"/>
+              <a:rPr lang="ja-JP" altLang="en-US" smtClean="0"/>
               <a:t>レベル</a:t>
             </a:r>
           </a:p>
           <a:p>
             <a:pPr lvl="2"/>
             <a:r>
-              <a:rPr kumimoji="1" lang="ja-JP" altLang="en-US" smtClean="0"/>
+              <a:rPr lang="ja-JP" altLang="en-US" smtClean="0"/>
               <a:t>第 </a:t>
             </a:r>
             <a:r>
-              <a:rPr kumimoji="1" lang="en-US" altLang="ja-JP" smtClean="0"/>
+              <a:rPr lang="en-US" altLang="ja-JP" smtClean="0"/>
               <a:t>3 </a:t>
             </a:r>
             <a:r>
-              <a:rPr kumimoji="1" lang="ja-JP" altLang="en-US" smtClean="0"/>
+              <a:rPr lang="ja-JP" altLang="en-US" smtClean="0"/>
               <a:t>レベル</a:t>
             </a:r>
           </a:p>
           <a:p>
             <a:pPr lvl="3"/>
             <a:r>
-              <a:rPr kumimoji="1" lang="ja-JP" altLang="en-US" smtClean="0"/>
+              <a:rPr lang="ja-JP" altLang="en-US" smtClean="0"/>
               <a:t>第 </a:t>
             </a:r>
             <a:r>
-              <a:rPr kumimoji="1" lang="en-US" altLang="ja-JP" smtClean="0"/>
+              <a:rPr lang="en-US" altLang="ja-JP" smtClean="0"/>
               <a:t>4 </a:t>
             </a:r>
             <a:r>
-              <a:rPr kumimoji="1" lang="ja-JP" altLang="en-US" smtClean="0"/>
+              <a:rPr lang="ja-JP" altLang="en-US" smtClean="0"/>
               <a:t>レベル</a:t>
             </a:r>
           </a:p>
           <a:p>
             <a:pPr lvl="4"/>
             <a:r>
-              <a:rPr kumimoji="1" lang="ja-JP" altLang="en-US" smtClean="0"/>
+              <a:rPr lang="ja-JP" altLang="en-US" smtClean="0"/>
               <a:t>第 </a:t>
             </a:r>
             <a:r>
-              <a:rPr kumimoji="1" lang="en-US" altLang="ja-JP" smtClean="0"/>
+              <a:rPr lang="en-US" altLang="ja-JP" smtClean="0"/>
               <a:t>5 </a:t>
             </a:r>
             <a:r>
-              <a:rPr kumimoji="1" lang="ja-JP" altLang="en-US" smtClean="0"/>
+              <a:rPr lang="ja-JP" altLang="en-US" smtClean="0"/>
               <a:t>レベル</a:t>
             </a:r>
-            <a:endParaRPr kumimoji="1" lang="ja-JP" altLang="en-US"/>
+            <a:endParaRPr lang="en-US" dirty="0"/>
           </a:p>
         </p:txBody>
       </p:sp>
       <p:sp>
         <p:nvSpPr>
-          <p:cNvPr id="7" name="日付プレースホルダー 6"/>
+          <p:cNvPr id="7" name="Date Placeholder 6"/>
           <p:cNvSpPr>
             <a:spLocks noGrp="1"/>
           </p:cNvSpPr>
@@ -2315,7 +2292,7 @@
       </p:sp>
       <p:sp>
         <p:nvSpPr>
-          <p:cNvPr id="8" name="フッター プレースホルダー 7"/>
+          <p:cNvPr id="8" name="Footer Placeholder 7"/>
           <p:cNvSpPr>
             <a:spLocks noGrp="1"/>
           </p:cNvSpPr>
@@ -2334,7 +2311,7 @@
       </p:sp>
       <p:sp>
         <p:nvSpPr>
-          <p:cNvPr id="9" name="スライド番号プレースホルダー 8"/>
+          <p:cNvPr id="9" name="Slide Number Placeholder 8"/>
           <p:cNvSpPr>
             <a:spLocks noGrp="1"/>
           </p:cNvSpPr>
@@ -2356,11 +2333,6 @@
         </p:txBody>
       </p:sp>
     </p:spTree>
-    <p:extLst>
-      <p:ext uri="{BB962C8B-B14F-4D97-AF65-F5344CB8AC3E}">
-        <p14:creationId xmlns:p14="http://schemas.microsoft.com/office/powerpoint/2010/main" val="410285959"/>
-      </p:ext>
-    </p:extLst>
   </p:cSld>
   <p:clrMapOvr>
     <a:masterClrMapping/>
@@ -2387,7 +2359,7 @@
       </p:grpSpPr>
       <p:sp>
         <p:nvSpPr>
-          <p:cNvPr id="2" name="タイトル 1"/>
+          <p:cNvPr id="2" name="Title 1"/>
           <p:cNvSpPr>
             <a:spLocks noGrp="1"/>
           </p:cNvSpPr>
@@ -2401,16 +2373,16 @@
           <a:lstStyle/>
           <a:p>
             <a:r>
-              <a:rPr kumimoji="1" lang="ja-JP" altLang="en-US" smtClean="0"/>
+              <a:rPr lang="ja-JP" altLang="en-US" smtClean="0"/>
               <a:t>マスター タイトルの書式設定</a:t>
             </a:r>
-            <a:endParaRPr kumimoji="1" lang="ja-JP" altLang="en-US"/>
+            <a:endParaRPr lang="en-US" dirty="0"/>
           </a:p>
         </p:txBody>
       </p:sp>
       <p:sp>
         <p:nvSpPr>
-          <p:cNvPr id="3" name="日付プレースホルダー 2"/>
+          <p:cNvPr id="3" name="Date Placeholder 2"/>
           <p:cNvSpPr>
             <a:spLocks noGrp="1"/>
           </p:cNvSpPr>
@@ -2433,7 +2405,7 @@
       </p:sp>
       <p:sp>
         <p:nvSpPr>
-          <p:cNvPr id="4" name="フッター プレースホルダー 3"/>
+          <p:cNvPr id="4" name="Footer Placeholder 3"/>
           <p:cNvSpPr>
             <a:spLocks noGrp="1"/>
           </p:cNvSpPr>
@@ -2452,7 +2424,7 @@
       </p:sp>
       <p:sp>
         <p:nvSpPr>
-          <p:cNvPr id="5" name="スライド番号プレースホルダー 4"/>
+          <p:cNvPr id="5" name="Slide Number Placeholder 4"/>
           <p:cNvSpPr>
             <a:spLocks noGrp="1"/>
           </p:cNvSpPr>
@@ -2474,11 +2446,6 @@
         </p:txBody>
       </p:sp>
     </p:spTree>
-    <p:extLst>
-      <p:ext uri="{BB962C8B-B14F-4D97-AF65-F5344CB8AC3E}">
-        <p14:creationId xmlns:p14="http://schemas.microsoft.com/office/powerpoint/2010/main" val="106122396"/>
-      </p:ext>
-    </p:extLst>
   </p:cSld>
   <p:clrMapOvr>
     <a:masterClrMapping/>
@@ -2505,7 +2472,7 @@
       </p:grpSpPr>
       <p:sp>
         <p:nvSpPr>
-          <p:cNvPr id="2" name="日付プレースホルダー 1"/>
+          <p:cNvPr id="2" name="Date Placeholder 1"/>
           <p:cNvSpPr>
             <a:spLocks noGrp="1"/>
           </p:cNvSpPr>
@@ -2528,7 +2495,7 @@
       </p:sp>
       <p:sp>
         <p:nvSpPr>
-          <p:cNvPr id="3" name="フッター プレースホルダー 2"/>
+          <p:cNvPr id="3" name="Footer Placeholder 2"/>
           <p:cNvSpPr>
             <a:spLocks noGrp="1"/>
           </p:cNvSpPr>
@@ -2547,7 +2514,7 @@
       </p:sp>
       <p:sp>
         <p:nvSpPr>
-          <p:cNvPr id="4" name="スライド番号プレースホルダー 3"/>
+          <p:cNvPr id="4" name="Slide Number Placeholder 3"/>
           <p:cNvSpPr>
             <a:spLocks noGrp="1"/>
           </p:cNvSpPr>
@@ -2569,11 +2536,6 @@
         </p:txBody>
       </p:sp>
     </p:spTree>
-    <p:extLst>
-      <p:ext uri="{BB962C8B-B14F-4D97-AF65-F5344CB8AC3E}">
-        <p14:creationId xmlns:p14="http://schemas.microsoft.com/office/powerpoint/2010/main" val="1187682562"/>
-      </p:ext>
-    </p:extLst>
   </p:cSld>
   <p:clrMapOvr>
     <a:masterClrMapping/>
@@ -2600,7 +2562,7 @@
       </p:grpSpPr>
       <p:sp>
         <p:nvSpPr>
-          <p:cNvPr id="2" name="タイトル 1"/>
+          <p:cNvPr id="2" name="Title 1"/>
           <p:cNvSpPr>
             <a:spLocks noGrp="1"/>
           </p:cNvSpPr>
@@ -2610,29 +2572,29 @@
         </p:nvSpPr>
         <p:spPr>
           <a:xfrm>
-            <a:off x="839788" y="457200"/>
-            <a:ext cx="3932237" cy="1600200"/>
+            <a:off x="2481420" y="1921192"/>
+            <a:ext cx="11619045" cy="6724174"/>
           </a:xfrm>
         </p:spPr>
         <p:txBody>
           <a:bodyPr anchor="b"/>
           <a:lstStyle>
             <a:lvl1pPr>
-              <a:defRPr sz="3200"/>
+              <a:defRPr sz="12607"/>
             </a:lvl1pPr>
           </a:lstStyle>
           <a:p>
             <a:r>
-              <a:rPr kumimoji="1" lang="ja-JP" altLang="en-US" smtClean="0"/>
+              <a:rPr lang="ja-JP" altLang="en-US" smtClean="0"/>
               <a:t>マスター タイトルの書式設定</a:t>
             </a:r>
-            <a:endParaRPr kumimoji="1" lang="ja-JP" altLang="en-US"/>
+            <a:endParaRPr lang="en-US" dirty="0"/>
           </a:p>
         </p:txBody>
       </p:sp>
       <p:sp>
         <p:nvSpPr>
-          <p:cNvPr id="3" name="コンテンツ プレースホルダー 2"/>
+          <p:cNvPr id="3" name="Content Placeholder 2"/>
           <p:cNvSpPr>
             <a:spLocks noGrp="1"/>
           </p:cNvSpPr>
@@ -2642,114 +2604,114 @@
         </p:nvSpPr>
         <p:spPr>
           <a:xfrm>
-            <a:off x="5183188" y="987425"/>
-            <a:ext cx="6172200" cy="4873625"/>
+            <a:off x="15315376" y="4149248"/>
+            <a:ext cx="18237726" cy="20479379"/>
           </a:xfrm>
         </p:spPr>
         <p:txBody>
           <a:bodyPr/>
           <a:lstStyle>
             <a:lvl1pPr>
-              <a:defRPr sz="3200"/>
+              <a:defRPr sz="12607"/>
             </a:lvl1pPr>
             <a:lvl2pPr>
-              <a:defRPr sz="2800"/>
+              <a:defRPr sz="11031"/>
             </a:lvl2pPr>
             <a:lvl3pPr>
-              <a:defRPr sz="2400"/>
+              <a:defRPr sz="9456"/>
             </a:lvl3pPr>
             <a:lvl4pPr>
-              <a:defRPr sz="2000"/>
+              <a:defRPr sz="7880"/>
             </a:lvl4pPr>
             <a:lvl5pPr>
-              <a:defRPr sz="2000"/>
+              <a:defRPr sz="7880"/>
             </a:lvl5pPr>
             <a:lvl6pPr>
-              <a:defRPr sz="2000"/>
+              <a:defRPr sz="7880"/>
             </a:lvl6pPr>
             <a:lvl7pPr>
-              <a:defRPr sz="2000"/>
+              <a:defRPr sz="7880"/>
             </a:lvl7pPr>
             <a:lvl8pPr>
-              <a:defRPr sz="2000"/>
+              <a:defRPr sz="7880"/>
             </a:lvl8pPr>
             <a:lvl9pPr>
-              <a:defRPr sz="2000"/>
+              <a:defRPr sz="7880"/>
             </a:lvl9pPr>
           </a:lstStyle>
           <a:p>
             <a:pPr lvl="0"/>
             <a:r>
-              <a:rPr kumimoji="1" lang="ja-JP" altLang="en-US" smtClean="0"/>
+              <a:rPr lang="ja-JP" altLang="en-US" smtClean="0"/>
               <a:t>マスター テキストの書式設定</a:t>
             </a:r>
           </a:p>
           <a:p>
             <a:pPr lvl="1"/>
             <a:r>
-              <a:rPr kumimoji="1" lang="ja-JP" altLang="en-US" smtClean="0"/>
+              <a:rPr lang="ja-JP" altLang="en-US" smtClean="0"/>
               <a:t>第 </a:t>
             </a:r>
             <a:r>
-              <a:rPr kumimoji="1" lang="en-US" altLang="ja-JP" smtClean="0"/>
+              <a:rPr lang="en-US" altLang="ja-JP" smtClean="0"/>
               <a:t>2 </a:t>
             </a:r>
             <a:r>
-              <a:rPr kumimoji="1" lang="ja-JP" altLang="en-US" smtClean="0"/>
+              <a:rPr lang="ja-JP" altLang="en-US" smtClean="0"/>
               <a:t>レベル</a:t>
             </a:r>
           </a:p>
           <a:p>
             <a:pPr lvl="2"/>
             <a:r>
-              <a:rPr kumimoji="1" lang="ja-JP" altLang="en-US" smtClean="0"/>
+              <a:rPr lang="ja-JP" altLang="en-US" smtClean="0"/>
               <a:t>第 </a:t>
             </a:r>
             <a:r>
-              <a:rPr kumimoji="1" lang="en-US" altLang="ja-JP" smtClean="0"/>
+              <a:rPr lang="en-US" altLang="ja-JP" smtClean="0"/>
               <a:t>3 </a:t>
             </a:r>
             <a:r>
-              <a:rPr kumimoji="1" lang="ja-JP" altLang="en-US" smtClean="0"/>
+              <a:rPr lang="ja-JP" altLang="en-US" smtClean="0"/>
               <a:t>レベル</a:t>
             </a:r>
           </a:p>
           <a:p>
             <a:pPr lvl="3"/>
             <a:r>
-              <a:rPr kumimoji="1" lang="ja-JP" altLang="en-US" smtClean="0"/>
+              <a:rPr lang="ja-JP" altLang="en-US" smtClean="0"/>
               <a:t>第 </a:t>
             </a:r>
             <a:r>
-              <a:rPr kumimoji="1" lang="en-US" altLang="ja-JP" smtClean="0"/>
+              <a:rPr lang="en-US" altLang="ja-JP" smtClean="0"/>
               <a:t>4 </a:t>
             </a:r>
             <a:r>
-              <a:rPr kumimoji="1" lang="ja-JP" altLang="en-US" smtClean="0"/>
+              <a:rPr lang="ja-JP" altLang="en-US" smtClean="0"/>
               <a:t>レベル</a:t>
             </a:r>
           </a:p>
           <a:p>
             <a:pPr lvl="4"/>
             <a:r>
-              <a:rPr kumimoji="1" lang="ja-JP" altLang="en-US" smtClean="0"/>
+              <a:rPr lang="ja-JP" altLang="en-US" smtClean="0"/>
               <a:t>第 </a:t>
             </a:r>
             <a:r>
-              <a:rPr kumimoji="1" lang="en-US" altLang="ja-JP" smtClean="0"/>
+              <a:rPr lang="en-US" altLang="ja-JP" smtClean="0"/>
               <a:t>5 </a:t>
             </a:r>
             <a:r>
-              <a:rPr kumimoji="1" lang="ja-JP" altLang="en-US" smtClean="0"/>
+              <a:rPr lang="ja-JP" altLang="en-US" smtClean="0"/>
               <a:t>レベル</a:t>
             </a:r>
-            <a:endParaRPr kumimoji="1" lang="ja-JP" altLang="en-US"/>
+            <a:endParaRPr lang="en-US" dirty="0"/>
           </a:p>
         </p:txBody>
       </p:sp>
       <p:sp>
         <p:nvSpPr>
-          <p:cNvPr id="4" name="テキスト プレースホルダー 3"/>
+          <p:cNvPr id="4" name="Text Placeholder 3"/>
           <p:cNvSpPr>
             <a:spLocks noGrp="1"/>
           </p:cNvSpPr>
@@ -2759,8 +2721,8 @@
         </p:nvSpPr>
         <p:spPr>
           <a:xfrm>
-            <a:off x="839788" y="2057400"/>
-            <a:ext cx="3932237" cy="3811588"/>
+            <a:off x="2481420" y="8645366"/>
+            <a:ext cx="11619045" cy="16016611"/>
           </a:xfrm>
         </p:spPr>
         <p:txBody>
@@ -2768,45 +2730,45 @@
           <a:lstStyle>
             <a:lvl1pPr marL="0" indent="0">
               <a:buNone/>
-              <a:defRPr sz="1600"/>
+              <a:defRPr sz="6304"/>
             </a:lvl1pPr>
-            <a:lvl2pPr marL="457200" indent="0">
+            <a:lvl2pPr marL="1801277" indent="0">
               <a:buNone/>
-              <a:defRPr sz="1400"/>
+              <a:defRPr sz="5516"/>
             </a:lvl2pPr>
-            <a:lvl3pPr marL="914400" indent="0">
+            <a:lvl3pPr marL="3602553" indent="0">
               <a:buNone/>
-              <a:defRPr sz="1200"/>
+              <a:defRPr sz="4728"/>
             </a:lvl3pPr>
-            <a:lvl4pPr marL="1371600" indent="0">
+            <a:lvl4pPr marL="5403830" indent="0">
               <a:buNone/>
-              <a:defRPr sz="1000"/>
+              <a:defRPr sz="3940"/>
             </a:lvl4pPr>
-            <a:lvl5pPr marL="1828800" indent="0">
+            <a:lvl5pPr marL="7205106" indent="0">
               <a:buNone/>
-              <a:defRPr sz="1000"/>
+              <a:defRPr sz="3940"/>
             </a:lvl5pPr>
-            <a:lvl6pPr marL="2286000" indent="0">
+            <a:lvl6pPr marL="9006383" indent="0">
               <a:buNone/>
-              <a:defRPr sz="1000"/>
+              <a:defRPr sz="3940"/>
             </a:lvl6pPr>
-            <a:lvl7pPr marL="2743200" indent="0">
+            <a:lvl7pPr marL="10807659" indent="0">
               <a:buNone/>
-              <a:defRPr sz="1000"/>
+              <a:defRPr sz="3940"/>
             </a:lvl7pPr>
-            <a:lvl8pPr marL="3200400" indent="0">
+            <a:lvl8pPr marL="12608936" indent="0">
               <a:buNone/>
-              <a:defRPr sz="1000"/>
+              <a:defRPr sz="3940"/>
             </a:lvl8pPr>
-            <a:lvl9pPr marL="3657600" indent="0">
+            <a:lvl9pPr marL="14410212" indent="0">
               <a:buNone/>
-              <a:defRPr sz="1000"/>
+              <a:defRPr sz="3940"/>
             </a:lvl9pPr>
           </a:lstStyle>
           <a:p>
             <a:pPr lvl="0"/>
             <a:r>
-              <a:rPr kumimoji="1" lang="ja-JP" altLang="en-US" smtClean="0"/>
+              <a:rPr lang="ja-JP" altLang="en-US" smtClean="0"/>
               <a:t>マスター テキストの書式設定</a:t>
             </a:r>
           </a:p>
@@ -2814,7 +2776,7 @@
       </p:sp>
       <p:sp>
         <p:nvSpPr>
-          <p:cNvPr id="5" name="日付プレースホルダー 4"/>
+          <p:cNvPr id="5" name="Date Placeholder 4"/>
           <p:cNvSpPr>
             <a:spLocks noGrp="1"/>
           </p:cNvSpPr>
@@ -2837,7 +2799,7 @@
       </p:sp>
       <p:sp>
         <p:nvSpPr>
-          <p:cNvPr id="6" name="フッター プレースホルダー 5"/>
+          <p:cNvPr id="6" name="Footer Placeholder 5"/>
           <p:cNvSpPr>
             <a:spLocks noGrp="1"/>
           </p:cNvSpPr>
@@ -2856,7 +2818,7 @@
       </p:sp>
       <p:sp>
         <p:nvSpPr>
-          <p:cNvPr id="7" name="スライド番号プレースホルダー 6"/>
+          <p:cNvPr id="7" name="Slide Number Placeholder 6"/>
           <p:cNvSpPr>
             <a:spLocks noGrp="1"/>
           </p:cNvSpPr>
@@ -2878,11 +2840,6 @@
         </p:txBody>
       </p:sp>
     </p:spTree>
-    <p:extLst>
-      <p:ext uri="{BB962C8B-B14F-4D97-AF65-F5344CB8AC3E}">
-        <p14:creationId xmlns:p14="http://schemas.microsoft.com/office/powerpoint/2010/main" val="520320669"/>
-      </p:ext>
-    </p:extLst>
   </p:cSld>
   <p:clrMapOvr>
     <a:masterClrMapping/>
@@ -2909,7 +2866,7 @@
       </p:grpSpPr>
       <p:sp>
         <p:nvSpPr>
-          <p:cNvPr id="2" name="タイトル 1"/>
+          <p:cNvPr id="2" name="Title 1"/>
           <p:cNvSpPr>
             <a:spLocks noGrp="1"/>
           </p:cNvSpPr>
@@ -2919,31 +2876,31 @@
         </p:nvSpPr>
         <p:spPr>
           <a:xfrm>
-            <a:off x="839788" y="457200"/>
-            <a:ext cx="3932237" cy="1600200"/>
+            <a:off x="2481420" y="1921192"/>
+            <a:ext cx="11619045" cy="6724174"/>
           </a:xfrm>
         </p:spPr>
         <p:txBody>
           <a:bodyPr anchor="b"/>
           <a:lstStyle>
             <a:lvl1pPr>
-              <a:defRPr sz="3200"/>
+              <a:defRPr sz="12607"/>
             </a:lvl1pPr>
           </a:lstStyle>
           <a:p>
             <a:r>
-              <a:rPr kumimoji="1" lang="ja-JP" altLang="en-US" smtClean="0"/>
+              <a:rPr lang="ja-JP" altLang="en-US" smtClean="0"/>
               <a:t>マスター タイトルの書式設定</a:t>
             </a:r>
-            <a:endParaRPr kumimoji="1" lang="ja-JP" altLang="en-US"/>
+            <a:endParaRPr lang="en-US" dirty="0"/>
           </a:p>
         </p:txBody>
       </p:sp>
       <p:sp>
         <p:nvSpPr>
-          <p:cNvPr id="3" name="図プレースホルダー 2"/>
+          <p:cNvPr id="3" name="Picture Placeholder 2"/>
           <p:cNvSpPr>
-            <a:spLocks noGrp="1"/>
+            <a:spLocks noGrp="1" noChangeAspect="1"/>
           </p:cNvSpPr>
           <p:nvPr>
             <p:ph type="pic" idx="1"/>
@@ -2951,58 +2908,62 @@
         </p:nvSpPr>
         <p:spPr>
           <a:xfrm>
-            <a:off x="5183188" y="987425"/>
-            <a:ext cx="6172200" cy="4873625"/>
+            <a:off x="15315376" y="4149248"/>
+            <a:ext cx="18237726" cy="20479379"/>
           </a:xfrm>
         </p:spPr>
         <p:txBody>
-          <a:bodyPr/>
+          <a:bodyPr anchor="t"/>
           <a:lstStyle>
             <a:lvl1pPr marL="0" indent="0">
               <a:buNone/>
-              <a:defRPr sz="3200"/>
+              <a:defRPr sz="12607"/>
             </a:lvl1pPr>
-            <a:lvl2pPr marL="457200" indent="0">
+            <a:lvl2pPr marL="1801277" indent="0">
               <a:buNone/>
-              <a:defRPr sz="2800"/>
+              <a:defRPr sz="11031"/>
             </a:lvl2pPr>
-            <a:lvl3pPr marL="914400" indent="0">
+            <a:lvl3pPr marL="3602553" indent="0">
               <a:buNone/>
-              <a:defRPr sz="2400"/>
+              <a:defRPr sz="9456"/>
             </a:lvl3pPr>
-            <a:lvl4pPr marL="1371600" indent="0">
+            <a:lvl4pPr marL="5403830" indent="0">
               <a:buNone/>
-              <a:defRPr sz="2000"/>
+              <a:defRPr sz="7880"/>
             </a:lvl4pPr>
-            <a:lvl5pPr marL="1828800" indent="0">
+            <a:lvl5pPr marL="7205106" indent="0">
               <a:buNone/>
-              <a:defRPr sz="2000"/>
+              <a:defRPr sz="7880"/>
             </a:lvl5pPr>
-            <a:lvl6pPr marL="2286000" indent="0">
+            <a:lvl6pPr marL="9006383" indent="0">
               <a:buNone/>
-              <a:defRPr sz="2000"/>
+              <a:defRPr sz="7880"/>
             </a:lvl6pPr>
-            <a:lvl7pPr marL="2743200" indent="0">
+            <a:lvl7pPr marL="10807659" indent="0">
               <a:buNone/>
-              <a:defRPr sz="2000"/>
+              <a:defRPr sz="7880"/>
             </a:lvl7pPr>
-            <a:lvl8pPr marL="3200400" indent="0">
+            <a:lvl8pPr marL="12608936" indent="0">
               <a:buNone/>
-              <a:defRPr sz="2000"/>
+              <a:defRPr sz="7880"/>
             </a:lvl8pPr>
-            <a:lvl9pPr marL="3657600" indent="0">
+            <a:lvl9pPr marL="14410212" indent="0">
               <a:buNone/>
-              <a:defRPr sz="2000"/>
+              <a:defRPr sz="7880"/>
             </a:lvl9pPr>
           </a:lstStyle>
           <a:p>
-            <a:endParaRPr kumimoji="1" lang="ja-JP" altLang="en-US"/>
+            <a:r>
+              <a:rPr lang="ja-JP" altLang="en-US" smtClean="0"/>
+              <a:t>プレースホルダーまでドラッグするかアイコンをクリックして図を追加</a:t>
+            </a:r>
+            <a:endParaRPr lang="en-US" dirty="0"/>
           </a:p>
         </p:txBody>
       </p:sp>
       <p:sp>
         <p:nvSpPr>
-          <p:cNvPr id="4" name="テキスト プレースホルダー 3"/>
+          <p:cNvPr id="4" name="Text Placeholder 3"/>
           <p:cNvSpPr>
             <a:spLocks noGrp="1"/>
           </p:cNvSpPr>
@@ -3012,8 +2973,8 @@
         </p:nvSpPr>
         <p:spPr>
           <a:xfrm>
-            <a:off x="839788" y="2057400"/>
-            <a:ext cx="3932237" cy="3811588"/>
+            <a:off x="2481420" y="8645366"/>
+            <a:ext cx="11619045" cy="16016611"/>
           </a:xfrm>
         </p:spPr>
         <p:txBody>
@@ -3021,45 +2982,45 @@
           <a:lstStyle>
             <a:lvl1pPr marL="0" indent="0">
               <a:buNone/>
-              <a:defRPr sz="1600"/>
+              <a:defRPr sz="6304"/>
             </a:lvl1pPr>
-            <a:lvl2pPr marL="457200" indent="0">
+            <a:lvl2pPr marL="1801277" indent="0">
               <a:buNone/>
-              <a:defRPr sz="1400"/>
+              <a:defRPr sz="5516"/>
             </a:lvl2pPr>
-            <a:lvl3pPr marL="914400" indent="0">
+            <a:lvl3pPr marL="3602553" indent="0">
               <a:buNone/>
-              <a:defRPr sz="1200"/>
+              <a:defRPr sz="4728"/>
             </a:lvl3pPr>
-            <a:lvl4pPr marL="1371600" indent="0">
+            <a:lvl4pPr marL="5403830" indent="0">
               <a:buNone/>
-              <a:defRPr sz="1000"/>
+              <a:defRPr sz="3940"/>
             </a:lvl4pPr>
-            <a:lvl5pPr marL="1828800" indent="0">
+            <a:lvl5pPr marL="7205106" indent="0">
               <a:buNone/>
-              <a:defRPr sz="1000"/>
+              <a:defRPr sz="3940"/>
             </a:lvl5pPr>
-            <a:lvl6pPr marL="2286000" indent="0">
+            <a:lvl6pPr marL="9006383" indent="0">
               <a:buNone/>
-              <a:defRPr sz="1000"/>
+              <a:defRPr sz="3940"/>
             </a:lvl6pPr>
-            <a:lvl7pPr marL="2743200" indent="0">
+            <a:lvl7pPr marL="10807659" indent="0">
               <a:buNone/>
-              <a:defRPr sz="1000"/>
+              <a:defRPr sz="3940"/>
             </a:lvl7pPr>
-            <a:lvl8pPr marL="3200400" indent="0">
+            <a:lvl8pPr marL="12608936" indent="0">
               <a:buNone/>
-              <a:defRPr sz="1000"/>
+              <a:defRPr sz="3940"/>
             </a:lvl8pPr>
-            <a:lvl9pPr marL="3657600" indent="0">
+            <a:lvl9pPr marL="14410212" indent="0">
               <a:buNone/>
-              <a:defRPr sz="1000"/>
+              <a:defRPr sz="3940"/>
             </a:lvl9pPr>
           </a:lstStyle>
           <a:p>
             <a:pPr lvl="0"/>
             <a:r>
-              <a:rPr kumimoji="1" lang="ja-JP" altLang="en-US" smtClean="0"/>
+              <a:rPr lang="ja-JP" altLang="en-US" smtClean="0"/>
               <a:t>マスター テキストの書式設定</a:t>
             </a:r>
           </a:p>
@@ -3067,7 +3028,7 @@
       </p:sp>
       <p:sp>
         <p:nvSpPr>
-          <p:cNvPr id="5" name="日付プレースホルダー 4"/>
+          <p:cNvPr id="5" name="Date Placeholder 4"/>
           <p:cNvSpPr>
             <a:spLocks noGrp="1"/>
           </p:cNvSpPr>
@@ -3090,7 +3051,7 @@
       </p:sp>
       <p:sp>
         <p:nvSpPr>
-          <p:cNvPr id="6" name="フッター プレースホルダー 5"/>
+          <p:cNvPr id="6" name="Footer Placeholder 5"/>
           <p:cNvSpPr>
             <a:spLocks noGrp="1"/>
           </p:cNvSpPr>
@@ -3109,7 +3070,7 @@
       </p:sp>
       <p:sp>
         <p:nvSpPr>
-          <p:cNvPr id="7" name="スライド番号プレースホルダー 6"/>
+          <p:cNvPr id="7" name="Slide Number Placeholder 6"/>
           <p:cNvSpPr>
             <a:spLocks noGrp="1"/>
           </p:cNvSpPr>
@@ -3131,11 +3092,6 @@
         </p:txBody>
       </p:sp>
     </p:spTree>
-    <p:extLst>
-      <p:ext uri="{BB962C8B-B14F-4D97-AF65-F5344CB8AC3E}">
-        <p14:creationId xmlns:p14="http://schemas.microsoft.com/office/powerpoint/2010/main" val="476073299"/>
-      </p:ext>
-    </p:extLst>
   </p:cSld>
   <p:clrMapOvr>
     <a:masterClrMapping/>
@@ -3167,7 +3123,7 @@
       </p:grpSpPr>
       <p:sp>
         <p:nvSpPr>
-          <p:cNvPr id="2" name="タイトル プレースホルダー 1"/>
+          <p:cNvPr id="2" name="Title Placeholder 1"/>
           <p:cNvSpPr>
             <a:spLocks noGrp="1"/>
           </p:cNvSpPr>
@@ -3177,8 +3133,8 @@
         </p:nvSpPr>
         <p:spPr>
           <a:xfrm>
-            <a:off x="838200" y="365125"/>
-            <a:ext cx="10515600" cy="1325563"/>
+            <a:off x="2476728" y="1534292"/>
+            <a:ext cx="31071682" cy="5570126"/>
           </a:xfrm>
           <a:prstGeom prst="rect">
             <a:avLst/>
@@ -3191,16 +3147,16 @@
           <a:lstStyle/>
           <a:p>
             <a:r>
-              <a:rPr kumimoji="1" lang="ja-JP" altLang="en-US" smtClean="0"/>
+              <a:rPr lang="ja-JP" altLang="en-US" smtClean="0"/>
               <a:t>マスター タイトルの書式設定</a:t>
             </a:r>
-            <a:endParaRPr kumimoji="1" lang="ja-JP" altLang="en-US"/>
+            <a:endParaRPr lang="en-US" dirty="0"/>
           </a:p>
         </p:txBody>
       </p:sp>
       <p:sp>
         <p:nvSpPr>
-          <p:cNvPr id="3" name="テキスト プレースホルダー 2"/>
+          <p:cNvPr id="3" name="Text Placeholder 2"/>
           <p:cNvSpPr>
             <a:spLocks noGrp="1"/>
           </p:cNvSpPr>
@@ -3210,8 +3166,8 @@
         </p:nvSpPr>
         <p:spPr>
           <a:xfrm>
-            <a:off x="838200" y="1825625"/>
-            <a:ext cx="10515600" cy="4351338"/>
+            <a:off x="2476728" y="7671429"/>
+            <a:ext cx="31071682" cy="18284685"/>
           </a:xfrm>
           <a:prstGeom prst="rect">
             <a:avLst/>
@@ -3225,76 +3181,76 @@
           <a:p>
             <a:pPr lvl="0"/>
             <a:r>
-              <a:rPr kumimoji="1" lang="ja-JP" altLang="en-US" smtClean="0"/>
+              <a:rPr lang="ja-JP" altLang="en-US" smtClean="0"/>
               <a:t>マスター テキストの書式設定</a:t>
             </a:r>
           </a:p>
           <a:p>
             <a:pPr lvl="1"/>
             <a:r>
-              <a:rPr kumimoji="1" lang="ja-JP" altLang="en-US" smtClean="0"/>
+              <a:rPr lang="ja-JP" altLang="en-US" smtClean="0"/>
               <a:t>第 </a:t>
             </a:r>
             <a:r>
-              <a:rPr kumimoji="1" lang="en-US" altLang="ja-JP" smtClean="0"/>
+              <a:rPr lang="en-US" altLang="ja-JP" smtClean="0"/>
               <a:t>2 </a:t>
             </a:r>
             <a:r>
-              <a:rPr kumimoji="1" lang="ja-JP" altLang="en-US" smtClean="0"/>
+              <a:rPr lang="ja-JP" altLang="en-US" smtClean="0"/>
               <a:t>レベル</a:t>
             </a:r>
           </a:p>
           <a:p>
             <a:pPr lvl="2"/>
             <a:r>
-              <a:rPr kumimoji="1" lang="ja-JP" altLang="en-US" smtClean="0"/>
+              <a:rPr lang="ja-JP" altLang="en-US" smtClean="0"/>
               <a:t>第 </a:t>
             </a:r>
             <a:r>
-              <a:rPr kumimoji="1" lang="en-US" altLang="ja-JP" smtClean="0"/>
+              <a:rPr lang="en-US" altLang="ja-JP" smtClean="0"/>
               <a:t>3 </a:t>
             </a:r>
             <a:r>
-              <a:rPr kumimoji="1" lang="ja-JP" altLang="en-US" smtClean="0"/>
+              <a:rPr lang="ja-JP" altLang="en-US" smtClean="0"/>
               <a:t>レベル</a:t>
             </a:r>
           </a:p>
           <a:p>
             <a:pPr lvl="3"/>
             <a:r>
-              <a:rPr kumimoji="1" lang="ja-JP" altLang="en-US" smtClean="0"/>
+              <a:rPr lang="ja-JP" altLang="en-US" smtClean="0"/>
               <a:t>第 </a:t>
             </a:r>
             <a:r>
-              <a:rPr kumimoji="1" lang="en-US" altLang="ja-JP" smtClean="0"/>
+              <a:rPr lang="en-US" altLang="ja-JP" smtClean="0"/>
               <a:t>4 </a:t>
             </a:r>
             <a:r>
-              <a:rPr kumimoji="1" lang="ja-JP" altLang="en-US" smtClean="0"/>
+              <a:rPr lang="ja-JP" altLang="en-US" smtClean="0"/>
               <a:t>レベル</a:t>
             </a:r>
           </a:p>
           <a:p>
             <a:pPr lvl="4"/>
             <a:r>
-              <a:rPr kumimoji="1" lang="ja-JP" altLang="en-US" smtClean="0"/>
+              <a:rPr lang="ja-JP" altLang="en-US" smtClean="0"/>
               <a:t>第 </a:t>
             </a:r>
             <a:r>
-              <a:rPr kumimoji="1" lang="en-US" altLang="ja-JP" smtClean="0"/>
+              <a:rPr lang="en-US" altLang="ja-JP" smtClean="0"/>
               <a:t>5 </a:t>
             </a:r>
             <a:r>
-              <a:rPr kumimoji="1" lang="ja-JP" altLang="en-US" smtClean="0"/>
+              <a:rPr lang="ja-JP" altLang="en-US" smtClean="0"/>
               <a:t>レベル</a:t>
             </a:r>
-            <a:endParaRPr kumimoji="1" lang="ja-JP" altLang="en-US"/>
+            <a:endParaRPr lang="en-US" dirty="0"/>
           </a:p>
         </p:txBody>
       </p:sp>
       <p:sp>
         <p:nvSpPr>
-          <p:cNvPr id="4" name="日付プレースホルダー 3"/>
+          <p:cNvPr id="4" name="Date Placeholder 3"/>
           <p:cNvSpPr>
             <a:spLocks noGrp="1"/>
           </p:cNvSpPr>
@@ -3304,8 +3260,8 @@
         </p:nvSpPr>
         <p:spPr>
           <a:xfrm>
-            <a:off x="838200" y="6356350"/>
-            <a:ext cx="2743200" cy="365125"/>
+            <a:off x="2476728" y="26709919"/>
+            <a:ext cx="8105656" cy="1534286"/>
           </a:xfrm>
           <a:prstGeom prst="rect">
             <a:avLst/>
@@ -3315,7 +3271,7 @@
           <a:bodyPr vert="horz" lIns="91440" tIns="45720" rIns="91440" bIns="45720" rtlCol="0" anchor="ctr"/>
           <a:lstStyle>
             <a:lvl1pPr algn="l">
-              <a:defRPr sz="1200">
+              <a:defRPr sz="4728">
                 <a:solidFill>
                   <a:schemeClr val="tx1">
                     <a:tint val="75000"/>
@@ -3335,7 +3291,7 @@
       </p:sp>
       <p:sp>
         <p:nvSpPr>
-          <p:cNvPr id="5" name="フッター プレースホルダー 4"/>
+          <p:cNvPr id="5" name="Footer Placeholder 4"/>
           <p:cNvSpPr>
             <a:spLocks noGrp="1"/>
           </p:cNvSpPr>
@@ -3345,8 +3301,8 @@
         </p:nvSpPr>
         <p:spPr>
           <a:xfrm>
-            <a:off x="4038600" y="6356350"/>
-            <a:ext cx="4114800" cy="365125"/>
+            <a:off x="11933327" y="26709919"/>
+            <a:ext cx="12158484" cy="1534286"/>
           </a:xfrm>
           <a:prstGeom prst="rect">
             <a:avLst/>
@@ -3356,7 +3312,7 @@
           <a:bodyPr vert="horz" lIns="91440" tIns="45720" rIns="91440" bIns="45720" rtlCol="0" anchor="ctr"/>
           <a:lstStyle>
             <a:lvl1pPr algn="ctr">
-              <a:defRPr sz="1200">
+              <a:defRPr sz="4728">
                 <a:solidFill>
                   <a:schemeClr val="tx1">
                     <a:tint val="75000"/>
@@ -3372,7 +3328,7 @@
       </p:sp>
       <p:sp>
         <p:nvSpPr>
-          <p:cNvPr id="6" name="スライド番号プレースホルダー 5"/>
+          <p:cNvPr id="6" name="Slide Number Placeholder 5"/>
           <p:cNvSpPr>
             <a:spLocks noGrp="1"/>
           </p:cNvSpPr>
@@ -3382,8 +3338,8 @@
         </p:nvSpPr>
         <p:spPr>
           <a:xfrm>
-            <a:off x="8610600" y="6356350"/>
-            <a:ext cx="2743200" cy="365125"/>
+            <a:off x="25442754" y="26709919"/>
+            <a:ext cx="8105656" cy="1534286"/>
           </a:xfrm>
           <a:prstGeom prst="rect">
             <a:avLst/>
@@ -3393,7 +3349,7 @@
           <a:bodyPr vert="horz" lIns="91440" tIns="45720" rIns="91440" bIns="45720" rtlCol="0" anchor="ctr"/>
           <a:lstStyle>
             <a:lvl1pPr algn="r">
-              <a:defRPr sz="1200">
+              <a:defRPr sz="4728">
                 <a:solidFill>
                   <a:schemeClr val="tx1">
                     <a:tint val="75000"/>
@@ -3414,27 +3370,27 @@
     </p:spTree>
     <p:extLst>
       <p:ext uri="{BB962C8B-B14F-4D97-AF65-F5344CB8AC3E}">
-        <p14:creationId xmlns:p14="http://schemas.microsoft.com/office/powerpoint/2010/main" val="1554128154"/>
+        <p14:creationId xmlns:p14="http://schemas.microsoft.com/office/powerpoint/2010/main" val="189387404"/>
       </p:ext>
     </p:extLst>
   </p:cSld>
   <p:clrMap bg1="lt1" tx1="dk1" bg2="lt2" tx2="dk2" accent1="accent1" accent2="accent2" accent3="accent3" accent4="accent4" accent5="accent5" accent6="accent6" hlink="hlink" folHlink="folHlink"/>
   <p:sldLayoutIdLst>
-    <p:sldLayoutId id="2147483649" r:id="rId1"/>
-    <p:sldLayoutId id="2147483650" r:id="rId2"/>
-    <p:sldLayoutId id="2147483651" r:id="rId3"/>
-    <p:sldLayoutId id="2147483652" r:id="rId4"/>
-    <p:sldLayoutId id="2147483653" r:id="rId5"/>
-    <p:sldLayoutId id="2147483654" r:id="rId6"/>
-    <p:sldLayoutId id="2147483655" r:id="rId7"/>
-    <p:sldLayoutId id="2147483656" r:id="rId8"/>
-    <p:sldLayoutId id="2147483657" r:id="rId9"/>
-    <p:sldLayoutId id="2147483658" r:id="rId10"/>
-    <p:sldLayoutId id="2147483659" r:id="rId11"/>
+    <p:sldLayoutId id="2147483661" r:id="rId1"/>
+    <p:sldLayoutId id="2147483662" r:id="rId2"/>
+    <p:sldLayoutId id="2147483663" r:id="rId3"/>
+    <p:sldLayoutId id="2147483664" r:id="rId4"/>
+    <p:sldLayoutId id="2147483665" r:id="rId5"/>
+    <p:sldLayoutId id="2147483666" r:id="rId6"/>
+    <p:sldLayoutId id="2147483667" r:id="rId7"/>
+    <p:sldLayoutId id="2147483668" r:id="rId8"/>
+    <p:sldLayoutId id="2147483669" r:id="rId9"/>
+    <p:sldLayoutId id="2147483670" r:id="rId10"/>
+    <p:sldLayoutId id="2147483671" r:id="rId11"/>
   </p:sldLayoutIdLst>
   <p:txStyles>
     <p:titleStyle>
-      <a:lvl1pPr algn="l" defTabSz="914400" rtl="0" eaLnBrk="1" latinLnBrk="0" hangingPunct="1">
+      <a:lvl1pPr algn="l" defTabSz="3602553" rtl="0" eaLnBrk="1" latinLnBrk="0" hangingPunct="1">
         <a:lnSpc>
           <a:spcPct val="90000"/>
         </a:lnSpc>
@@ -3442,7 +3398,7 @@
           <a:spcPct val="0"/>
         </a:spcBef>
         <a:buNone/>
-        <a:defRPr kumimoji="1" sz="4400" kern="1200">
+        <a:defRPr kumimoji="1" sz="17335" kern="1200">
           <a:solidFill>
             <a:schemeClr val="tx1"/>
           </a:solidFill>
@@ -3453,16 +3409,16 @@
       </a:lvl1pPr>
     </p:titleStyle>
     <p:bodyStyle>
-      <a:lvl1pPr marL="228600" indent="-228600" algn="l" defTabSz="914400" rtl="0" eaLnBrk="1" latinLnBrk="0" hangingPunct="1">
+      <a:lvl1pPr marL="900638" indent="-900638" algn="l" defTabSz="3602553" rtl="0" eaLnBrk="1" latinLnBrk="0" hangingPunct="1">
         <a:lnSpc>
           <a:spcPct val="90000"/>
         </a:lnSpc>
         <a:spcBef>
-          <a:spcPts val="1000"/>
+          <a:spcPts val="3940"/>
         </a:spcBef>
-        <a:buFont typeface="Arial"/>
+        <a:buFont typeface="Arial" panose="020B0604020202020204" pitchFamily="34" charset="0"/>
         <a:buChar char="•"/>
-        <a:defRPr kumimoji="1" sz="2800" kern="1200">
+        <a:defRPr kumimoji="1" sz="11031" kern="1200">
           <a:solidFill>
             <a:schemeClr val="tx1"/>
           </a:solidFill>
@@ -3471,16 +3427,16 @@
           <a:cs typeface="+mn-cs"/>
         </a:defRPr>
       </a:lvl1pPr>
-      <a:lvl2pPr marL="685800" indent="-228600" algn="l" defTabSz="914400" rtl="0" eaLnBrk="1" latinLnBrk="0" hangingPunct="1">
+      <a:lvl2pPr marL="2701915" indent="-900638" algn="l" defTabSz="3602553" rtl="0" eaLnBrk="1" latinLnBrk="0" hangingPunct="1">
         <a:lnSpc>
           <a:spcPct val="90000"/>
         </a:lnSpc>
         <a:spcBef>
-          <a:spcPts val="500"/>
+          <a:spcPts val="1970"/>
         </a:spcBef>
-        <a:buFont typeface="Arial"/>
+        <a:buFont typeface="Arial" panose="020B0604020202020204" pitchFamily="34" charset="0"/>
         <a:buChar char="•"/>
-        <a:defRPr kumimoji="1" sz="2400" kern="1200">
+        <a:defRPr kumimoji="1" sz="9456" kern="1200">
           <a:solidFill>
             <a:schemeClr val="tx1"/>
           </a:solidFill>
@@ -3489,16 +3445,16 @@
           <a:cs typeface="+mn-cs"/>
         </a:defRPr>
       </a:lvl2pPr>
-      <a:lvl3pPr marL="1143000" indent="-228600" algn="l" defTabSz="914400" rtl="0" eaLnBrk="1" latinLnBrk="0" hangingPunct="1">
+      <a:lvl3pPr marL="4503191" indent="-900638" algn="l" defTabSz="3602553" rtl="0" eaLnBrk="1" latinLnBrk="0" hangingPunct="1">
         <a:lnSpc>
           <a:spcPct val="90000"/>
         </a:lnSpc>
         <a:spcBef>
-          <a:spcPts val="500"/>
+          <a:spcPts val="1970"/>
         </a:spcBef>
-        <a:buFont typeface="Arial"/>
+        <a:buFont typeface="Arial" panose="020B0604020202020204" pitchFamily="34" charset="0"/>
         <a:buChar char="•"/>
-        <a:defRPr kumimoji="1" sz="2000" kern="1200">
+        <a:defRPr kumimoji="1" sz="7880" kern="1200">
           <a:solidFill>
             <a:schemeClr val="tx1"/>
           </a:solidFill>
@@ -3507,16 +3463,16 @@
           <a:cs typeface="+mn-cs"/>
         </a:defRPr>
       </a:lvl3pPr>
-      <a:lvl4pPr marL="1600200" indent="-228600" algn="l" defTabSz="914400" rtl="0" eaLnBrk="1" latinLnBrk="0" hangingPunct="1">
+      <a:lvl4pPr marL="6304468" indent="-900638" algn="l" defTabSz="3602553" rtl="0" eaLnBrk="1" latinLnBrk="0" hangingPunct="1">
         <a:lnSpc>
           <a:spcPct val="90000"/>
         </a:lnSpc>
         <a:spcBef>
-          <a:spcPts val="500"/>
+          <a:spcPts val="1970"/>
         </a:spcBef>
-        <a:buFont typeface="Arial"/>
+        <a:buFont typeface="Arial" panose="020B0604020202020204" pitchFamily="34" charset="0"/>
         <a:buChar char="•"/>
-        <a:defRPr kumimoji="1" sz="1800" kern="1200">
+        <a:defRPr kumimoji="1" sz="7092" kern="1200">
           <a:solidFill>
             <a:schemeClr val="tx1"/>
           </a:solidFill>
@@ -3525,16 +3481,16 @@
           <a:cs typeface="+mn-cs"/>
         </a:defRPr>
       </a:lvl4pPr>
-      <a:lvl5pPr marL="2057400" indent="-228600" algn="l" defTabSz="914400" rtl="0" eaLnBrk="1" latinLnBrk="0" hangingPunct="1">
+      <a:lvl5pPr marL="8105745" indent="-900638" algn="l" defTabSz="3602553" rtl="0" eaLnBrk="1" latinLnBrk="0" hangingPunct="1">
         <a:lnSpc>
           <a:spcPct val="90000"/>
         </a:lnSpc>
         <a:spcBef>
-          <a:spcPts val="500"/>
+          <a:spcPts val="1970"/>
         </a:spcBef>
-        <a:buFont typeface="Arial"/>
+        <a:buFont typeface="Arial" panose="020B0604020202020204" pitchFamily="34" charset="0"/>
         <a:buChar char="•"/>
-        <a:defRPr kumimoji="1" sz="1800" kern="1200">
+        <a:defRPr kumimoji="1" sz="7092" kern="1200">
           <a:solidFill>
             <a:schemeClr val="tx1"/>
           </a:solidFill>
@@ -3543,16 +3499,16 @@
           <a:cs typeface="+mn-cs"/>
         </a:defRPr>
       </a:lvl5pPr>
-      <a:lvl6pPr marL="2514600" indent="-228600" algn="l" defTabSz="914400" rtl="0" eaLnBrk="1" latinLnBrk="0" hangingPunct="1">
+      <a:lvl6pPr marL="9907021" indent="-900638" algn="l" defTabSz="3602553" rtl="0" eaLnBrk="1" latinLnBrk="0" hangingPunct="1">
         <a:lnSpc>
           <a:spcPct val="90000"/>
         </a:lnSpc>
         <a:spcBef>
-          <a:spcPts val="500"/>
+          <a:spcPts val="1970"/>
         </a:spcBef>
-        <a:buFont typeface="Arial"/>
+        <a:buFont typeface="Arial" panose="020B0604020202020204" pitchFamily="34" charset="0"/>
         <a:buChar char="•"/>
-        <a:defRPr kumimoji="1" sz="1800" kern="1200">
+        <a:defRPr kumimoji="1" sz="7092" kern="1200">
           <a:solidFill>
             <a:schemeClr val="tx1"/>
           </a:solidFill>
@@ -3561,16 +3517,16 @@
           <a:cs typeface="+mn-cs"/>
         </a:defRPr>
       </a:lvl6pPr>
-      <a:lvl7pPr marL="2971800" indent="-228600" algn="l" defTabSz="914400" rtl="0" eaLnBrk="1" latinLnBrk="0" hangingPunct="1">
+      <a:lvl7pPr marL="11708298" indent="-900638" algn="l" defTabSz="3602553" rtl="0" eaLnBrk="1" latinLnBrk="0" hangingPunct="1">
         <a:lnSpc>
           <a:spcPct val="90000"/>
         </a:lnSpc>
         <a:spcBef>
-          <a:spcPts val="500"/>
+          <a:spcPts val="1970"/>
         </a:spcBef>
-        <a:buFont typeface="Arial"/>
+        <a:buFont typeface="Arial" panose="020B0604020202020204" pitchFamily="34" charset="0"/>
         <a:buChar char="•"/>
-        <a:defRPr kumimoji="1" sz="1800" kern="1200">
+        <a:defRPr kumimoji="1" sz="7092" kern="1200">
           <a:solidFill>
             <a:schemeClr val="tx1"/>
           </a:solidFill>
@@ -3579,16 +3535,16 @@
           <a:cs typeface="+mn-cs"/>
         </a:defRPr>
       </a:lvl7pPr>
-      <a:lvl8pPr marL="3429000" indent="-228600" algn="l" defTabSz="914400" rtl="0" eaLnBrk="1" latinLnBrk="0" hangingPunct="1">
+      <a:lvl8pPr marL="13509574" indent="-900638" algn="l" defTabSz="3602553" rtl="0" eaLnBrk="1" latinLnBrk="0" hangingPunct="1">
         <a:lnSpc>
           <a:spcPct val="90000"/>
         </a:lnSpc>
         <a:spcBef>
-          <a:spcPts val="500"/>
+          <a:spcPts val="1970"/>
         </a:spcBef>
-        <a:buFont typeface="Arial"/>
+        <a:buFont typeface="Arial" panose="020B0604020202020204" pitchFamily="34" charset="0"/>
         <a:buChar char="•"/>
-        <a:defRPr kumimoji="1" sz="1800" kern="1200">
+        <a:defRPr kumimoji="1" sz="7092" kern="1200">
           <a:solidFill>
             <a:schemeClr val="tx1"/>
           </a:solidFill>
@@ -3597,16 +3553,16 @@
           <a:cs typeface="+mn-cs"/>
         </a:defRPr>
       </a:lvl8pPr>
-      <a:lvl9pPr marL="3886200" indent="-228600" algn="l" defTabSz="914400" rtl="0" eaLnBrk="1" latinLnBrk="0" hangingPunct="1">
+      <a:lvl9pPr marL="15310851" indent="-900638" algn="l" defTabSz="3602553" rtl="0" eaLnBrk="1" latinLnBrk="0" hangingPunct="1">
         <a:lnSpc>
           <a:spcPct val="90000"/>
         </a:lnSpc>
         <a:spcBef>
-          <a:spcPts val="500"/>
+          <a:spcPts val="1970"/>
         </a:spcBef>
-        <a:buFont typeface="Arial"/>
+        <a:buFont typeface="Arial" panose="020B0604020202020204" pitchFamily="34" charset="0"/>
         <a:buChar char="•"/>
-        <a:defRPr kumimoji="1" sz="1800" kern="1200">
+        <a:defRPr kumimoji="1" sz="7092" kern="1200">
           <a:solidFill>
             <a:schemeClr val="tx1"/>
           </a:solidFill>
@@ -3618,10 +3574,10 @@
     </p:bodyStyle>
     <p:otherStyle>
       <a:defPPr>
-        <a:defRPr lang="ja-JP"/>
+        <a:defRPr lang="en-US"/>
       </a:defPPr>
-      <a:lvl1pPr marL="0" algn="l" defTabSz="914400" rtl="0" eaLnBrk="1" latinLnBrk="0" hangingPunct="1">
-        <a:defRPr kumimoji="1" sz="1800" kern="1200">
+      <a:lvl1pPr marL="0" algn="l" defTabSz="3602553" rtl="0" eaLnBrk="1" latinLnBrk="0" hangingPunct="1">
+        <a:defRPr kumimoji="1" sz="7092" kern="1200">
           <a:solidFill>
             <a:schemeClr val="tx1"/>
           </a:solidFill>
@@ -3630,8 +3586,8 @@
           <a:cs typeface="+mn-cs"/>
         </a:defRPr>
       </a:lvl1pPr>
-      <a:lvl2pPr marL="457200" algn="l" defTabSz="914400" rtl="0" eaLnBrk="1" latinLnBrk="0" hangingPunct="1">
-        <a:defRPr kumimoji="1" sz="1800" kern="1200">
+      <a:lvl2pPr marL="1801277" algn="l" defTabSz="3602553" rtl="0" eaLnBrk="1" latinLnBrk="0" hangingPunct="1">
+        <a:defRPr kumimoji="1" sz="7092" kern="1200">
           <a:solidFill>
             <a:schemeClr val="tx1"/>
           </a:solidFill>
@@ -3640,8 +3596,8 @@
           <a:cs typeface="+mn-cs"/>
         </a:defRPr>
       </a:lvl2pPr>
-      <a:lvl3pPr marL="914400" algn="l" defTabSz="914400" rtl="0" eaLnBrk="1" latinLnBrk="0" hangingPunct="1">
-        <a:defRPr kumimoji="1" sz="1800" kern="1200">
+      <a:lvl3pPr marL="3602553" algn="l" defTabSz="3602553" rtl="0" eaLnBrk="1" latinLnBrk="0" hangingPunct="1">
+        <a:defRPr kumimoji="1" sz="7092" kern="1200">
           <a:solidFill>
             <a:schemeClr val="tx1"/>
           </a:solidFill>
@@ -3650,8 +3606,8 @@
           <a:cs typeface="+mn-cs"/>
         </a:defRPr>
       </a:lvl3pPr>
-      <a:lvl4pPr marL="1371600" algn="l" defTabSz="914400" rtl="0" eaLnBrk="1" latinLnBrk="0" hangingPunct="1">
-        <a:defRPr kumimoji="1" sz="1800" kern="1200">
+      <a:lvl4pPr marL="5403830" algn="l" defTabSz="3602553" rtl="0" eaLnBrk="1" latinLnBrk="0" hangingPunct="1">
+        <a:defRPr kumimoji="1" sz="7092" kern="1200">
           <a:solidFill>
             <a:schemeClr val="tx1"/>
           </a:solidFill>
@@ -3660,8 +3616,8 @@
           <a:cs typeface="+mn-cs"/>
         </a:defRPr>
       </a:lvl4pPr>
-      <a:lvl5pPr marL="1828800" algn="l" defTabSz="914400" rtl="0" eaLnBrk="1" latinLnBrk="0" hangingPunct="1">
-        <a:defRPr kumimoji="1" sz="1800" kern="1200">
+      <a:lvl5pPr marL="7205106" algn="l" defTabSz="3602553" rtl="0" eaLnBrk="1" latinLnBrk="0" hangingPunct="1">
+        <a:defRPr kumimoji="1" sz="7092" kern="1200">
           <a:solidFill>
             <a:schemeClr val="tx1"/>
           </a:solidFill>
@@ -3670,8 +3626,8 @@
           <a:cs typeface="+mn-cs"/>
         </a:defRPr>
       </a:lvl5pPr>
-      <a:lvl6pPr marL="2286000" algn="l" defTabSz="914400" rtl="0" eaLnBrk="1" latinLnBrk="0" hangingPunct="1">
-        <a:defRPr kumimoji="1" sz="1800" kern="1200">
+      <a:lvl6pPr marL="9006383" algn="l" defTabSz="3602553" rtl="0" eaLnBrk="1" latinLnBrk="0" hangingPunct="1">
+        <a:defRPr kumimoji="1" sz="7092" kern="1200">
           <a:solidFill>
             <a:schemeClr val="tx1"/>
           </a:solidFill>
@@ -3680,8 +3636,8 @@
           <a:cs typeface="+mn-cs"/>
         </a:defRPr>
       </a:lvl6pPr>
-      <a:lvl7pPr marL="2743200" algn="l" defTabSz="914400" rtl="0" eaLnBrk="1" latinLnBrk="0" hangingPunct="1">
-        <a:defRPr kumimoji="1" sz="1800" kern="1200">
+      <a:lvl7pPr marL="10807659" algn="l" defTabSz="3602553" rtl="0" eaLnBrk="1" latinLnBrk="0" hangingPunct="1">
+        <a:defRPr kumimoji="1" sz="7092" kern="1200">
           <a:solidFill>
             <a:schemeClr val="tx1"/>
           </a:solidFill>
@@ -3690,8 +3646,8 @@
           <a:cs typeface="+mn-cs"/>
         </a:defRPr>
       </a:lvl7pPr>
-      <a:lvl8pPr marL="3200400" algn="l" defTabSz="914400" rtl="0" eaLnBrk="1" latinLnBrk="0" hangingPunct="1">
-        <a:defRPr kumimoji="1" sz="1800" kern="1200">
+      <a:lvl8pPr marL="12608936" algn="l" defTabSz="3602553" rtl="0" eaLnBrk="1" latinLnBrk="0" hangingPunct="1">
+        <a:defRPr kumimoji="1" sz="7092" kern="1200">
           <a:solidFill>
             <a:schemeClr val="tx1"/>
           </a:solidFill>
@@ -3700,8 +3656,8 @@
           <a:cs typeface="+mn-cs"/>
         </a:defRPr>
       </a:lvl8pPr>
-      <a:lvl9pPr marL="3657600" algn="l" defTabSz="914400" rtl="0" eaLnBrk="1" latinLnBrk="0" hangingPunct="1">
-        <a:defRPr kumimoji="1" sz="1800" kern="1200">
+      <a:lvl9pPr marL="14410212" algn="l" defTabSz="3602553" rtl="0" eaLnBrk="1" latinLnBrk="0" hangingPunct="1">
+        <a:defRPr kumimoji="1" sz="7092" kern="1200">
           <a:solidFill>
             <a:schemeClr val="tx1"/>
           </a:solidFill>
@@ -3754,7 +3710,7 @@
         </p:blipFill>
         <p:spPr>
           <a:xfrm>
-            <a:off x="2843509" y="1186683"/>
+            <a:off x="14760078" y="12166627"/>
             <a:ext cx="6337300" cy="3479800"/>
           </a:xfrm>
           <a:prstGeom prst="rect">
@@ -3770,8 +3726,8 @@
         </p:nvSpPr>
         <p:spPr>
           <a:xfrm>
-            <a:off x="4138048" y="2557251"/>
-            <a:ext cx="415498" cy="369332"/>
+            <a:off x="16054618" y="13537195"/>
+            <a:ext cx="970137" cy="1035220"/>
           </a:xfrm>
           <a:prstGeom prst="rect">
             <a:avLst/>
@@ -3785,10 +3741,10 @@
           <a:lstStyle/>
           <a:p>
             <a:r>
-              <a:rPr lang="ja-JP" altLang="en-US" dirty="0" smtClean="0"/>
+              <a:rPr lang="ja-JP" altLang="en-US" dirty="0"/>
               <a:t>①</a:t>
             </a:r>
-            <a:endParaRPr kumimoji="1" lang="ja-JP" altLang="en-US" dirty="0"/>
+            <a:endParaRPr lang="ja-JP" altLang="en-US" dirty="0"/>
           </a:p>
         </p:txBody>
       </p:sp>
@@ -3800,8 +3756,8 @@
         </p:nvSpPr>
         <p:spPr>
           <a:xfrm>
-            <a:off x="3129095" y="1827548"/>
-            <a:ext cx="415498" cy="369332"/>
+            <a:off x="15045665" y="12807492"/>
+            <a:ext cx="970137" cy="1035220"/>
           </a:xfrm>
           <a:prstGeom prst="rect">
             <a:avLst/>
@@ -3815,10 +3771,10 @@
           <a:lstStyle/>
           <a:p>
             <a:r>
-              <a:rPr lang="ja-JP" altLang="en-US" smtClean="0"/>
+              <a:rPr lang="ja-JP" altLang="en-US"/>
               <a:t>②</a:t>
             </a:r>
-            <a:endParaRPr kumimoji="1" lang="ja-JP" altLang="en-US" dirty="0"/>
+            <a:endParaRPr lang="ja-JP" altLang="en-US" dirty="0"/>
           </a:p>
         </p:txBody>
       </p:sp>
@@ -3830,8 +3786,8 @@
         </p:nvSpPr>
         <p:spPr>
           <a:xfrm>
-            <a:off x="4553546" y="1827548"/>
-            <a:ext cx="415498" cy="369332"/>
+            <a:off x="16470116" y="12807492"/>
+            <a:ext cx="970137" cy="1035220"/>
           </a:xfrm>
           <a:prstGeom prst="rect">
             <a:avLst/>
@@ -3845,10 +3801,10 @@
           <a:lstStyle/>
           <a:p>
             <a:r>
-              <a:rPr lang="ja-JP" altLang="en-US" smtClean="0"/>
+              <a:rPr lang="ja-JP" altLang="en-US"/>
               <a:t>③</a:t>
             </a:r>
-            <a:endParaRPr kumimoji="1" lang="ja-JP" altLang="en-US" dirty="0"/>
+            <a:endParaRPr lang="ja-JP" altLang="en-US" dirty="0"/>
           </a:p>
         </p:txBody>
       </p:sp>
@@ -3860,8 +3816,8 @@
         </p:nvSpPr>
         <p:spPr>
           <a:xfrm>
-            <a:off x="4256123" y="3159810"/>
-            <a:ext cx="415498" cy="369332"/>
+            <a:off x="16172693" y="14139754"/>
+            <a:ext cx="970137" cy="1035220"/>
           </a:xfrm>
           <a:prstGeom prst="rect">
             <a:avLst/>
@@ -3875,14 +3831,14 @@
           <a:lstStyle/>
           <a:p>
             <a:r>
-              <a:rPr lang="ja-JP" altLang="en-US" dirty="0" smtClean="0">
+              <a:rPr lang="ja-JP" altLang="en-US" dirty="0">
                 <a:solidFill>
                   <a:srgbClr val="FF0000"/>
                 </a:solidFill>
               </a:rPr>
               <a:t>④</a:t>
             </a:r>
-            <a:endParaRPr kumimoji="1" lang="ja-JP" altLang="en-US" dirty="0">
+            <a:endParaRPr lang="ja-JP" altLang="en-US" dirty="0">
               <a:solidFill>
                 <a:srgbClr val="FF0000"/>
               </a:solidFill>
@@ -3898,7 +3854,7 @@
         </p:nvCxnSpPr>
         <p:spPr>
           <a:xfrm>
-            <a:off x="4553546" y="2377065"/>
+            <a:off x="16470116" y="13357009"/>
             <a:ext cx="1934431" cy="802070"/>
           </a:xfrm>
           <a:prstGeom prst="bentConnector3">
@@ -3936,7 +3892,7 @@
         </p:nvCxnSpPr>
         <p:spPr>
           <a:xfrm rot="10800000">
-            <a:off x="5028082" y="2813126"/>
+            <a:off x="16944651" y="13793071"/>
             <a:ext cx="1870108" cy="366009"/>
           </a:xfrm>
           <a:prstGeom prst="bentConnector3">
@@ -3974,8 +3930,8 @@
         </p:nvSpPr>
         <p:spPr>
           <a:xfrm>
-            <a:off x="4702258" y="2653079"/>
-            <a:ext cx="415498" cy="369332"/>
+            <a:off x="16618828" y="13633023"/>
+            <a:ext cx="970137" cy="1035220"/>
           </a:xfrm>
           <a:prstGeom prst="rect">
             <a:avLst/>
@@ -3994,14 +3950,14 @@
           <a:lstStyle/>
           <a:p>
             <a:r>
-              <a:rPr kumimoji="1" lang="ja-JP" altLang="en-US" dirty="0" smtClean="0">
+              <a:rPr lang="ja-JP" altLang="en-US" dirty="0">
                 <a:solidFill>
                   <a:srgbClr val="FFFF00"/>
                 </a:solidFill>
               </a:rPr>
               <a:t>飴</a:t>
             </a:r>
-            <a:endParaRPr kumimoji="1" lang="ja-JP" altLang="en-US" dirty="0">
+            <a:endParaRPr lang="ja-JP" altLang="en-US" dirty="0">
               <a:solidFill>
                 <a:srgbClr val="FFFF00"/>
               </a:solidFill>
@@ -4017,7 +3973,7 @@
         </p:nvCxnSpPr>
         <p:spPr>
           <a:xfrm flipV="1">
-            <a:off x="5059078" y="2653076"/>
+            <a:off x="16975647" y="13633020"/>
             <a:ext cx="2325864" cy="286736"/>
           </a:xfrm>
           <a:prstGeom prst="bentConnector3">
@@ -4055,8 +4011,8 @@
         </p:nvSpPr>
         <p:spPr>
           <a:xfrm>
-            <a:off x="7403722" y="2939812"/>
-            <a:ext cx="415498" cy="369332"/>
+            <a:off x="19320292" y="13919756"/>
+            <a:ext cx="970137" cy="1035220"/>
           </a:xfrm>
           <a:prstGeom prst="rect">
             <a:avLst/>
@@ -4070,14 +4026,14 @@
           <a:lstStyle/>
           <a:p>
             <a:r>
-              <a:rPr kumimoji="1" lang="ja-JP" altLang="en-US" dirty="0" smtClean="0">
+              <a:rPr lang="ja-JP" altLang="en-US" dirty="0">
                 <a:solidFill>
                   <a:srgbClr val="00B050"/>
                 </a:solidFill>
               </a:rPr>
               <a:t>⑤</a:t>
             </a:r>
-            <a:endParaRPr kumimoji="1" lang="ja-JP" altLang="en-US" dirty="0">
+            <a:endParaRPr lang="ja-JP" altLang="en-US" dirty="0">
               <a:solidFill>
                 <a:srgbClr val="00B050"/>
               </a:solidFill>
@@ -4093,7 +4049,7 @@
         </p:nvCxnSpPr>
         <p:spPr>
           <a:xfrm flipV="1">
-            <a:off x="7284203" y="2270503"/>
+            <a:off x="19200772" y="13250448"/>
             <a:ext cx="1100380" cy="382573"/>
           </a:xfrm>
           <a:prstGeom prst="bentConnector3">
@@ -4133,13 +4089,15 @@
           <p:nvPr/>
         </p:nvCxnSpPr>
         <p:spPr>
-          <a:xfrm rot="16200000" flipV="1">
-            <a:off x="3661136" y="1872589"/>
-            <a:ext cx="360371" cy="1008953"/>
-          </a:xfrm>
-          <a:prstGeom prst="bentConnector3">
+          <a:xfrm rot="16200000" flipH="1" flipV="1">
+            <a:off x="15882452" y="13185477"/>
+            <a:ext cx="305517" cy="1008953"/>
+          </a:xfrm>
+          <a:prstGeom prst="bentConnector5">
             <a:avLst>
-              <a:gd name="adj1" fmla="val 20013"/>
+              <a:gd name="adj1" fmla="val -74824"/>
+              <a:gd name="adj2" fmla="val 50000"/>
+              <a:gd name="adj3" fmla="val 174824"/>
             </a:avLst>
           </a:prstGeom>
           <a:ln w="28575">
@@ -4172,7 +4130,7 @@
         </p:nvCxnSpPr>
         <p:spPr>
           <a:xfrm>
-            <a:off x="3694506" y="2262190"/>
+            <a:off x="15611076" y="13242135"/>
             <a:ext cx="651291" cy="8313"/>
           </a:xfrm>
           <a:prstGeom prst="straightConnector1">
@@ -4252,7 +4210,7 @@
         </p:blipFill>
         <p:spPr>
           <a:xfrm>
-            <a:off x="4953000" y="0"/>
+            <a:off x="16869570" y="10979944"/>
             <a:ext cx="2279247" cy="6858000"/>
           </a:xfrm>
           <a:prstGeom prst="rect">
@@ -4268,7 +4226,7 @@
         </p:nvCxnSpPr>
         <p:spPr>
           <a:xfrm rot="16200000" flipH="1">
-            <a:off x="5080462" y="1794825"/>
+            <a:off x="16997031" y="12774769"/>
             <a:ext cx="2092276" cy="672386"/>
           </a:xfrm>
           <a:prstGeom prst="bentConnector3">
@@ -4306,7 +4264,7 @@
         </p:nvCxnSpPr>
         <p:spPr>
           <a:xfrm rot="5400000">
-            <a:off x="5331418" y="3487121"/>
+            <a:off x="17247988" y="14467066"/>
             <a:ext cx="1441343" cy="821411"/>
           </a:xfrm>
           <a:prstGeom prst="bentConnector3">
@@ -4344,7 +4302,7 @@
         </p:nvCxnSpPr>
         <p:spPr>
           <a:xfrm>
-            <a:off x="5641384" y="4742480"/>
+            <a:off x="17557953" y="15722424"/>
             <a:ext cx="604436" cy="511448"/>
           </a:xfrm>
           <a:prstGeom prst="bentConnector3">
@@ -4382,7 +4340,7 @@
         </p:nvCxnSpPr>
         <p:spPr>
           <a:xfrm>
-            <a:off x="6126600" y="5253928"/>
+            <a:off x="18043169" y="16233872"/>
             <a:ext cx="0" cy="526940"/>
           </a:xfrm>
           <a:prstGeom prst="straightConnector1">
@@ -4418,7 +4376,7 @@
         </p:nvSpPr>
         <p:spPr>
           <a:xfrm>
-            <a:off x="4460994" y="3759326"/>
+            <a:off x="16377563" y="14739271"/>
             <a:ext cx="1107996" cy="276999"/>
           </a:xfrm>
           <a:prstGeom prst="rect">
@@ -4441,10 +4399,10 @@
           <a:p>
             <a:pPr algn="ctr"/>
             <a:r>
-              <a:rPr lang="ja-JP" altLang="en-US" sz="1200" smtClean="0"/>
+              <a:rPr lang="ja-JP" altLang="en-US" sz="1200"/>
               <a:t>左端を通る！</a:t>
             </a:r>
-            <a:endParaRPr lang="en-US" altLang="ja-JP" sz="1200" dirty="0" smtClean="0"/>
+            <a:endParaRPr lang="en-US" altLang="ja-JP" sz="1200" dirty="0"/>
           </a:p>
         </p:txBody>
       </p:sp>
@@ -4456,7 +4414,7 @@
         </p:nvCxnSpPr>
         <p:spPr>
           <a:xfrm rot="5400000" flipH="1" flipV="1">
-            <a:off x="5394307" y="4630118"/>
+            <a:off x="17310876" y="15610062"/>
             <a:ext cx="2069022" cy="604436"/>
           </a:xfrm>
           <a:prstGeom prst="bentConnector3">
@@ -4494,8 +4452,8 @@
         </p:nvSpPr>
         <p:spPr>
           <a:xfrm>
-            <a:off x="6539303" y="3528493"/>
-            <a:ext cx="415498" cy="369332"/>
+            <a:off x="18455873" y="14508437"/>
+            <a:ext cx="970137" cy="1035220"/>
           </a:xfrm>
           <a:prstGeom prst="rect">
             <a:avLst/>
@@ -4514,14 +4472,14 @@
           <a:lstStyle/>
           <a:p>
             <a:r>
-              <a:rPr kumimoji="1" lang="ja-JP" altLang="en-US" smtClean="0">
+              <a:rPr lang="ja-JP" altLang="en-US">
                 <a:solidFill>
                   <a:srgbClr val="FFFF00"/>
                 </a:solidFill>
               </a:rPr>
               <a:t>木</a:t>
             </a:r>
-            <a:endParaRPr kumimoji="1" lang="ja-JP" altLang="en-US" dirty="0">
+            <a:endParaRPr lang="ja-JP" altLang="en-US" dirty="0">
               <a:solidFill>
                 <a:srgbClr val="FFFF00"/>
               </a:solidFill>
@@ -4537,7 +4495,7 @@
         </p:nvCxnSpPr>
         <p:spPr>
           <a:xfrm rot="5400000">
-            <a:off x="5088627" y="5010308"/>
+            <a:off x="17005197" y="15990253"/>
             <a:ext cx="2812941" cy="649967"/>
           </a:xfrm>
           <a:prstGeom prst="bentConnector3">
@@ -4619,7 +4577,7 @@
         </p:blipFill>
         <p:spPr>
           <a:xfrm>
-            <a:off x="2387600" y="2159000"/>
+            <a:off x="14304169" y="13138944"/>
             <a:ext cx="7416800" cy="2540000"/>
           </a:xfrm>
           <a:prstGeom prst="rect">
@@ -4635,7 +4593,7 @@
         </p:nvCxnSpPr>
         <p:spPr>
           <a:xfrm rot="5400000" flipH="1" flipV="1">
-            <a:off x="2575454" y="3531926"/>
+            <a:off x="14492023" y="14511871"/>
             <a:ext cx="931338" cy="592667"/>
           </a:xfrm>
           <a:prstGeom prst="bentConnector3">
@@ -4673,7 +4631,7 @@
         </p:nvCxnSpPr>
         <p:spPr>
           <a:xfrm rot="16200000" flipV="1">
-            <a:off x="2802072" y="2827204"/>
+            <a:off x="14718642" y="13807149"/>
             <a:ext cx="712259" cy="358513"/>
           </a:xfrm>
           <a:prstGeom prst="bentConnector3">
@@ -4711,7 +4669,7 @@
         </p:nvCxnSpPr>
         <p:spPr>
           <a:xfrm rot="16200000" flipH="1">
-            <a:off x="2735394" y="2836729"/>
+            <a:off x="14651964" y="13816673"/>
             <a:ext cx="1915851" cy="1543050"/>
           </a:xfrm>
           <a:prstGeom prst="bentConnector3">
@@ -4749,7 +4707,7 @@
         </p:nvCxnSpPr>
         <p:spPr>
           <a:xfrm>
-            <a:off x="3982514" y="2530338"/>
+            <a:off x="15899083" y="13510283"/>
             <a:ext cx="1677986" cy="1310751"/>
           </a:xfrm>
           <a:prstGeom prst="bentConnector3">
@@ -4787,7 +4745,7 @@
         </p:nvCxnSpPr>
         <p:spPr>
           <a:xfrm rot="16200000" flipV="1">
-            <a:off x="3619365" y="2769793"/>
+            <a:off x="15535935" y="13749738"/>
             <a:ext cx="1776421" cy="1271851"/>
           </a:xfrm>
           <a:prstGeom prst="bentConnector3">
@@ -4825,7 +4783,7 @@
         </p:nvSpPr>
         <p:spPr>
           <a:xfrm>
-            <a:off x="6161079" y="3928138"/>
+            <a:off x="18077648" y="14908083"/>
             <a:ext cx="823526" cy="222381"/>
           </a:xfrm>
           <a:prstGeom prst="wedgeRectCallout">
@@ -4852,15 +4810,19 @@
           </a:fontRef>
         </p:style>
         <p:txBody>
-          <a:bodyPr rtlCol="0" anchor="ctr"/>
+          <a:bodyPr rot="0" spcFirstLastPara="0" vertOverflow="overflow" horzOverflow="overflow" vert="horz" wrap="square" lIns="91440" tIns="45720" rIns="91440" bIns="45720" numCol="1" spcCol="0" rtlCol="0" fromWordArt="0" anchor="ctr" anchorCtr="0" forceAA="0" compatLnSpc="1">
+            <a:prstTxWarp prst="textNoShape">
+              <a:avLst/>
+            </a:prstTxWarp>
+            <a:noAutofit/>
+          </a:bodyPr>
           <a:lstStyle/>
           <a:p>
             <a:pPr algn="ctr"/>
             <a:r>
-              <a:rPr kumimoji="1" lang="ja-JP" altLang="en-US" sz="1000" dirty="0" smtClean="0"/>
+              <a:rPr lang="ja-JP" altLang="en-US" sz="1000" dirty="0"/>
               <a:t>ブリーのみ</a:t>
             </a:r>
-            <a:endParaRPr kumimoji="1" lang="ja-JP" altLang="en-US" sz="1000" dirty="0"/>
           </a:p>
         </p:txBody>
       </p:sp>
@@ -4872,7 +4834,7 @@
         </p:nvCxnSpPr>
         <p:spPr>
           <a:xfrm flipV="1">
-            <a:off x="5617636" y="2700337"/>
+            <a:off x="17534205" y="13680281"/>
             <a:ext cx="633144" cy="607214"/>
           </a:xfrm>
           <a:prstGeom prst="bentConnector3">
@@ -4910,7 +4872,7 @@
         </p:nvCxnSpPr>
         <p:spPr>
           <a:xfrm>
-            <a:off x="6407944" y="2714625"/>
+            <a:off x="18324513" y="13694570"/>
             <a:ext cx="2164556" cy="303607"/>
           </a:xfrm>
           <a:prstGeom prst="bentConnector3">
@@ -4948,7 +4910,7 @@
         </p:nvCxnSpPr>
         <p:spPr>
           <a:xfrm>
-            <a:off x="8501064" y="3348566"/>
+            <a:off x="20417633" y="14328510"/>
             <a:ext cx="857250" cy="536710"/>
           </a:xfrm>
           <a:prstGeom prst="bentConnector3">
@@ -4986,7 +4948,7 @@
         </p:nvSpPr>
         <p:spPr>
           <a:xfrm>
-            <a:off x="9008362" y="3245049"/>
+            <a:off x="20924931" y="14224993"/>
             <a:ext cx="699904" cy="207034"/>
           </a:xfrm>
           <a:prstGeom prst="wedgeRectCallout">
@@ -5013,15 +4975,19 @@
           </a:fontRef>
         </p:style>
         <p:txBody>
-          <a:bodyPr rtlCol="0" anchor="ctr"/>
+          <a:bodyPr rot="0" spcFirstLastPara="0" vertOverflow="overflow" horzOverflow="overflow" vert="horz" wrap="square" lIns="91440" tIns="45720" rIns="91440" bIns="45720" numCol="1" spcCol="0" rtlCol="0" fromWordArt="0" anchor="ctr" anchorCtr="0" forceAA="0" compatLnSpc="1">
+            <a:prstTxWarp prst="textNoShape">
+              <a:avLst/>
+            </a:prstTxWarp>
+            <a:noAutofit/>
+          </a:bodyPr>
           <a:lstStyle/>
           <a:p>
             <a:pPr algn="ctr"/>
             <a:r>
-              <a:rPr kumimoji="1" lang="ja-JP" altLang="en-US" sz="1000" dirty="0" smtClean="0"/>
+              <a:rPr lang="ja-JP" altLang="en-US" sz="1000" dirty="0"/>
               <a:t>ウイのみ</a:t>
             </a:r>
-            <a:endParaRPr kumimoji="1" lang="ja-JP" altLang="en-US" sz="1000" dirty="0"/>
           </a:p>
         </p:txBody>
       </p:sp>
@@ -5033,7 +4999,7 @@
         </p:nvCxnSpPr>
         <p:spPr>
           <a:xfrm flipV="1">
-            <a:off x="5615648" y="3327428"/>
+            <a:off x="17532217" y="14307373"/>
             <a:ext cx="0" cy="477671"/>
           </a:xfrm>
           <a:prstGeom prst="straightConnector1">
@@ -5066,7 +5032,7 @@
         </p:nvSpPr>
         <p:spPr>
           <a:xfrm>
-            <a:off x="2739693" y="4293929"/>
+            <a:off x="14656262" y="15273874"/>
             <a:ext cx="364202" cy="307777"/>
           </a:xfrm>
           <a:prstGeom prst="rect">
@@ -5081,14 +5047,14 @@
           <a:lstStyle/>
           <a:p>
             <a:r>
-              <a:rPr kumimoji="1" lang="ja-JP" altLang="en-US" sz="1400" smtClean="0">
+              <a:rPr lang="ja-JP" altLang="en-US" sz="1400">
                 <a:solidFill>
                   <a:srgbClr val="FF0000"/>
                 </a:solidFill>
               </a:rPr>
               <a:t>①</a:t>
             </a:r>
-            <a:endParaRPr kumimoji="1" lang="ja-JP" altLang="en-US" sz="1400" dirty="0">
+            <a:endParaRPr lang="ja-JP" altLang="en-US" sz="1400" dirty="0">
               <a:solidFill>
                 <a:srgbClr val="FF0000"/>
               </a:solidFill>
@@ -5104,7 +5070,7 @@
         </p:nvSpPr>
         <p:spPr>
           <a:xfrm>
-            <a:off x="2625589" y="3674370"/>
+            <a:off x="14542158" y="14654315"/>
             <a:ext cx="364202" cy="307777"/>
           </a:xfrm>
           <a:prstGeom prst="rect">
@@ -5119,14 +5085,14 @@
           <a:lstStyle/>
           <a:p>
             <a:r>
-              <a:rPr kumimoji="1" lang="ja-JP" altLang="en-US" sz="1400" smtClean="0">
+              <a:rPr lang="ja-JP" altLang="en-US" sz="1400">
                 <a:solidFill>
                   <a:srgbClr val="00B050"/>
                 </a:solidFill>
               </a:rPr>
               <a:t>②</a:t>
             </a:r>
-            <a:endParaRPr kumimoji="1" lang="ja-JP" altLang="en-US" sz="1400" dirty="0">
+            <a:endParaRPr lang="ja-JP" altLang="en-US" sz="1400" dirty="0">
               <a:solidFill>
                 <a:srgbClr val="00B050"/>
               </a:solidFill>
@@ -5142,7 +5108,7 @@
         </p:nvSpPr>
         <p:spPr>
           <a:xfrm>
-            <a:off x="4534807" y="2937272"/>
+            <a:off x="16451376" y="13917217"/>
             <a:ext cx="364202" cy="307777"/>
           </a:xfrm>
           <a:prstGeom prst="rect">
@@ -5157,14 +5123,14 @@
           <a:lstStyle/>
           <a:p>
             <a:r>
-              <a:rPr kumimoji="1" lang="ja-JP" altLang="en-US" sz="1400" smtClean="0">
+              <a:rPr lang="ja-JP" altLang="en-US" sz="1400">
                 <a:solidFill>
                   <a:srgbClr val="0070C0"/>
                 </a:solidFill>
               </a:rPr>
               <a:t>③</a:t>
             </a:r>
-            <a:endParaRPr kumimoji="1" lang="ja-JP" altLang="en-US" sz="1400" dirty="0">
+            <a:endParaRPr lang="ja-JP" altLang="en-US" sz="1400" dirty="0">
               <a:solidFill>
                 <a:srgbClr val="0070C0"/>
               </a:solidFill>
@@ -5224,7 +5190,7 @@
         </p:blipFill>
         <p:spPr>
           <a:xfrm>
-            <a:off x="4178300" y="1739900"/>
+            <a:off x="16094870" y="12719844"/>
             <a:ext cx="3819525" cy="3371850"/>
           </a:xfrm>
           <a:prstGeom prst="rect">
@@ -5240,7 +5206,7 @@
         </p:nvCxnSpPr>
         <p:spPr>
           <a:xfrm>
-            <a:off x="4290793" y="3063218"/>
+            <a:off x="16207363" y="14043163"/>
             <a:ext cx="1573979" cy="547085"/>
           </a:xfrm>
           <a:prstGeom prst="bentConnector3">
@@ -5275,7 +5241,7 @@
         </p:nvCxnSpPr>
         <p:spPr>
           <a:xfrm>
-            <a:off x="5869999" y="3610304"/>
+            <a:off x="17786568" y="14590249"/>
             <a:ext cx="1229710" cy="441435"/>
           </a:xfrm>
           <a:prstGeom prst="bentConnector3">
@@ -5312,7 +5278,7 @@
         </p:nvCxnSpPr>
         <p:spPr>
           <a:xfrm rot="16200000" flipV="1">
-            <a:off x="5743964" y="2722119"/>
+            <a:off x="17660534" y="13702063"/>
             <a:ext cx="1813035" cy="867104"/>
           </a:xfrm>
           <a:prstGeom prst="bentConnector3">
@@ -5350,7 +5316,7 @@
         </p:nvSpPr>
         <p:spPr>
           <a:xfrm>
-            <a:off x="4287569" y="1849317"/>
+            <a:off x="16204139" y="12829262"/>
             <a:ext cx="1980029" cy="307777"/>
           </a:xfrm>
           <a:prstGeom prst="rect">
@@ -5372,18 +5338,13 @@
           <a:lstStyle/>
           <a:p>
             <a:r>
-              <a:rPr kumimoji="1" lang="ja-JP" altLang="en-US" sz="1400" dirty="0" smtClean="0">
+              <a:rPr lang="ja-JP" altLang="en-US" sz="1400" dirty="0">
                 <a:solidFill>
                   <a:srgbClr val="FF0000"/>
                 </a:solidFill>
               </a:rPr>
               <a:t>①ポイントアップ回収</a:t>
             </a:r>
-            <a:endParaRPr kumimoji="1" lang="ja-JP" altLang="en-US" sz="1400" dirty="0">
-              <a:solidFill>
-                <a:srgbClr val="FF0000"/>
-              </a:solidFill>
-            </a:endParaRPr>
           </a:p>
         </p:txBody>
       </p:sp>
@@ -5395,7 +5356,7 @@
         </p:nvSpPr>
         <p:spPr>
           <a:xfrm>
-            <a:off x="5391807" y="2617076"/>
+            <a:off x="17308377" y="13597021"/>
             <a:ext cx="523055" cy="669539"/>
           </a:xfrm>
           <a:prstGeom prst="rect">
@@ -5425,11 +5386,16 @@
           </a:fontRef>
         </p:style>
         <p:txBody>
-          <a:bodyPr rtlCol="0" anchor="ctr"/>
+          <a:bodyPr rot="0" spcFirstLastPara="0" vertOverflow="overflow" horzOverflow="overflow" vert="horz" wrap="square" lIns="91440" tIns="45720" rIns="91440" bIns="45720" numCol="1" spcCol="0" rtlCol="0" fromWordArt="0" anchor="ctr" anchorCtr="0" forceAA="0" compatLnSpc="1">
+            <a:prstTxWarp prst="textNoShape">
+              <a:avLst/>
+            </a:prstTxWarp>
+            <a:noAutofit/>
+          </a:bodyPr>
           <a:lstStyle/>
           <a:p>
             <a:pPr algn="ctr"/>
-            <a:endParaRPr kumimoji="1" lang="ja-JP" altLang="en-US"/>
+            <a:endParaRPr lang="ja-JP" altLang="en-US"/>
           </a:p>
         </p:txBody>
       </p:sp>
@@ -5441,7 +5407,7 @@
         </p:nvSpPr>
         <p:spPr>
           <a:xfrm>
-            <a:off x="4243880" y="2422033"/>
+            <a:off x="16160449" y="13401978"/>
             <a:ext cx="1082348" cy="307777"/>
           </a:xfrm>
           <a:prstGeom prst="rect">
@@ -5463,14 +5429,14 @@
           <a:lstStyle/>
           <a:p>
             <a:r>
-              <a:rPr kumimoji="1" lang="ja-JP" altLang="en-US" sz="1400" smtClean="0">
+              <a:rPr lang="ja-JP" altLang="en-US" sz="1400">
                 <a:solidFill>
                   <a:srgbClr val="0070C0"/>
                 </a:solidFill>
               </a:rPr>
               <a:t>②デパート</a:t>
             </a:r>
-            <a:endParaRPr kumimoji="1" lang="ja-JP" altLang="en-US" sz="1400" dirty="0">
+            <a:endParaRPr lang="ja-JP" altLang="en-US" sz="1400" dirty="0">
               <a:solidFill>
                 <a:srgbClr val="0070C0"/>
               </a:solidFill>
@@ -5486,7 +5452,7 @@
         </p:nvSpPr>
         <p:spPr>
           <a:xfrm>
-            <a:off x="4232163" y="3215423"/>
+            <a:off x="16148733" y="14195367"/>
             <a:ext cx="523055" cy="490170"/>
           </a:xfrm>
           <a:prstGeom prst="rect">
@@ -5516,11 +5482,16 @@
           </a:fontRef>
         </p:style>
         <p:txBody>
-          <a:bodyPr rtlCol="0" anchor="ctr"/>
+          <a:bodyPr rot="0" spcFirstLastPara="0" vertOverflow="overflow" horzOverflow="overflow" vert="horz" wrap="square" lIns="91440" tIns="45720" rIns="91440" bIns="45720" numCol="1" spcCol="0" rtlCol="0" fromWordArt="0" anchor="ctr" anchorCtr="0" forceAA="0" compatLnSpc="1">
+            <a:prstTxWarp prst="textNoShape">
+              <a:avLst/>
+            </a:prstTxWarp>
+            <a:noAutofit/>
+          </a:bodyPr>
           <a:lstStyle/>
           <a:p>
             <a:pPr algn="ctr"/>
-            <a:endParaRPr kumimoji="1" lang="ja-JP" altLang="en-US"/>
+            <a:endParaRPr lang="ja-JP" altLang="en-US"/>
           </a:p>
         </p:txBody>
       </p:sp>
@@ -5532,7 +5503,7 @@
         </p:nvSpPr>
         <p:spPr>
           <a:xfrm>
-            <a:off x="4610245" y="3762508"/>
+            <a:off x="16526815" y="14742453"/>
             <a:ext cx="723275" cy="307777"/>
           </a:xfrm>
           <a:prstGeom prst="rect">
@@ -5554,18 +5525,13 @@
           <a:lstStyle/>
           <a:p>
             <a:r>
-              <a:rPr kumimoji="1" lang="ja-JP" altLang="en-US" sz="1400" dirty="0" smtClean="0">
+              <a:rPr lang="ja-JP" altLang="en-US" sz="1400" dirty="0">
                 <a:solidFill>
                   <a:srgbClr val="00B050"/>
                 </a:solidFill>
               </a:rPr>
               <a:t>③ジム</a:t>
             </a:r>
-            <a:endParaRPr kumimoji="1" lang="ja-JP" altLang="en-US" sz="1400" dirty="0">
-              <a:solidFill>
-                <a:srgbClr val="00B050"/>
-              </a:solidFill>
-            </a:endParaRPr>
           </a:p>
         </p:txBody>
       </p:sp>
@@ -5582,10 +5548,5456 @@
 </p:sld>
 </file>
 
+<file path=ppt/slides/slide5.xml><?xml version="1.0" encoding="utf-8"?>
+<p:sld xmlns:a="http://schemas.openxmlformats.org/drawingml/2006/main" xmlns:r="http://schemas.openxmlformats.org/officeDocument/2006/relationships" xmlns:p="http://schemas.openxmlformats.org/presentationml/2006/main">
+  <p:cSld>
+    <p:spTree>
+      <p:nvGrpSpPr>
+        <p:cNvPr id="1" name=""/>
+        <p:cNvGrpSpPr/>
+        <p:nvPr/>
+      </p:nvGrpSpPr>
+      <p:grpSpPr>
+        <a:xfrm>
+          <a:off x="0" y="0"/>
+          <a:ext cx="0" cy="0"/>
+          <a:chOff x="0" y="0"/>
+          <a:chExt cx="0" cy="0"/>
+        </a:xfrm>
+      </p:grpSpPr>
+      <p:pic>
+        <p:nvPicPr>
+          <p:cNvPr id="3" name="図 2"/>
+          <p:cNvPicPr>
+            <a:picLocks noChangeAspect="1"/>
+          </p:cNvPicPr>
+          <p:nvPr/>
+        </p:nvPicPr>
+        <p:blipFill rotWithShape="1">
+          <a:blip r:embed="rId2">
+            <a:extLst>
+              <a:ext uri="{28A0092B-C50C-407E-A947-70E740481C1C}">
+                <a14:useLocalDpi xmlns:a14="http://schemas.microsoft.com/office/drawing/2010/main" val="0"/>
+              </a:ext>
+            </a:extLst>
+          </a:blip>
+          <a:srcRect b="9710"/>
+          <a:stretch/>
+        </p:blipFill>
+        <p:spPr>
+          <a:xfrm>
+            <a:off x="13016239" y="11484209"/>
+            <a:ext cx="7505700" cy="2167217"/>
+          </a:xfrm>
+          <a:prstGeom prst="rect">
+            <a:avLst/>
+          </a:prstGeom>
+        </p:spPr>
+      </p:pic>
+      <p:pic>
+        <p:nvPicPr>
+          <p:cNvPr id="4" name="図 3"/>
+          <p:cNvPicPr>
+            <a:picLocks noChangeAspect="1"/>
+          </p:cNvPicPr>
+          <p:nvPr/>
+        </p:nvPicPr>
+        <p:blipFill rotWithShape="1">
+          <a:blip r:embed="rId3">
+            <a:extLst>
+              <a:ext uri="{28A0092B-C50C-407E-A947-70E740481C1C}">
+                <a14:useLocalDpi xmlns:a14="http://schemas.microsoft.com/office/drawing/2010/main" val="0"/>
+              </a:ext>
+            </a:extLst>
+          </a:blip>
+          <a:srcRect t="1388"/>
+          <a:stretch/>
+        </p:blipFill>
+        <p:spPr>
+          <a:xfrm>
+            <a:off x="18723073" y="13651426"/>
+            <a:ext cx="1745274" cy="3810863"/>
+          </a:xfrm>
+          <a:prstGeom prst="rect">
+            <a:avLst/>
+          </a:prstGeom>
+        </p:spPr>
+      </p:pic>
+      <p:cxnSp>
+        <p:nvCxnSpPr>
+          <p:cNvPr id="17" name="カギ線コネクタ 16"/>
+          <p:cNvCxnSpPr/>
+          <p:nvPr/>
+        </p:nvCxnSpPr>
+        <p:spPr>
+          <a:xfrm rot="16200000" flipV="1">
+            <a:off x="17699442" y="13663156"/>
+            <a:ext cx="2245354" cy="1377239"/>
+          </a:xfrm>
+          <a:prstGeom prst="bentConnector3">
+            <a:avLst>
+              <a:gd name="adj1" fmla="val 99697"/>
+            </a:avLst>
+          </a:prstGeom>
+          <a:ln w="28575">
+            <a:solidFill>
+              <a:srgbClr val="FF0000"/>
+            </a:solidFill>
+            <a:tailEnd type="triangle"/>
+          </a:ln>
+        </p:spPr>
+        <p:style>
+          <a:lnRef idx="1">
+            <a:schemeClr val="accent1"/>
+          </a:lnRef>
+          <a:fillRef idx="0">
+            <a:schemeClr val="accent1"/>
+          </a:fillRef>
+          <a:effectRef idx="0">
+            <a:schemeClr val="accent1"/>
+          </a:effectRef>
+          <a:fontRef idx="minor">
+            <a:schemeClr val="tx1"/>
+          </a:fontRef>
+        </p:style>
+      </p:cxnSp>
+      <p:cxnSp>
+        <p:nvCxnSpPr>
+          <p:cNvPr id="21" name="カギ線コネクタ 20"/>
+          <p:cNvCxnSpPr/>
+          <p:nvPr/>
+        </p:nvCxnSpPr>
+        <p:spPr>
+          <a:xfrm rot="16200000" flipV="1">
+            <a:off x="16832143" y="12439395"/>
+            <a:ext cx="907846" cy="388791"/>
+          </a:xfrm>
+          <a:prstGeom prst="bentConnector3">
+            <a:avLst>
+              <a:gd name="adj1" fmla="val 50000"/>
+            </a:avLst>
+          </a:prstGeom>
+          <a:ln w="28575">
+            <a:solidFill>
+              <a:srgbClr val="FF0000"/>
+            </a:solidFill>
+            <a:tailEnd type="triangle"/>
+          </a:ln>
+        </p:spPr>
+        <p:style>
+          <a:lnRef idx="1">
+            <a:schemeClr val="accent1"/>
+          </a:lnRef>
+          <a:fillRef idx="0">
+            <a:schemeClr val="accent1"/>
+          </a:fillRef>
+          <a:effectRef idx="0">
+            <a:schemeClr val="accent1"/>
+          </a:effectRef>
+          <a:fontRef idx="minor">
+            <a:schemeClr val="tx1"/>
+          </a:fontRef>
+        </p:style>
+      </p:cxnSp>
+      <p:cxnSp>
+        <p:nvCxnSpPr>
+          <p:cNvPr id="27" name="カギ線コネクタ 26"/>
+          <p:cNvCxnSpPr/>
+          <p:nvPr/>
+        </p:nvCxnSpPr>
+        <p:spPr>
+          <a:xfrm rot="5400000">
+            <a:off x="15757052" y="12380049"/>
+            <a:ext cx="886974" cy="762047"/>
+          </a:xfrm>
+          <a:prstGeom prst="bentConnector3">
+            <a:avLst>
+              <a:gd name="adj1" fmla="val -673"/>
+            </a:avLst>
+          </a:prstGeom>
+          <a:ln w="28575">
+            <a:solidFill>
+              <a:srgbClr val="FF0000"/>
+            </a:solidFill>
+            <a:tailEnd type="triangle"/>
+          </a:ln>
+        </p:spPr>
+        <p:style>
+          <a:lnRef idx="1">
+            <a:schemeClr val="accent1"/>
+          </a:lnRef>
+          <a:fillRef idx="0">
+            <a:schemeClr val="accent1"/>
+          </a:fillRef>
+          <a:effectRef idx="0">
+            <a:schemeClr val="accent1"/>
+          </a:effectRef>
+          <a:fontRef idx="minor">
+            <a:schemeClr val="tx1"/>
+          </a:fontRef>
+        </p:style>
+      </p:cxnSp>
+      <p:cxnSp>
+        <p:nvCxnSpPr>
+          <p:cNvPr id="33" name="カギ線コネクタ 32"/>
+          <p:cNvCxnSpPr/>
+          <p:nvPr/>
+        </p:nvCxnSpPr>
+        <p:spPr>
+          <a:xfrm rot="10800000">
+            <a:off x="13977841" y="12888136"/>
+            <a:ext cx="1558831" cy="539859"/>
+          </a:xfrm>
+          <a:prstGeom prst="bentConnector3">
+            <a:avLst>
+              <a:gd name="adj1" fmla="val 50000"/>
+            </a:avLst>
+          </a:prstGeom>
+          <a:ln w="28575">
+            <a:solidFill>
+              <a:srgbClr val="FF0000"/>
+            </a:solidFill>
+            <a:tailEnd type="triangle"/>
+          </a:ln>
+        </p:spPr>
+        <p:style>
+          <a:lnRef idx="1">
+            <a:schemeClr val="accent1"/>
+          </a:lnRef>
+          <a:fillRef idx="0">
+            <a:schemeClr val="accent1"/>
+          </a:fillRef>
+          <a:effectRef idx="0">
+            <a:schemeClr val="accent1"/>
+          </a:effectRef>
+          <a:fontRef idx="minor">
+            <a:schemeClr val="tx1"/>
+          </a:fontRef>
+        </p:style>
+      </p:cxnSp>
+      <p:cxnSp>
+        <p:nvCxnSpPr>
+          <p:cNvPr id="35" name="直線矢印コネクタ 34"/>
+          <p:cNvCxnSpPr/>
+          <p:nvPr/>
+        </p:nvCxnSpPr>
+        <p:spPr>
+          <a:xfrm>
+            <a:off x="13698865" y="12169075"/>
+            <a:ext cx="4" cy="790414"/>
+          </a:xfrm>
+          <a:prstGeom prst="straightConnector1">
+            <a:avLst/>
+          </a:prstGeom>
+          <a:ln w="28575">
+            <a:solidFill>
+              <a:srgbClr val="FF0000"/>
+            </a:solidFill>
+            <a:headEnd type="triangle"/>
+            <a:tailEnd type="triangle"/>
+          </a:ln>
+        </p:spPr>
+        <p:style>
+          <a:lnRef idx="1">
+            <a:schemeClr val="accent1"/>
+          </a:lnRef>
+          <a:fillRef idx="0">
+            <a:schemeClr val="accent1"/>
+          </a:fillRef>
+          <a:effectRef idx="0">
+            <a:schemeClr val="accent1"/>
+          </a:effectRef>
+          <a:fontRef idx="minor">
+            <a:schemeClr val="tx1"/>
+          </a:fontRef>
+        </p:style>
+      </p:cxnSp>
+      <p:sp>
+        <p:nvSpPr>
+          <p:cNvPr id="37" name="円/楕円 36"/>
+          <p:cNvSpPr/>
+          <p:nvPr/>
+        </p:nvSpPr>
+        <p:spPr>
+          <a:xfrm>
+            <a:off x="17759432" y="12963879"/>
+            <a:ext cx="379710" cy="371959"/>
+          </a:xfrm>
+          <a:prstGeom prst="ellipse">
+            <a:avLst/>
+          </a:prstGeom>
+          <a:noFill/>
+          <a:ln w="28575">
+            <a:solidFill>
+              <a:srgbClr val="FF0000"/>
+            </a:solidFill>
+          </a:ln>
+        </p:spPr>
+        <p:style>
+          <a:lnRef idx="2">
+            <a:schemeClr val="accent1">
+              <a:shade val="50000"/>
+            </a:schemeClr>
+          </a:lnRef>
+          <a:fillRef idx="1">
+            <a:schemeClr val="accent1"/>
+          </a:fillRef>
+          <a:effectRef idx="0">
+            <a:schemeClr val="accent1"/>
+          </a:effectRef>
+          <a:fontRef idx="minor">
+            <a:schemeClr val="lt1"/>
+          </a:fontRef>
+        </p:style>
+        <p:txBody>
+          <a:bodyPr rot="0" spcFirstLastPara="0" vertOverflow="overflow" horzOverflow="overflow" vert="horz" wrap="square" lIns="91440" tIns="45720" rIns="91440" bIns="45720" numCol="1" spcCol="0" rtlCol="0" fromWordArt="0" anchor="ctr" anchorCtr="0" forceAA="0" compatLnSpc="1">
+            <a:prstTxWarp prst="textNoShape">
+              <a:avLst/>
+            </a:prstTxWarp>
+            <a:noAutofit/>
+          </a:bodyPr>
+          <a:lstStyle/>
+          <a:p>
+            <a:pPr algn="ctr"/>
+            <a:endParaRPr lang="ja-JP" altLang="en-US"/>
+          </a:p>
+        </p:txBody>
+      </p:sp>
+      <p:sp>
+        <p:nvSpPr>
+          <p:cNvPr id="40" name="円/楕円 39"/>
+          <p:cNvSpPr/>
+          <p:nvPr/>
+        </p:nvSpPr>
+        <p:spPr>
+          <a:xfrm>
+            <a:off x="16622845" y="11993887"/>
+            <a:ext cx="379710" cy="371959"/>
+          </a:xfrm>
+          <a:prstGeom prst="ellipse">
+            <a:avLst/>
+          </a:prstGeom>
+          <a:noFill/>
+          <a:ln w="28575">
+            <a:solidFill>
+              <a:srgbClr val="FF0000"/>
+            </a:solidFill>
+          </a:ln>
+        </p:spPr>
+        <p:style>
+          <a:lnRef idx="2">
+            <a:schemeClr val="accent1">
+              <a:shade val="50000"/>
+            </a:schemeClr>
+          </a:lnRef>
+          <a:fillRef idx="1">
+            <a:schemeClr val="accent1"/>
+          </a:fillRef>
+          <a:effectRef idx="0">
+            <a:schemeClr val="accent1"/>
+          </a:effectRef>
+          <a:fontRef idx="minor">
+            <a:schemeClr val="lt1"/>
+          </a:fontRef>
+        </p:style>
+        <p:txBody>
+          <a:bodyPr rot="0" spcFirstLastPara="0" vertOverflow="overflow" horzOverflow="overflow" vert="horz" wrap="square" lIns="91440" tIns="45720" rIns="91440" bIns="45720" numCol="1" spcCol="0" rtlCol="0" fromWordArt="0" anchor="ctr" anchorCtr="0" forceAA="0" compatLnSpc="1">
+            <a:prstTxWarp prst="textNoShape">
+              <a:avLst/>
+            </a:prstTxWarp>
+            <a:noAutofit/>
+          </a:bodyPr>
+          <a:lstStyle/>
+          <a:p>
+            <a:pPr algn="ctr"/>
+            <a:endParaRPr lang="ja-JP" altLang="en-US"/>
+          </a:p>
+        </p:txBody>
+      </p:sp>
+      <p:sp>
+        <p:nvSpPr>
+          <p:cNvPr id="41" name="円/楕円 40"/>
+          <p:cNvSpPr/>
+          <p:nvPr/>
+        </p:nvSpPr>
+        <p:spPr>
+          <a:xfrm>
+            <a:off x="13602006" y="12598580"/>
+            <a:ext cx="379710" cy="371959"/>
+          </a:xfrm>
+          <a:prstGeom prst="ellipse">
+            <a:avLst/>
+          </a:prstGeom>
+          <a:noFill/>
+          <a:ln w="28575">
+            <a:solidFill>
+              <a:srgbClr val="FF0000"/>
+            </a:solidFill>
+          </a:ln>
+        </p:spPr>
+        <p:style>
+          <a:lnRef idx="2">
+            <a:schemeClr val="accent1">
+              <a:shade val="50000"/>
+            </a:schemeClr>
+          </a:lnRef>
+          <a:fillRef idx="1">
+            <a:schemeClr val="accent1"/>
+          </a:fillRef>
+          <a:effectRef idx="0">
+            <a:schemeClr val="accent1"/>
+          </a:effectRef>
+          <a:fontRef idx="minor">
+            <a:schemeClr val="lt1"/>
+          </a:fontRef>
+        </p:style>
+        <p:txBody>
+          <a:bodyPr rot="0" spcFirstLastPara="0" vertOverflow="overflow" horzOverflow="overflow" vert="horz" wrap="square" lIns="91440" tIns="45720" rIns="91440" bIns="45720" numCol="1" spcCol="0" rtlCol="0" fromWordArt="0" anchor="ctr" anchorCtr="0" forceAA="0" compatLnSpc="1">
+            <a:prstTxWarp prst="textNoShape">
+              <a:avLst/>
+            </a:prstTxWarp>
+            <a:noAutofit/>
+          </a:bodyPr>
+          <a:lstStyle/>
+          <a:p>
+            <a:pPr algn="ctr"/>
+            <a:endParaRPr lang="ja-JP" altLang="en-US"/>
+          </a:p>
+        </p:txBody>
+      </p:sp>
+      <p:sp>
+        <p:nvSpPr>
+          <p:cNvPr id="42" name="円/楕円 41"/>
+          <p:cNvSpPr/>
+          <p:nvPr/>
+        </p:nvSpPr>
+        <p:spPr>
+          <a:xfrm>
+            <a:off x="14783752" y="12872637"/>
+            <a:ext cx="379710" cy="371959"/>
+          </a:xfrm>
+          <a:prstGeom prst="ellipse">
+            <a:avLst/>
+          </a:prstGeom>
+          <a:noFill/>
+          <a:ln w="28575">
+            <a:solidFill>
+              <a:srgbClr val="FF0000"/>
+            </a:solidFill>
+          </a:ln>
+        </p:spPr>
+        <p:style>
+          <a:lnRef idx="2">
+            <a:schemeClr val="accent1">
+              <a:shade val="50000"/>
+            </a:schemeClr>
+          </a:lnRef>
+          <a:fillRef idx="1">
+            <a:schemeClr val="accent1"/>
+          </a:fillRef>
+          <a:effectRef idx="0">
+            <a:schemeClr val="accent1"/>
+          </a:effectRef>
+          <a:fontRef idx="minor">
+            <a:schemeClr val="lt1"/>
+          </a:fontRef>
+        </p:style>
+        <p:txBody>
+          <a:bodyPr rot="0" spcFirstLastPara="0" vertOverflow="overflow" horzOverflow="overflow" vert="horz" wrap="square" lIns="91440" tIns="45720" rIns="91440" bIns="45720" numCol="1" spcCol="0" rtlCol="0" fromWordArt="0" anchor="ctr" anchorCtr="0" forceAA="0" compatLnSpc="1">
+            <a:prstTxWarp prst="textNoShape">
+              <a:avLst/>
+            </a:prstTxWarp>
+            <a:noAutofit/>
+          </a:bodyPr>
+          <a:lstStyle/>
+          <a:p>
+            <a:pPr algn="ctr"/>
+            <a:endParaRPr lang="ja-JP" altLang="en-US"/>
+          </a:p>
+        </p:txBody>
+      </p:sp>
+      <p:sp>
+        <p:nvSpPr>
+          <p:cNvPr id="45" name="円/楕円 44"/>
+          <p:cNvSpPr/>
+          <p:nvPr/>
+        </p:nvSpPr>
+        <p:spPr>
+          <a:xfrm>
+            <a:off x="15594832" y="13242013"/>
+            <a:ext cx="379710" cy="371959"/>
+          </a:xfrm>
+          <a:prstGeom prst="ellipse">
+            <a:avLst/>
+          </a:prstGeom>
+          <a:noFill/>
+          <a:ln w="28575">
+            <a:solidFill>
+              <a:srgbClr val="FF0000"/>
+            </a:solidFill>
+          </a:ln>
+        </p:spPr>
+        <p:style>
+          <a:lnRef idx="2">
+            <a:schemeClr val="accent1">
+              <a:shade val="50000"/>
+            </a:schemeClr>
+          </a:lnRef>
+          <a:fillRef idx="1">
+            <a:schemeClr val="accent1"/>
+          </a:fillRef>
+          <a:effectRef idx="0">
+            <a:schemeClr val="accent1"/>
+          </a:effectRef>
+          <a:fontRef idx="minor">
+            <a:schemeClr val="lt1"/>
+          </a:fontRef>
+        </p:style>
+        <p:txBody>
+          <a:bodyPr rot="0" spcFirstLastPara="0" vertOverflow="overflow" horzOverflow="overflow" vert="horz" wrap="square" lIns="91440" tIns="45720" rIns="91440" bIns="45720" numCol="1" spcCol="0" rtlCol="0" fromWordArt="0" anchor="ctr" anchorCtr="0" forceAA="0" compatLnSpc="1">
+            <a:prstTxWarp prst="textNoShape">
+              <a:avLst/>
+            </a:prstTxWarp>
+            <a:noAutofit/>
+          </a:bodyPr>
+          <a:lstStyle/>
+          <a:p>
+            <a:pPr algn="ctr"/>
+            <a:endParaRPr lang="ja-JP" altLang="en-US"/>
+          </a:p>
+        </p:txBody>
+      </p:sp>
+      <p:sp>
+        <p:nvSpPr>
+          <p:cNvPr id="48" name="テキスト ボックス 47"/>
+          <p:cNvSpPr txBox="1"/>
+          <p:nvPr/>
+        </p:nvSpPr>
+        <p:spPr>
+          <a:xfrm>
+            <a:off x="13916732" y="11955588"/>
+            <a:ext cx="902811" cy="307777"/>
+          </a:xfrm>
+          <a:prstGeom prst="rect">
+            <a:avLst/>
+          </a:prstGeom>
+          <a:solidFill>
+            <a:schemeClr val="bg1"/>
+          </a:solidFill>
+          <a:ln w="19050">
+            <a:solidFill>
+              <a:srgbClr val="0070C0"/>
+            </a:solidFill>
+          </a:ln>
+        </p:spPr>
+        <p:txBody>
+          <a:bodyPr wrap="none" rtlCol="0">
+            <a:spAutoFit/>
+          </a:bodyPr>
+          <a:lstStyle/>
+          <a:p>
+            <a:r>
+              <a:rPr lang="ja-JP" altLang="en-US" sz="1400"/>
+              <a:t>ウイのみ</a:t>
+            </a:r>
+          </a:p>
+        </p:txBody>
+      </p:sp>
+      <p:sp>
+        <p:nvSpPr>
+          <p:cNvPr id="49" name="テキスト ボックス 48"/>
+          <p:cNvSpPr txBox="1"/>
+          <p:nvPr/>
+        </p:nvSpPr>
+        <p:spPr>
+          <a:xfrm>
+            <a:off x="17759433" y="15135898"/>
+            <a:ext cx="1620957" cy="338554"/>
+          </a:xfrm>
+          <a:prstGeom prst="rect">
+            <a:avLst/>
+          </a:prstGeom>
+          <a:solidFill>
+            <a:schemeClr val="bg1"/>
+          </a:solidFill>
+          <a:ln>
+            <a:solidFill>
+              <a:schemeClr val="tx1"/>
+            </a:solidFill>
+          </a:ln>
+        </p:spPr>
+        <p:txBody>
+          <a:bodyPr wrap="none" rtlCol="0">
+            <a:spAutoFit/>
+          </a:bodyPr>
+          <a:lstStyle/>
+          <a:p>
+            <a:r>
+              <a:rPr lang="ja-JP" altLang="en-US" sz="1600"/>
+              <a:t>コダックの群れ</a:t>
+            </a:r>
+          </a:p>
+        </p:txBody>
+      </p:sp>
+    </p:spTree>
+    <p:extLst>
+      <p:ext uri="{BB962C8B-B14F-4D97-AF65-F5344CB8AC3E}">
+        <p14:creationId xmlns:p14="http://schemas.microsoft.com/office/powerpoint/2010/main" val="1143208761"/>
+      </p:ext>
+    </p:extLst>
+  </p:cSld>
+  <p:clrMapOvr>
+    <a:masterClrMapping/>
+  </p:clrMapOvr>
+</p:sld>
+</file>
+
+<file path=ppt/slides/slide6.xml><?xml version="1.0" encoding="utf-8"?>
+<p:sld xmlns:a="http://schemas.openxmlformats.org/drawingml/2006/main" xmlns:r="http://schemas.openxmlformats.org/officeDocument/2006/relationships" xmlns:p="http://schemas.openxmlformats.org/presentationml/2006/main">
+  <p:cSld>
+    <p:spTree>
+      <p:nvGrpSpPr>
+        <p:cNvPr id="1" name=""/>
+        <p:cNvGrpSpPr/>
+        <p:nvPr/>
+      </p:nvGrpSpPr>
+      <p:grpSpPr>
+        <a:xfrm>
+          <a:off x="0" y="0"/>
+          <a:ext cx="0" cy="0"/>
+          <a:chOff x="0" y="0"/>
+          <a:chExt cx="0" cy="0"/>
+        </a:xfrm>
+      </p:grpSpPr>
+      <p:pic>
+        <p:nvPicPr>
+          <p:cNvPr id="2" name="図 1"/>
+          <p:cNvPicPr>
+            <a:picLocks noChangeAspect="1"/>
+          </p:cNvPicPr>
+          <p:nvPr/>
+        </p:nvPicPr>
+        <p:blipFill>
+          <a:blip r:embed="rId2">
+            <a:extLst>
+              <a:ext uri="{28A0092B-C50C-407E-A947-70E740481C1C}">
+                <a14:useLocalDpi xmlns:a14="http://schemas.microsoft.com/office/drawing/2010/main" val="0"/>
+              </a:ext>
+            </a:extLst>
+          </a:blip>
+          <a:stretch>
+            <a:fillRect/>
+          </a:stretch>
+        </p:blipFill>
+        <p:spPr>
+          <a:xfrm>
+            <a:off x="14837569" y="12059444"/>
+            <a:ext cx="6350000" cy="4686300"/>
+          </a:xfrm>
+          <a:prstGeom prst="rect">
+            <a:avLst/>
+          </a:prstGeom>
+        </p:spPr>
+      </p:pic>
+      <p:cxnSp>
+        <p:nvCxnSpPr>
+          <p:cNvPr id="6" name="カギ線コネクタ 5"/>
+          <p:cNvCxnSpPr/>
+          <p:nvPr/>
+        </p:nvCxnSpPr>
+        <p:spPr>
+          <a:xfrm flipV="1">
+            <a:off x="16257563" y="12808747"/>
+            <a:ext cx="1579358" cy="356133"/>
+          </a:xfrm>
+          <a:prstGeom prst="bentConnector3">
+            <a:avLst>
+              <a:gd name="adj1" fmla="val 85043"/>
+            </a:avLst>
+          </a:prstGeom>
+          <a:ln w="28575">
+            <a:solidFill>
+              <a:srgbClr val="00B050"/>
+            </a:solidFill>
+            <a:tailEnd type="triangle"/>
+          </a:ln>
+        </p:spPr>
+        <p:style>
+          <a:lnRef idx="1">
+            <a:schemeClr val="accent1"/>
+          </a:lnRef>
+          <a:fillRef idx="0">
+            <a:schemeClr val="accent1"/>
+          </a:fillRef>
+          <a:effectRef idx="0">
+            <a:schemeClr val="accent1"/>
+          </a:effectRef>
+          <a:fontRef idx="minor">
+            <a:schemeClr val="tx1"/>
+          </a:fontRef>
+        </p:style>
+      </p:cxnSp>
+      <p:cxnSp>
+        <p:nvCxnSpPr>
+          <p:cNvPr id="22" name="カギ線コネクタ 21"/>
+          <p:cNvCxnSpPr/>
+          <p:nvPr/>
+        </p:nvCxnSpPr>
+        <p:spPr>
+          <a:xfrm flipV="1">
+            <a:off x="16854329" y="12178290"/>
+            <a:ext cx="336884" cy="149193"/>
+          </a:xfrm>
+          <a:prstGeom prst="bentConnector3">
+            <a:avLst>
+              <a:gd name="adj1" fmla="val 50000"/>
+            </a:avLst>
+          </a:prstGeom>
+          <a:ln w="28575">
+            <a:solidFill>
+              <a:srgbClr val="00B050"/>
+            </a:solidFill>
+            <a:tailEnd type="triangle"/>
+          </a:ln>
+        </p:spPr>
+        <p:style>
+          <a:lnRef idx="1">
+            <a:schemeClr val="accent1"/>
+          </a:lnRef>
+          <a:fillRef idx="0">
+            <a:schemeClr val="accent1"/>
+          </a:fillRef>
+          <a:effectRef idx="0">
+            <a:schemeClr val="accent1"/>
+          </a:effectRef>
+          <a:fontRef idx="minor">
+            <a:schemeClr val="tx1"/>
+          </a:fontRef>
+        </p:style>
+      </p:cxnSp>
+      <p:cxnSp>
+        <p:nvCxnSpPr>
+          <p:cNvPr id="20" name="カギ線コネクタ 19"/>
+          <p:cNvCxnSpPr/>
+          <p:nvPr/>
+        </p:nvCxnSpPr>
+        <p:spPr>
+          <a:xfrm flipV="1">
+            <a:off x="15037550" y="13164881"/>
+            <a:ext cx="1569969" cy="167605"/>
+          </a:xfrm>
+          <a:prstGeom prst="bentConnector3">
+            <a:avLst>
+              <a:gd name="adj1" fmla="val 77618"/>
+            </a:avLst>
+          </a:prstGeom>
+          <a:ln w="28575">
+            <a:solidFill>
+              <a:srgbClr val="00B050"/>
+            </a:solidFill>
+          </a:ln>
+        </p:spPr>
+        <p:style>
+          <a:lnRef idx="1">
+            <a:schemeClr val="accent1"/>
+          </a:lnRef>
+          <a:fillRef idx="0">
+            <a:schemeClr val="accent1"/>
+          </a:fillRef>
+          <a:effectRef idx="0">
+            <a:schemeClr val="accent1"/>
+          </a:effectRef>
+          <a:fontRef idx="minor">
+            <a:schemeClr val="tx1"/>
+          </a:fontRef>
+        </p:style>
+      </p:cxnSp>
+      <p:cxnSp>
+        <p:nvCxnSpPr>
+          <p:cNvPr id="32" name="カギ線コネクタ 31"/>
+          <p:cNvCxnSpPr/>
+          <p:nvPr/>
+        </p:nvCxnSpPr>
+        <p:spPr>
+          <a:xfrm rot="10800000">
+            <a:off x="20561807" y="12252885"/>
+            <a:ext cx="438072" cy="252408"/>
+          </a:xfrm>
+          <a:prstGeom prst="bentConnector3">
+            <a:avLst>
+              <a:gd name="adj1" fmla="val 100798"/>
+            </a:avLst>
+          </a:prstGeom>
+          <a:ln w="28575">
+            <a:solidFill>
+              <a:srgbClr val="00B050"/>
+            </a:solidFill>
+            <a:tailEnd type="triangle"/>
+          </a:ln>
+        </p:spPr>
+        <p:style>
+          <a:lnRef idx="1">
+            <a:schemeClr val="accent1"/>
+          </a:lnRef>
+          <a:fillRef idx="0">
+            <a:schemeClr val="accent1"/>
+          </a:fillRef>
+          <a:effectRef idx="0">
+            <a:schemeClr val="accent1"/>
+          </a:effectRef>
+          <a:fontRef idx="minor">
+            <a:schemeClr val="tx1"/>
+          </a:fontRef>
+        </p:style>
+      </p:cxnSp>
+      <p:cxnSp>
+        <p:nvCxnSpPr>
+          <p:cNvPr id="43" name="直線コネクタ 42"/>
+          <p:cNvCxnSpPr/>
+          <p:nvPr/>
+        </p:nvCxnSpPr>
+        <p:spPr>
+          <a:xfrm flipH="1">
+            <a:off x="20995833" y="12178290"/>
+            <a:ext cx="4046" cy="331051"/>
+          </a:xfrm>
+          <a:prstGeom prst="line">
+            <a:avLst/>
+          </a:prstGeom>
+          <a:ln w="28575">
+            <a:solidFill>
+              <a:srgbClr val="00B050"/>
+            </a:solidFill>
+          </a:ln>
+        </p:spPr>
+        <p:style>
+          <a:lnRef idx="1">
+            <a:schemeClr val="accent1"/>
+          </a:lnRef>
+          <a:fillRef idx="0">
+            <a:schemeClr val="accent1"/>
+          </a:fillRef>
+          <a:effectRef idx="0">
+            <a:schemeClr val="accent1"/>
+          </a:effectRef>
+          <a:fontRef idx="minor">
+            <a:schemeClr val="tx1"/>
+          </a:fontRef>
+        </p:style>
+      </p:cxnSp>
+      <p:cxnSp>
+        <p:nvCxnSpPr>
+          <p:cNvPr id="50" name="カギ線コネクタ 49"/>
+          <p:cNvCxnSpPr/>
+          <p:nvPr/>
+        </p:nvCxnSpPr>
+        <p:spPr>
+          <a:xfrm rot="16200000" flipH="1">
+            <a:off x="20072565" y="12253662"/>
+            <a:ext cx="163399" cy="153750"/>
+          </a:xfrm>
+          <a:prstGeom prst="bentConnector3">
+            <a:avLst>
+              <a:gd name="adj1" fmla="val 30190"/>
+            </a:avLst>
+          </a:prstGeom>
+          <a:ln w="28575">
+            <a:solidFill>
+              <a:srgbClr val="00B050"/>
+            </a:solidFill>
+            <a:tailEnd type="triangle"/>
+          </a:ln>
+        </p:spPr>
+        <p:style>
+          <a:lnRef idx="1">
+            <a:schemeClr val="accent1"/>
+          </a:lnRef>
+          <a:fillRef idx="0">
+            <a:schemeClr val="accent1"/>
+          </a:fillRef>
+          <a:effectRef idx="0">
+            <a:schemeClr val="accent1"/>
+          </a:effectRef>
+          <a:fontRef idx="minor">
+            <a:schemeClr val="tx1"/>
+          </a:fontRef>
+        </p:style>
+      </p:cxnSp>
+      <p:cxnSp>
+        <p:nvCxnSpPr>
+          <p:cNvPr id="54" name="カギ線コネクタ 53"/>
+          <p:cNvCxnSpPr/>
+          <p:nvPr/>
+        </p:nvCxnSpPr>
+        <p:spPr>
+          <a:xfrm rot="5400000" flipH="1" flipV="1">
+            <a:off x="18423810" y="12255688"/>
+            <a:ext cx="163399" cy="149703"/>
+          </a:xfrm>
+          <a:prstGeom prst="bentConnector3">
+            <a:avLst>
+              <a:gd name="adj1" fmla="val 27715"/>
+            </a:avLst>
+          </a:prstGeom>
+          <a:ln w="28575">
+            <a:solidFill>
+              <a:srgbClr val="00B050"/>
+            </a:solidFill>
+            <a:tailEnd type="triangle"/>
+          </a:ln>
+        </p:spPr>
+        <p:style>
+          <a:lnRef idx="1">
+            <a:schemeClr val="accent1"/>
+          </a:lnRef>
+          <a:fillRef idx="0">
+            <a:schemeClr val="accent1"/>
+          </a:fillRef>
+          <a:effectRef idx="0">
+            <a:schemeClr val="accent1"/>
+          </a:effectRef>
+          <a:fontRef idx="minor">
+            <a:schemeClr val="tx1"/>
+          </a:fontRef>
+        </p:style>
+      </p:cxnSp>
+      <p:cxnSp>
+        <p:nvCxnSpPr>
+          <p:cNvPr id="61" name="直線矢印コネクタ 60"/>
+          <p:cNvCxnSpPr/>
+          <p:nvPr/>
+        </p:nvCxnSpPr>
+        <p:spPr>
+          <a:xfrm flipH="1">
+            <a:off x="15072463" y="13941629"/>
+            <a:ext cx="254898" cy="2"/>
+          </a:xfrm>
+          <a:prstGeom prst="straightConnector1">
+            <a:avLst/>
+          </a:prstGeom>
+          <a:ln w="28575">
+            <a:solidFill>
+              <a:srgbClr val="00B050"/>
+            </a:solidFill>
+            <a:tailEnd type="triangle"/>
+          </a:ln>
+        </p:spPr>
+        <p:style>
+          <a:lnRef idx="1">
+            <a:schemeClr val="accent1"/>
+          </a:lnRef>
+          <a:fillRef idx="0">
+            <a:schemeClr val="accent1"/>
+          </a:fillRef>
+          <a:effectRef idx="0">
+            <a:schemeClr val="accent1"/>
+          </a:effectRef>
+          <a:fontRef idx="minor">
+            <a:schemeClr val="tx1"/>
+          </a:fontRef>
+        </p:style>
+      </p:cxnSp>
+      <p:cxnSp>
+        <p:nvCxnSpPr>
+          <p:cNvPr id="65" name="直線矢印コネクタ 64"/>
+          <p:cNvCxnSpPr/>
+          <p:nvPr/>
+        </p:nvCxnSpPr>
+        <p:spPr>
+          <a:xfrm flipV="1">
+            <a:off x="16003048" y="13832388"/>
+            <a:ext cx="202301" cy="4045"/>
+          </a:xfrm>
+          <a:prstGeom prst="straightConnector1">
+            <a:avLst/>
+          </a:prstGeom>
+          <a:ln w="28575">
+            <a:solidFill>
+              <a:srgbClr val="00B050"/>
+            </a:solidFill>
+            <a:tailEnd type="triangle"/>
+          </a:ln>
+        </p:spPr>
+        <p:style>
+          <a:lnRef idx="1">
+            <a:schemeClr val="accent1"/>
+          </a:lnRef>
+          <a:fillRef idx="0">
+            <a:schemeClr val="accent1"/>
+          </a:fillRef>
+          <a:effectRef idx="0">
+            <a:schemeClr val="accent1"/>
+          </a:effectRef>
+          <a:fontRef idx="minor">
+            <a:schemeClr val="tx1"/>
+          </a:fontRef>
+        </p:style>
+      </p:cxnSp>
+      <p:cxnSp>
+        <p:nvCxnSpPr>
+          <p:cNvPr id="69" name="直線矢印コネクタ 68"/>
+          <p:cNvCxnSpPr/>
+          <p:nvPr/>
+        </p:nvCxnSpPr>
+        <p:spPr>
+          <a:xfrm flipH="1">
+            <a:off x="19022992" y="12178289"/>
+            <a:ext cx="613781" cy="0"/>
+          </a:xfrm>
+          <a:prstGeom prst="straightConnector1">
+            <a:avLst/>
+          </a:prstGeom>
+          <a:ln w="28575">
+            <a:solidFill>
+              <a:srgbClr val="00B050"/>
+            </a:solidFill>
+            <a:tailEnd type="triangle"/>
+          </a:ln>
+        </p:spPr>
+        <p:style>
+          <a:lnRef idx="1">
+            <a:schemeClr val="accent1"/>
+          </a:lnRef>
+          <a:fillRef idx="0">
+            <a:schemeClr val="accent1"/>
+          </a:fillRef>
+          <a:effectRef idx="0">
+            <a:schemeClr val="accent1"/>
+          </a:effectRef>
+          <a:fontRef idx="minor">
+            <a:schemeClr val="tx1"/>
+          </a:fontRef>
+        </p:style>
+      </p:cxnSp>
+      <p:cxnSp>
+        <p:nvCxnSpPr>
+          <p:cNvPr id="73" name="カギ線コネクタ 72"/>
+          <p:cNvCxnSpPr/>
+          <p:nvPr/>
+        </p:nvCxnSpPr>
+        <p:spPr>
+          <a:xfrm rot="10800000" flipV="1">
+            <a:off x="15435273" y="12808745"/>
+            <a:ext cx="997268" cy="178067"/>
+          </a:xfrm>
+          <a:prstGeom prst="bentConnector3">
+            <a:avLst>
+              <a:gd name="adj1" fmla="val 50000"/>
+            </a:avLst>
+          </a:prstGeom>
+          <a:ln w="28575">
+            <a:solidFill>
+              <a:srgbClr val="00B050"/>
+            </a:solidFill>
+            <a:tailEnd type="triangle"/>
+          </a:ln>
+        </p:spPr>
+        <p:style>
+          <a:lnRef idx="1">
+            <a:schemeClr val="accent1"/>
+          </a:lnRef>
+          <a:fillRef idx="0">
+            <a:schemeClr val="accent1"/>
+          </a:fillRef>
+          <a:effectRef idx="0">
+            <a:schemeClr val="accent1"/>
+          </a:effectRef>
+          <a:fontRef idx="minor">
+            <a:schemeClr val="tx1"/>
+          </a:fontRef>
+        </p:style>
+      </p:cxnSp>
+      <p:cxnSp>
+        <p:nvCxnSpPr>
+          <p:cNvPr id="76" name="カギ線コネクタ 75"/>
+          <p:cNvCxnSpPr/>
+          <p:nvPr/>
+        </p:nvCxnSpPr>
+        <p:spPr>
+          <a:xfrm rot="5400000">
+            <a:off x="15033901" y="12847312"/>
+            <a:ext cx="439941" cy="362807"/>
+          </a:xfrm>
+          <a:prstGeom prst="bentConnector3">
+            <a:avLst>
+              <a:gd name="adj1" fmla="val 270"/>
+            </a:avLst>
+          </a:prstGeom>
+          <a:ln w="28575">
+            <a:solidFill>
+              <a:srgbClr val="00B050"/>
+            </a:solidFill>
+            <a:tailEnd type="triangle"/>
+          </a:ln>
+        </p:spPr>
+        <p:style>
+          <a:lnRef idx="1">
+            <a:schemeClr val="accent1"/>
+          </a:lnRef>
+          <a:fillRef idx="0">
+            <a:schemeClr val="accent1"/>
+          </a:fillRef>
+          <a:effectRef idx="0">
+            <a:schemeClr val="accent1"/>
+          </a:effectRef>
+          <a:fontRef idx="minor">
+            <a:schemeClr val="tx1"/>
+          </a:fontRef>
+        </p:style>
+      </p:cxnSp>
+      <p:cxnSp>
+        <p:nvCxnSpPr>
+          <p:cNvPr id="94" name="直線矢印コネクタ 93"/>
+          <p:cNvCxnSpPr/>
+          <p:nvPr/>
+        </p:nvCxnSpPr>
+        <p:spPr>
+          <a:xfrm flipH="1" flipV="1">
+            <a:off x="16852148" y="12469340"/>
+            <a:ext cx="878840" cy="244709"/>
+          </a:xfrm>
+          <a:prstGeom prst="straightConnector1">
+            <a:avLst/>
+          </a:prstGeom>
+          <a:ln>
+            <a:prstDash val="lgDash"/>
+            <a:tailEnd type="triangle"/>
+          </a:ln>
+        </p:spPr>
+        <p:style>
+          <a:lnRef idx="1">
+            <a:schemeClr val="accent1"/>
+          </a:lnRef>
+          <a:fillRef idx="0">
+            <a:schemeClr val="accent1"/>
+          </a:fillRef>
+          <a:effectRef idx="0">
+            <a:schemeClr val="accent1"/>
+          </a:effectRef>
+          <a:fontRef idx="minor">
+            <a:schemeClr val="tx1"/>
+          </a:fontRef>
+        </p:style>
+      </p:cxnSp>
+      <p:cxnSp>
+        <p:nvCxnSpPr>
+          <p:cNvPr id="105" name="直線矢印コネクタ 104"/>
+          <p:cNvCxnSpPr/>
+          <p:nvPr/>
+        </p:nvCxnSpPr>
+        <p:spPr>
+          <a:xfrm>
+            <a:off x="20077388" y="11916015"/>
+            <a:ext cx="0" cy="162157"/>
+          </a:xfrm>
+          <a:prstGeom prst="straightConnector1">
+            <a:avLst/>
+          </a:prstGeom>
+          <a:ln>
+            <a:solidFill>
+              <a:srgbClr val="0070C0"/>
+            </a:solidFill>
+            <a:prstDash val="lgDash"/>
+            <a:tailEnd type="triangle"/>
+          </a:ln>
+        </p:spPr>
+        <p:style>
+          <a:lnRef idx="1">
+            <a:schemeClr val="accent1"/>
+          </a:lnRef>
+          <a:fillRef idx="0">
+            <a:schemeClr val="accent1"/>
+          </a:fillRef>
+          <a:effectRef idx="0">
+            <a:schemeClr val="accent1"/>
+          </a:effectRef>
+          <a:fontRef idx="minor">
+            <a:schemeClr val="tx1"/>
+          </a:fontRef>
+        </p:style>
+      </p:cxnSp>
+      <p:cxnSp>
+        <p:nvCxnSpPr>
+          <p:cNvPr id="110" name="直線矢印コネクタ 109"/>
+          <p:cNvCxnSpPr/>
+          <p:nvPr/>
+        </p:nvCxnSpPr>
+        <p:spPr>
+          <a:xfrm flipV="1">
+            <a:off x="18430657" y="12535811"/>
+            <a:ext cx="0" cy="155226"/>
+          </a:xfrm>
+          <a:prstGeom prst="straightConnector1">
+            <a:avLst/>
+          </a:prstGeom>
+          <a:ln>
+            <a:prstDash val="lgDash"/>
+            <a:tailEnd type="triangle"/>
+          </a:ln>
+        </p:spPr>
+        <p:style>
+          <a:lnRef idx="1">
+            <a:schemeClr val="accent1"/>
+          </a:lnRef>
+          <a:fillRef idx="0">
+            <a:schemeClr val="accent1"/>
+          </a:fillRef>
+          <a:effectRef idx="0">
+            <a:schemeClr val="accent1"/>
+          </a:effectRef>
+          <a:fontRef idx="minor">
+            <a:schemeClr val="tx1"/>
+          </a:fontRef>
+        </p:style>
+      </p:cxnSp>
+      <p:cxnSp>
+        <p:nvCxnSpPr>
+          <p:cNvPr id="117" name="カギ線コネクタ 116"/>
+          <p:cNvCxnSpPr/>
+          <p:nvPr/>
+        </p:nvCxnSpPr>
+        <p:spPr>
+          <a:xfrm rot="10800000" flipV="1">
+            <a:off x="15253870" y="12022146"/>
+            <a:ext cx="3326490" cy="1666815"/>
+          </a:xfrm>
+          <a:prstGeom prst="bentConnector3">
+            <a:avLst>
+              <a:gd name="adj1" fmla="val 115253"/>
+            </a:avLst>
+          </a:prstGeom>
+          <a:ln>
+            <a:solidFill>
+              <a:srgbClr val="0070C0"/>
+            </a:solidFill>
+            <a:prstDash val="lgDash"/>
+            <a:tailEnd type="triangle"/>
+          </a:ln>
+        </p:spPr>
+        <p:style>
+          <a:lnRef idx="1">
+            <a:schemeClr val="accent1"/>
+          </a:lnRef>
+          <a:fillRef idx="0">
+            <a:schemeClr val="accent1"/>
+          </a:fillRef>
+          <a:effectRef idx="0">
+            <a:schemeClr val="accent1"/>
+          </a:effectRef>
+          <a:fontRef idx="minor">
+            <a:schemeClr val="tx1"/>
+          </a:fontRef>
+        </p:style>
+      </p:cxnSp>
+      <p:cxnSp>
+        <p:nvCxnSpPr>
+          <p:cNvPr id="120" name="直線コネクタ 119"/>
+          <p:cNvCxnSpPr/>
+          <p:nvPr/>
+        </p:nvCxnSpPr>
+        <p:spPr>
+          <a:xfrm flipH="1" flipV="1">
+            <a:off x="17266200" y="11878713"/>
+            <a:ext cx="36" cy="180732"/>
+          </a:xfrm>
+          <a:prstGeom prst="line">
+            <a:avLst/>
+          </a:prstGeom>
+        </p:spPr>
+        <p:style>
+          <a:lnRef idx="1">
+            <a:schemeClr val="accent1"/>
+          </a:lnRef>
+          <a:fillRef idx="0">
+            <a:schemeClr val="accent1"/>
+          </a:fillRef>
+          <a:effectRef idx="0">
+            <a:schemeClr val="accent1"/>
+          </a:effectRef>
+          <a:fontRef idx="minor">
+            <a:schemeClr val="tx1"/>
+          </a:fontRef>
+        </p:style>
+      </p:cxnSp>
+      <p:cxnSp>
+        <p:nvCxnSpPr>
+          <p:cNvPr id="121" name="直線コネクタ 120"/>
+          <p:cNvCxnSpPr/>
+          <p:nvPr/>
+        </p:nvCxnSpPr>
+        <p:spPr>
+          <a:xfrm flipV="1">
+            <a:off x="17266200" y="11878714"/>
+            <a:ext cx="3652784" cy="1"/>
+          </a:xfrm>
+          <a:prstGeom prst="line">
+            <a:avLst/>
+          </a:prstGeom>
+          <a:ln>
+            <a:solidFill>
+              <a:srgbClr val="0070C0"/>
+            </a:solidFill>
+            <a:prstDash val="lgDash"/>
+          </a:ln>
+        </p:spPr>
+        <p:style>
+          <a:lnRef idx="1">
+            <a:schemeClr val="accent1"/>
+          </a:lnRef>
+          <a:fillRef idx="0">
+            <a:schemeClr val="accent1"/>
+          </a:fillRef>
+          <a:effectRef idx="0">
+            <a:schemeClr val="accent1"/>
+          </a:effectRef>
+          <a:fontRef idx="minor">
+            <a:schemeClr val="tx1"/>
+          </a:fontRef>
+        </p:style>
+      </p:cxnSp>
+      <p:cxnSp>
+        <p:nvCxnSpPr>
+          <p:cNvPr id="126" name="直線矢印コネクタ 125"/>
+          <p:cNvCxnSpPr/>
+          <p:nvPr/>
+        </p:nvCxnSpPr>
+        <p:spPr>
+          <a:xfrm flipH="1">
+            <a:off x="20918985" y="11874053"/>
+            <a:ext cx="1" cy="205888"/>
+          </a:xfrm>
+          <a:prstGeom prst="straightConnector1">
+            <a:avLst/>
+          </a:prstGeom>
+          <a:ln>
+            <a:tailEnd type="triangle"/>
+          </a:ln>
+        </p:spPr>
+        <p:style>
+          <a:lnRef idx="1">
+            <a:schemeClr val="accent1"/>
+          </a:lnRef>
+          <a:fillRef idx="0">
+            <a:schemeClr val="accent1"/>
+          </a:fillRef>
+          <a:effectRef idx="0">
+            <a:schemeClr val="accent1"/>
+          </a:effectRef>
+          <a:fontRef idx="minor">
+            <a:schemeClr val="tx1"/>
+          </a:fontRef>
+        </p:style>
+      </p:cxnSp>
+      <p:cxnSp>
+        <p:nvCxnSpPr>
+          <p:cNvPr id="131" name="直線コネクタ 130"/>
+          <p:cNvCxnSpPr/>
+          <p:nvPr/>
+        </p:nvCxnSpPr>
+        <p:spPr>
+          <a:xfrm flipH="1">
+            <a:off x="20077389" y="11916014"/>
+            <a:ext cx="484419" cy="0"/>
+          </a:xfrm>
+          <a:prstGeom prst="line">
+            <a:avLst/>
+          </a:prstGeom>
+          <a:ln>
+            <a:solidFill>
+              <a:srgbClr val="0070C0"/>
+            </a:solidFill>
+            <a:prstDash val="lgDash"/>
+          </a:ln>
+        </p:spPr>
+        <p:style>
+          <a:lnRef idx="1">
+            <a:schemeClr val="accent1"/>
+          </a:lnRef>
+          <a:fillRef idx="0">
+            <a:schemeClr val="accent1"/>
+          </a:fillRef>
+          <a:effectRef idx="0">
+            <a:schemeClr val="accent1"/>
+          </a:effectRef>
+          <a:fontRef idx="minor">
+            <a:schemeClr val="tx1"/>
+          </a:fontRef>
+        </p:style>
+      </p:cxnSp>
+      <p:cxnSp>
+        <p:nvCxnSpPr>
+          <p:cNvPr id="134" name="直線コネクタ 133"/>
+          <p:cNvCxnSpPr/>
+          <p:nvPr/>
+        </p:nvCxnSpPr>
+        <p:spPr>
+          <a:xfrm>
+            <a:off x="20561807" y="11916015"/>
+            <a:ext cx="0" cy="159903"/>
+          </a:xfrm>
+          <a:prstGeom prst="line">
+            <a:avLst/>
+          </a:prstGeom>
+          <a:ln>
+            <a:solidFill>
+              <a:srgbClr val="0070C0"/>
+            </a:solidFill>
+            <a:prstDash val="lgDash"/>
+          </a:ln>
+        </p:spPr>
+        <p:style>
+          <a:lnRef idx="1">
+            <a:schemeClr val="accent1"/>
+          </a:lnRef>
+          <a:fillRef idx="0">
+            <a:schemeClr val="accent1"/>
+          </a:fillRef>
+          <a:effectRef idx="0">
+            <a:schemeClr val="accent1"/>
+          </a:effectRef>
+          <a:fontRef idx="minor">
+            <a:schemeClr val="tx1"/>
+          </a:fontRef>
+        </p:style>
+      </p:cxnSp>
+      <p:cxnSp>
+        <p:nvCxnSpPr>
+          <p:cNvPr id="139" name="直線コネクタ 138"/>
+          <p:cNvCxnSpPr/>
+          <p:nvPr/>
+        </p:nvCxnSpPr>
+        <p:spPr>
+          <a:xfrm flipH="1">
+            <a:off x="18430657" y="12691037"/>
+            <a:ext cx="1800482" cy="0"/>
+          </a:xfrm>
+          <a:prstGeom prst="line">
+            <a:avLst/>
+          </a:prstGeom>
+          <a:ln>
+            <a:prstDash val="lgDash"/>
+          </a:ln>
+        </p:spPr>
+        <p:style>
+          <a:lnRef idx="1">
+            <a:schemeClr val="accent1"/>
+          </a:lnRef>
+          <a:fillRef idx="0">
+            <a:schemeClr val="accent1"/>
+          </a:fillRef>
+          <a:effectRef idx="0">
+            <a:schemeClr val="accent1"/>
+          </a:effectRef>
+          <a:fontRef idx="minor">
+            <a:schemeClr val="tx1"/>
+          </a:fontRef>
+        </p:style>
+      </p:cxnSp>
+      <p:cxnSp>
+        <p:nvCxnSpPr>
+          <p:cNvPr id="142" name="直線コネクタ 141"/>
+          <p:cNvCxnSpPr/>
+          <p:nvPr/>
+        </p:nvCxnSpPr>
+        <p:spPr>
+          <a:xfrm>
+            <a:off x="20231140" y="12568683"/>
+            <a:ext cx="1" cy="122355"/>
+          </a:xfrm>
+          <a:prstGeom prst="line">
+            <a:avLst/>
+          </a:prstGeom>
+          <a:ln>
+            <a:prstDash val="lgDash"/>
+          </a:ln>
+        </p:spPr>
+        <p:style>
+          <a:lnRef idx="1">
+            <a:schemeClr val="accent1"/>
+          </a:lnRef>
+          <a:fillRef idx="0">
+            <a:schemeClr val="accent1"/>
+          </a:fillRef>
+          <a:effectRef idx="0">
+            <a:schemeClr val="accent1"/>
+          </a:effectRef>
+          <a:fontRef idx="minor">
+            <a:schemeClr val="tx1"/>
+          </a:fontRef>
+        </p:style>
+      </p:cxnSp>
+      <p:cxnSp>
+        <p:nvCxnSpPr>
+          <p:cNvPr id="145" name="直線矢印コネクタ 144"/>
+          <p:cNvCxnSpPr/>
+          <p:nvPr/>
+        </p:nvCxnSpPr>
+        <p:spPr>
+          <a:xfrm>
+            <a:off x="15930533" y="13501355"/>
+            <a:ext cx="1812" cy="215919"/>
+          </a:xfrm>
+          <a:prstGeom prst="straightConnector1">
+            <a:avLst/>
+          </a:prstGeom>
+          <a:ln>
+            <a:solidFill>
+              <a:srgbClr val="0070C0"/>
+            </a:solidFill>
+            <a:prstDash val="lgDash"/>
+            <a:tailEnd type="triangle"/>
+          </a:ln>
+        </p:spPr>
+        <p:style>
+          <a:lnRef idx="1">
+            <a:schemeClr val="accent1"/>
+          </a:lnRef>
+          <a:fillRef idx="0">
+            <a:schemeClr val="accent1"/>
+          </a:fillRef>
+          <a:effectRef idx="0">
+            <a:schemeClr val="accent1"/>
+          </a:effectRef>
+          <a:fontRef idx="minor">
+            <a:schemeClr val="tx1"/>
+          </a:fontRef>
+        </p:style>
+      </p:cxnSp>
+      <p:cxnSp>
+        <p:nvCxnSpPr>
+          <p:cNvPr id="147" name="直線コネクタ 146"/>
+          <p:cNvCxnSpPr/>
+          <p:nvPr/>
+        </p:nvCxnSpPr>
+        <p:spPr>
+          <a:xfrm flipH="1" flipV="1">
+            <a:off x="15115283" y="13501354"/>
+            <a:ext cx="1167" cy="231614"/>
+          </a:xfrm>
+          <a:prstGeom prst="line">
+            <a:avLst/>
+          </a:prstGeom>
+          <a:ln>
+            <a:prstDash val="lgDash"/>
+          </a:ln>
+        </p:spPr>
+        <p:style>
+          <a:lnRef idx="1">
+            <a:schemeClr val="accent1"/>
+          </a:lnRef>
+          <a:fillRef idx="0">
+            <a:schemeClr val="accent1"/>
+          </a:fillRef>
+          <a:effectRef idx="0">
+            <a:schemeClr val="accent1"/>
+          </a:effectRef>
+          <a:fontRef idx="minor">
+            <a:schemeClr val="tx1"/>
+          </a:fontRef>
+        </p:style>
+      </p:cxnSp>
+      <p:cxnSp>
+        <p:nvCxnSpPr>
+          <p:cNvPr id="150" name="直線コネクタ 149"/>
+          <p:cNvCxnSpPr/>
+          <p:nvPr/>
+        </p:nvCxnSpPr>
+        <p:spPr>
+          <a:xfrm flipH="1">
+            <a:off x="15115283" y="13501354"/>
+            <a:ext cx="818624" cy="0"/>
+          </a:xfrm>
+          <a:prstGeom prst="line">
+            <a:avLst/>
+          </a:prstGeom>
+          <a:ln>
+            <a:solidFill>
+              <a:srgbClr val="0070C0"/>
+            </a:solidFill>
+            <a:prstDash val="lgDash"/>
+          </a:ln>
+        </p:spPr>
+        <p:style>
+          <a:lnRef idx="1">
+            <a:schemeClr val="accent1"/>
+          </a:lnRef>
+          <a:fillRef idx="0">
+            <a:schemeClr val="accent1"/>
+          </a:fillRef>
+          <a:effectRef idx="0">
+            <a:schemeClr val="accent1"/>
+          </a:effectRef>
+          <a:fontRef idx="minor">
+            <a:schemeClr val="tx1"/>
+          </a:fontRef>
+        </p:style>
+      </p:cxnSp>
+      <p:cxnSp>
+        <p:nvCxnSpPr>
+          <p:cNvPr id="155" name="カギ線コネクタ 154"/>
+          <p:cNvCxnSpPr/>
+          <p:nvPr/>
+        </p:nvCxnSpPr>
+        <p:spPr>
+          <a:xfrm flipV="1">
+            <a:off x="16249359" y="12248840"/>
+            <a:ext cx="3470091" cy="1252515"/>
+          </a:xfrm>
+          <a:prstGeom prst="bentConnector3">
+            <a:avLst>
+              <a:gd name="adj1" fmla="val 99969"/>
+            </a:avLst>
+          </a:prstGeom>
+          <a:ln>
+            <a:solidFill>
+              <a:srgbClr val="0070C0"/>
+            </a:solidFill>
+            <a:prstDash val="lgDash"/>
+            <a:tailEnd type="triangle"/>
+          </a:ln>
+        </p:spPr>
+        <p:style>
+          <a:lnRef idx="1">
+            <a:schemeClr val="accent1"/>
+          </a:lnRef>
+          <a:fillRef idx="0">
+            <a:schemeClr val="accent1"/>
+          </a:fillRef>
+          <a:effectRef idx="0">
+            <a:schemeClr val="accent1"/>
+          </a:effectRef>
+          <a:fontRef idx="minor">
+            <a:schemeClr val="tx1"/>
+          </a:fontRef>
+        </p:style>
+      </p:cxnSp>
+      <p:cxnSp>
+        <p:nvCxnSpPr>
+          <p:cNvPr id="162" name="直線コネクタ 161"/>
+          <p:cNvCxnSpPr/>
+          <p:nvPr/>
+        </p:nvCxnSpPr>
+        <p:spPr>
+          <a:xfrm flipH="1" flipV="1">
+            <a:off x="16253536" y="13505793"/>
+            <a:ext cx="1" cy="199397"/>
+          </a:xfrm>
+          <a:prstGeom prst="line">
+            <a:avLst/>
+          </a:prstGeom>
+          <a:ln>
+            <a:prstDash val="lgDash"/>
+          </a:ln>
+        </p:spPr>
+        <p:style>
+          <a:lnRef idx="1">
+            <a:schemeClr val="accent1"/>
+          </a:lnRef>
+          <a:fillRef idx="0">
+            <a:schemeClr val="accent1"/>
+          </a:fillRef>
+          <a:effectRef idx="0">
+            <a:schemeClr val="accent1"/>
+          </a:effectRef>
+          <a:fontRef idx="minor">
+            <a:schemeClr val="tx1"/>
+          </a:fontRef>
+        </p:style>
+      </p:cxnSp>
+      <p:cxnSp>
+        <p:nvCxnSpPr>
+          <p:cNvPr id="170" name="直線矢印コネクタ 169"/>
+          <p:cNvCxnSpPr/>
+          <p:nvPr/>
+        </p:nvCxnSpPr>
+        <p:spPr>
+          <a:xfrm flipH="1">
+            <a:off x="16698462" y="12190299"/>
+            <a:ext cx="2083356" cy="538038"/>
+          </a:xfrm>
+          <a:prstGeom prst="straightConnector1">
+            <a:avLst/>
+          </a:prstGeom>
+          <a:ln>
+            <a:solidFill>
+              <a:srgbClr val="0070C0"/>
+            </a:solidFill>
+            <a:prstDash val="lgDash"/>
+            <a:tailEnd type="triangle"/>
+          </a:ln>
+        </p:spPr>
+        <p:style>
+          <a:lnRef idx="1">
+            <a:schemeClr val="accent1"/>
+          </a:lnRef>
+          <a:fillRef idx="0">
+            <a:schemeClr val="accent1"/>
+          </a:fillRef>
+          <a:effectRef idx="0">
+            <a:schemeClr val="accent1"/>
+          </a:effectRef>
+          <a:fontRef idx="minor">
+            <a:schemeClr val="tx1"/>
+          </a:fontRef>
+        </p:style>
+      </p:cxnSp>
+      <p:sp>
+        <p:nvSpPr>
+          <p:cNvPr id="174" name="円/楕円 173"/>
+          <p:cNvSpPr/>
+          <p:nvPr/>
+        </p:nvSpPr>
+        <p:spPr>
+          <a:xfrm>
+            <a:off x="15955452" y="12273517"/>
+            <a:ext cx="291343" cy="277441"/>
+          </a:xfrm>
+          <a:prstGeom prst="ellipse">
+            <a:avLst/>
+          </a:prstGeom>
+          <a:noFill/>
+          <a:ln w="28575">
+            <a:solidFill>
+              <a:srgbClr val="FF0000"/>
+            </a:solidFill>
+          </a:ln>
+        </p:spPr>
+        <p:style>
+          <a:lnRef idx="2">
+            <a:schemeClr val="accent1">
+              <a:shade val="50000"/>
+            </a:schemeClr>
+          </a:lnRef>
+          <a:fillRef idx="1">
+            <a:schemeClr val="accent1"/>
+          </a:fillRef>
+          <a:effectRef idx="0">
+            <a:schemeClr val="accent1"/>
+          </a:effectRef>
+          <a:fontRef idx="minor">
+            <a:schemeClr val="lt1"/>
+          </a:fontRef>
+        </p:style>
+        <p:txBody>
+          <a:bodyPr rot="0" spcFirstLastPara="0" vertOverflow="overflow" horzOverflow="overflow" vert="horz" wrap="square" lIns="91440" tIns="45720" rIns="91440" bIns="45720" numCol="1" spcCol="0" rtlCol="0" fromWordArt="0" anchor="ctr" anchorCtr="0" forceAA="0" compatLnSpc="1">
+            <a:prstTxWarp prst="textNoShape">
+              <a:avLst/>
+            </a:prstTxWarp>
+            <a:noAutofit/>
+          </a:bodyPr>
+          <a:lstStyle/>
+          <a:p>
+            <a:pPr algn="ctr"/>
+            <a:endParaRPr lang="ja-JP" altLang="en-US">
+              <a:solidFill>
+                <a:srgbClr val="FF0000"/>
+              </a:solidFill>
+            </a:endParaRPr>
+          </a:p>
+        </p:txBody>
+      </p:sp>
+      <p:sp>
+        <p:nvSpPr>
+          <p:cNvPr id="175" name="円/楕円 174"/>
+          <p:cNvSpPr/>
+          <p:nvPr/>
+        </p:nvSpPr>
+        <p:spPr>
+          <a:xfrm>
+            <a:off x="18616092" y="13103843"/>
+            <a:ext cx="291343" cy="277441"/>
+          </a:xfrm>
+          <a:prstGeom prst="ellipse">
+            <a:avLst/>
+          </a:prstGeom>
+          <a:noFill/>
+          <a:ln w="28575">
+            <a:solidFill>
+              <a:srgbClr val="FF0000"/>
+            </a:solidFill>
+          </a:ln>
+        </p:spPr>
+        <p:style>
+          <a:lnRef idx="2">
+            <a:schemeClr val="accent1">
+              <a:shade val="50000"/>
+            </a:schemeClr>
+          </a:lnRef>
+          <a:fillRef idx="1">
+            <a:schemeClr val="accent1"/>
+          </a:fillRef>
+          <a:effectRef idx="0">
+            <a:schemeClr val="accent1"/>
+          </a:effectRef>
+          <a:fontRef idx="minor">
+            <a:schemeClr val="lt1"/>
+          </a:fontRef>
+        </p:style>
+        <p:txBody>
+          <a:bodyPr rot="0" spcFirstLastPara="0" vertOverflow="overflow" horzOverflow="overflow" vert="horz" wrap="square" lIns="91440" tIns="45720" rIns="91440" bIns="45720" numCol="1" spcCol="0" rtlCol="0" fromWordArt="0" anchor="ctr" anchorCtr="0" forceAA="0" compatLnSpc="1">
+            <a:prstTxWarp prst="textNoShape">
+              <a:avLst/>
+            </a:prstTxWarp>
+            <a:noAutofit/>
+          </a:bodyPr>
+          <a:lstStyle/>
+          <a:p>
+            <a:pPr algn="ctr"/>
+            <a:endParaRPr lang="ja-JP" altLang="en-US"/>
+          </a:p>
+        </p:txBody>
+      </p:sp>
+      <p:sp>
+        <p:nvSpPr>
+          <p:cNvPr id="176" name="テキスト ボックス 175"/>
+          <p:cNvSpPr txBox="1"/>
+          <p:nvPr/>
+        </p:nvSpPr>
+        <p:spPr>
+          <a:xfrm>
+            <a:off x="15327361" y="11518339"/>
+            <a:ext cx="1107996" cy="461665"/>
+          </a:xfrm>
+          <a:prstGeom prst="rect">
+            <a:avLst/>
+          </a:prstGeom>
+          <a:solidFill>
+            <a:schemeClr val="bg1"/>
+          </a:solidFill>
+          <a:ln w="19050">
+            <a:solidFill>
+              <a:srgbClr val="00B050"/>
+            </a:solidFill>
+          </a:ln>
+        </p:spPr>
+        <p:txBody>
+          <a:bodyPr wrap="none" rtlCol="0">
+            <a:spAutoFit/>
+          </a:bodyPr>
+          <a:lstStyle/>
+          <a:p>
+            <a:r>
+              <a:rPr lang="ja-JP" altLang="en-US" sz="1200" dirty="0">
+                <a:solidFill>
+                  <a:srgbClr val="FF0000"/>
+                </a:solidFill>
+              </a:rPr>
+              <a:t>倉庫側</a:t>
+            </a:r>
+            <a:endParaRPr lang="en-US" altLang="ja-JP" sz="1200" dirty="0">
+              <a:solidFill>
+                <a:srgbClr val="FF0000"/>
+              </a:solidFill>
+            </a:endParaRPr>
+          </a:p>
+          <a:p>
+            <a:r>
+              <a:rPr lang="ja-JP" altLang="en-US" sz="1200" dirty="0">
+                <a:solidFill>
+                  <a:srgbClr val="FF0000"/>
+                </a:solidFill>
+              </a:rPr>
+              <a:t>スタート地点</a:t>
+            </a:r>
+          </a:p>
+        </p:txBody>
+      </p:sp>
+      <p:cxnSp>
+        <p:nvCxnSpPr>
+          <p:cNvPr id="177" name="カギ線コネクタ 176"/>
+          <p:cNvCxnSpPr/>
+          <p:nvPr/>
+        </p:nvCxnSpPr>
+        <p:spPr>
+          <a:xfrm flipV="1">
+            <a:off x="16279343" y="14248794"/>
+            <a:ext cx="364876" cy="357996"/>
+          </a:xfrm>
+          <a:prstGeom prst="bentConnector3">
+            <a:avLst>
+              <a:gd name="adj1" fmla="val 147694"/>
+            </a:avLst>
+          </a:prstGeom>
+          <a:ln w="28575">
+            <a:solidFill>
+              <a:srgbClr val="00B050"/>
+            </a:solidFill>
+            <a:tailEnd type="triangle"/>
+          </a:ln>
+        </p:spPr>
+        <p:style>
+          <a:lnRef idx="1">
+            <a:schemeClr val="accent1"/>
+          </a:lnRef>
+          <a:fillRef idx="0">
+            <a:schemeClr val="accent1"/>
+          </a:fillRef>
+          <a:effectRef idx="0">
+            <a:schemeClr val="accent1"/>
+          </a:effectRef>
+          <a:fontRef idx="minor">
+            <a:schemeClr val="tx1"/>
+          </a:fontRef>
+        </p:style>
+      </p:cxnSp>
+      <p:cxnSp>
+        <p:nvCxnSpPr>
+          <p:cNvPr id="187" name="カギ線コネクタ 186"/>
+          <p:cNvCxnSpPr/>
+          <p:nvPr/>
+        </p:nvCxnSpPr>
+        <p:spPr>
+          <a:xfrm>
+            <a:off x="15605166" y="14437922"/>
+            <a:ext cx="823234" cy="168869"/>
+          </a:xfrm>
+          <a:prstGeom prst="bentConnector3">
+            <a:avLst>
+              <a:gd name="adj1" fmla="val 82004"/>
+            </a:avLst>
+          </a:prstGeom>
+          <a:ln w="28575">
+            <a:solidFill>
+              <a:srgbClr val="00B050"/>
+            </a:solidFill>
+          </a:ln>
+        </p:spPr>
+        <p:style>
+          <a:lnRef idx="1">
+            <a:schemeClr val="accent1"/>
+          </a:lnRef>
+          <a:fillRef idx="0">
+            <a:schemeClr val="accent1"/>
+          </a:fillRef>
+          <a:effectRef idx="0">
+            <a:schemeClr val="accent1"/>
+          </a:effectRef>
+          <a:fontRef idx="minor">
+            <a:schemeClr val="tx1"/>
+          </a:fontRef>
+        </p:style>
+      </p:cxnSp>
+      <p:cxnSp>
+        <p:nvCxnSpPr>
+          <p:cNvPr id="197" name="直線矢印コネクタ 196"/>
+          <p:cNvCxnSpPr/>
+          <p:nvPr/>
+        </p:nvCxnSpPr>
+        <p:spPr>
+          <a:xfrm flipH="1" flipV="1">
+            <a:off x="17627695" y="13742530"/>
+            <a:ext cx="2143" cy="288816"/>
+          </a:xfrm>
+          <a:prstGeom prst="straightConnector1">
+            <a:avLst/>
+          </a:prstGeom>
+          <a:ln w="28575">
+            <a:solidFill>
+              <a:srgbClr val="00B050"/>
+            </a:solidFill>
+            <a:tailEnd type="triangle"/>
+          </a:ln>
+        </p:spPr>
+        <p:style>
+          <a:lnRef idx="1">
+            <a:schemeClr val="accent1"/>
+          </a:lnRef>
+          <a:fillRef idx="0">
+            <a:schemeClr val="accent1"/>
+          </a:fillRef>
+          <a:effectRef idx="0">
+            <a:schemeClr val="accent1"/>
+          </a:effectRef>
+          <a:fontRef idx="minor">
+            <a:schemeClr val="tx1"/>
+          </a:fontRef>
+        </p:style>
+      </p:cxnSp>
+    </p:spTree>
+    <p:extLst>
+      <p:ext uri="{BB962C8B-B14F-4D97-AF65-F5344CB8AC3E}">
+        <p14:creationId xmlns:p14="http://schemas.microsoft.com/office/powerpoint/2010/main" val="1581778861"/>
+      </p:ext>
+    </p:extLst>
+  </p:cSld>
+  <p:clrMapOvr>
+    <a:masterClrMapping/>
+  </p:clrMapOvr>
+</p:sld>
+</file>
+
+<file path=ppt/slides/slide7.xml><?xml version="1.0" encoding="utf-8"?>
+<p:sld xmlns:a="http://schemas.openxmlformats.org/drawingml/2006/main" xmlns:r="http://schemas.openxmlformats.org/officeDocument/2006/relationships" xmlns:p="http://schemas.openxmlformats.org/presentationml/2006/main">
+  <p:cSld>
+    <p:spTree>
+      <p:nvGrpSpPr>
+        <p:cNvPr id="1" name=""/>
+        <p:cNvGrpSpPr/>
+        <p:nvPr/>
+      </p:nvGrpSpPr>
+      <p:grpSpPr>
+        <a:xfrm>
+          <a:off x="0" y="0"/>
+          <a:ext cx="0" cy="0"/>
+          <a:chOff x="0" y="0"/>
+          <a:chExt cx="0" cy="0"/>
+        </a:xfrm>
+      </p:grpSpPr>
+      <p:cxnSp>
+        <p:nvCxnSpPr>
+          <p:cNvPr id="32" name="カギ線コネクタ 31"/>
+          <p:cNvCxnSpPr/>
+          <p:nvPr/>
+        </p:nvCxnSpPr>
+        <p:spPr>
+          <a:xfrm rot="10800000">
+            <a:off x="20561807" y="12252885"/>
+            <a:ext cx="438072" cy="252408"/>
+          </a:xfrm>
+          <a:prstGeom prst="bentConnector3">
+            <a:avLst>
+              <a:gd name="adj1" fmla="val 100798"/>
+            </a:avLst>
+          </a:prstGeom>
+          <a:ln w="28575">
+            <a:solidFill>
+              <a:srgbClr val="00B050"/>
+            </a:solidFill>
+            <a:tailEnd type="triangle"/>
+          </a:ln>
+        </p:spPr>
+        <p:style>
+          <a:lnRef idx="1">
+            <a:schemeClr val="accent1"/>
+          </a:lnRef>
+          <a:fillRef idx="0">
+            <a:schemeClr val="accent1"/>
+          </a:fillRef>
+          <a:effectRef idx="0">
+            <a:schemeClr val="accent1"/>
+          </a:effectRef>
+          <a:fontRef idx="minor">
+            <a:schemeClr val="tx1"/>
+          </a:fontRef>
+        </p:style>
+      </p:cxnSp>
+      <p:cxnSp>
+        <p:nvCxnSpPr>
+          <p:cNvPr id="43" name="直線コネクタ 42"/>
+          <p:cNvCxnSpPr/>
+          <p:nvPr/>
+        </p:nvCxnSpPr>
+        <p:spPr>
+          <a:xfrm flipH="1">
+            <a:off x="20995833" y="12178290"/>
+            <a:ext cx="4046" cy="331051"/>
+          </a:xfrm>
+          <a:prstGeom prst="line">
+            <a:avLst/>
+          </a:prstGeom>
+          <a:ln w="28575">
+            <a:solidFill>
+              <a:srgbClr val="00B050"/>
+            </a:solidFill>
+          </a:ln>
+        </p:spPr>
+        <p:style>
+          <a:lnRef idx="1">
+            <a:schemeClr val="accent1"/>
+          </a:lnRef>
+          <a:fillRef idx="0">
+            <a:schemeClr val="accent1"/>
+          </a:fillRef>
+          <a:effectRef idx="0">
+            <a:schemeClr val="accent1"/>
+          </a:effectRef>
+          <a:fontRef idx="minor">
+            <a:schemeClr val="tx1"/>
+          </a:fontRef>
+        </p:style>
+      </p:cxnSp>
+      <p:cxnSp>
+        <p:nvCxnSpPr>
+          <p:cNvPr id="50" name="カギ線コネクタ 49"/>
+          <p:cNvCxnSpPr/>
+          <p:nvPr/>
+        </p:nvCxnSpPr>
+        <p:spPr>
+          <a:xfrm rot="16200000" flipH="1">
+            <a:off x="20072565" y="12253662"/>
+            <a:ext cx="163399" cy="153750"/>
+          </a:xfrm>
+          <a:prstGeom prst="bentConnector3">
+            <a:avLst>
+              <a:gd name="adj1" fmla="val 30190"/>
+            </a:avLst>
+          </a:prstGeom>
+          <a:ln w="28575">
+            <a:solidFill>
+              <a:srgbClr val="00B050"/>
+            </a:solidFill>
+            <a:tailEnd type="triangle"/>
+          </a:ln>
+        </p:spPr>
+        <p:style>
+          <a:lnRef idx="1">
+            <a:schemeClr val="accent1"/>
+          </a:lnRef>
+          <a:fillRef idx="0">
+            <a:schemeClr val="accent1"/>
+          </a:fillRef>
+          <a:effectRef idx="0">
+            <a:schemeClr val="accent1"/>
+          </a:effectRef>
+          <a:fontRef idx="minor">
+            <a:schemeClr val="tx1"/>
+          </a:fontRef>
+        </p:style>
+      </p:cxnSp>
+      <p:cxnSp>
+        <p:nvCxnSpPr>
+          <p:cNvPr id="54" name="カギ線コネクタ 53"/>
+          <p:cNvCxnSpPr/>
+          <p:nvPr/>
+        </p:nvCxnSpPr>
+        <p:spPr>
+          <a:xfrm rot="5400000" flipH="1" flipV="1">
+            <a:off x="18423810" y="12255688"/>
+            <a:ext cx="163399" cy="149703"/>
+          </a:xfrm>
+          <a:prstGeom prst="bentConnector3">
+            <a:avLst>
+              <a:gd name="adj1" fmla="val 27715"/>
+            </a:avLst>
+          </a:prstGeom>
+          <a:ln w="28575">
+            <a:solidFill>
+              <a:srgbClr val="00B050"/>
+            </a:solidFill>
+            <a:tailEnd type="triangle"/>
+          </a:ln>
+        </p:spPr>
+        <p:style>
+          <a:lnRef idx="1">
+            <a:schemeClr val="accent1"/>
+          </a:lnRef>
+          <a:fillRef idx="0">
+            <a:schemeClr val="accent1"/>
+          </a:fillRef>
+          <a:effectRef idx="0">
+            <a:schemeClr val="accent1"/>
+          </a:effectRef>
+          <a:fontRef idx="minor">
+            <a:schemeClr val="tx1"/>
+          </a:fontRef>
+        </p:style>
+      </p:cxnSp>
+      <p:cxnSp>
+        <p:nvCxnSpPr>
+          <p:cNvPr id="61" name="直線矢印コネクタ 60"/>
+          <p:cNvCxnSpPr/>
+          <p:nvPr/>
+        </p:nvCxnSpPr>
+        <p:spPr>
+          <a:xfrm flipH="1">
+            <a:off x="15072463" y="13941629"/>
+            <a:ext cx="254898" cy="2"/>
+          </a:xfrm>
+          <a:prstGeom prst="straightConnector1">
+            <a:avLst/>
+          </a:prstGeom>
+          <a:ln w="28575">
+            <a:solidFill>
+              <a:srgbClr val="00B050"/>
+            </a:solidFill>
+            <a:tailEnd type="triangle"/>
+          </a:ln>
+        </p:spPr>
+        <p:style>
+          <a:lnRef idx="1">
+            <a:schemeClr val="accent1"/>
+          </a:lnRef>
+          <a:fillRef idx="0">
+            <a:schemeClr val="accent1"/>
+          </a:fillRef>
+          <a:effectRef idx="0">
+            <a:schemeClr val="accent1"/>
+          </a:effectRef>
+          <a:fontRef idx="minor">
+            <a:schemeClr val="tx1"/>
+          </a:fontRef>
+        </p:style>
+      </p:cxnSp>
+      <p:cxnSp>
+        <p:nvCxnSpPr>
+          <p:cNvPr id="65" name="直線矢印コネクタ 64"/>
+          <p:cNvCxnSpPr/>
+          <p:nvPr/>
+        </p:nvCxnSpPr>
+        <p:spPr>
+          <a:xfrm flipV="1">
+            <a:off x="16003048" y="13832388"/>
+            <a:ext cx="202301" cy="4045"/>
+          </a:xfrm>
+          <a:prstGeom prst="straightConnector1">
+            <a:avLst/>
+          </a:prstGeom>
+          <a:ln w="28575">
+            <a:solidFill>
+              <a:srgbClr val="00B050"/>
+            </a:solidFill>
+            <a:tailEnd type="triangle"/>
+          </a:ln>
+        </p:spPr>
+        <p:style>
+          <a:lnRef idx="1">
+            <a:schemeClr val="accent1"/>
+          </a:lnRef>
+          <a:fillRef idx="0">
+            <a:schemeClr val="accent1"/>
+          </a:fillRef>
+          <a:effectRef idx="0">
+            <a:schemeClr val="accent1"/>
+          </a:effectRef>
+          <a:fontRef idx="minor">
+            <a:schemeClr val="tx1"/>
+          </a:fontRef>
+        </p:style>
+      </p:cxnSp>
+      <p:cxnSp>
+        <p:nvCxnSpPr>
+          <p:cNvPr id="69" name="直線矢印コネクタ 68"/>
+          <p:cNvCxnSpPr/>
+          <p:nvPr/>
+        </p:nvCxnSpPr>
+        <p:spPr>
+          <a:xfrm flipH="1">
+            <a:off x="19105669" y="12218656"/>
+            <a:ext cx="613781" cy="0"/>
+          </a:xfrm>
+          <a:prstGeom prst="straightConnector1">
+            <a:avLst/>
+          </a:prstGeom>
+          <a:ln w="28575">
+            <a:solidFill>
+              <a:srgbClr val="00B050"/>
+            </a:solidFill>
+            <a:tailEnd type="triangle"/>
+          </a:ln>
+        </p:spPr>
+        <p:style>
+          <a:lnRef idx="1">
+            <a:schemeClr val="accent1"/>
+          </a:lnRef>
+          <a:fillRef idx="0">
+            <a:schemeClr val="accent1"/>
+          </a:fillRef>
+          <a:effectRef idx="0">
+            <a:schemeClr val="accent1"/>
+          </a:effectRef>
+          <a:fontRef idx="minor">
+            <a:schemeClr val="tx1"/>
+          </a:fontRef>
+        </p:style>
+      </p:cxnSp>
+      <p:cxnSp>
+        <p:nvCxnSpPr>
+          <p:cNvPr id="105" name="直線矢印コネクタ 104"/>
+          <p:cNvCxnSpPr/>
+          <p:nvPr/>
+        </p:nvCxnSpPr>
+        <p:spPr>
+          <a:xfrm>
+            <a:off x="20077388" y="11916015"/>
+            <a:ext cx="0" cy="162157"/>
+          </a:xfrm>
+          <a:prstGeom prst="straightConnector1">
+            <a:avLst/>
+          </a:prstGeom>
+          <a:ln>
+            <a:solidFill>
+              <a:srgbClr val="0070C0"/>
+            </a:solidFill>
+            <a:prstDash val="lgDash"/>
+            <a:tailEnd type="triangle"/>
+          </a:ln>
+        </p:spPr>
+        <p:style>
+          <a:lnRef idx="1">
+            <a:schemeClr val="accent1"/>
+          </a:lnRef>
+          <a:fillRef idx="0">
+            <a:schemeClr val="accent1"/>
+          </a:fillRef>
+          <a:effectRef idx="0">
+            <a:schemeClr val="accent1"/>
+          </a:effectRef>
+          <a:fontRef idx="minor">
+            <a:schemeClr val="tx1"/>
+          </a:fontRef>
+        </p:style>
+      </p:cxnSp>
+      <p:cxnSp>
+        <p:nvCxnSpPr>
+          <p:cNvPr id="110" name="直線矢印コネクタ 109"/>
+          <p:cNvCxnSpPr/>
+          <p:nvPr/>
+        </p:nvCxnSpPr>
+        <p:spPr>
+          <a:xfrm flipV="1">
+            <a:off x="18430657" y="12535811"/>
+            <a:ext cx="0" cy="155226"/>
+          </a:xfrm>
+          <a:prstGeom prst="straightConnector1">
+            <a:avLst/>
+          </a:prstGeom>
+          <a:ln>
+            <a:prstDash val="lgDash"/>
+            <a:tailEnd type="triangle"/>
+          </a:ln>
+        </p:spPr>
+        <p:style>
+          <a:lnRef idx="1">
+            <a:schemeClr val="accent1"/>
+          </a:lnRef>
+          <a:fillRef idx="0">
+            <a:schemeClr val="accent1"/>
+          </a:fillRef>
+          <a:effectRef idx="0">
+            <a:schemeClr val="accent1"/>
+          </a:effectRef>
+          <a:fontRef idx="minor">
+            <a:schemeClr val="tx1"/>
+          </a:fontRef>
+        </p:style>
+      </p:cxnSp>
+      <p:cxnSp>
+        <p:nvCxnSpPr>
+          <p:cNvPr id="117" name="カギ線コネクタ 116"/>
+          <p:cNvCxnSpPr/>
+          <p:nvPr/>
+        </p:nvCxnSpPr>
+        <p:spPr>
+          <a:xfrm rot="10800000" flipV="1">
+            <a:off x="15253870" y="12022146"/>
+            <a:ext cx="3326490" cy="1666815"/>
+          </a:xfrm>
+          <a:prstGeom prst="bentConnector3">
+            <a:avLst>
+              <a:gd name="adj1" fmla="val 115253"/>
+            </a:avLst>
+          </a:prstGeom>
+          <a:ln>
+            <a:solidFill>
+              <a:srgbClr val="0070C0"/>
+            </a:solidFill>
+            <a:prstDash val="lgDash"/>
+            <a:tailEnd type="triangle"/>
+          </a:ln>
+        </p:spPr>
+        <p:style>
+          <a:lnRef idx="1">
+            <a:schemeClr val="accent1"/>
+          </a:lnRef>
+          <a:fillRef idx="0">
+            <a:schemeClr val="accent1"/>
+          </a:fillRef>
+          <a:effectRef idx="0">
+            <a:schemeClr val="accent1"/>
+          </a:effectRef>
+          <a:fontRef idx="minor">
+            <a:schemeClr val="tx1"/>
+          </a:fontRef>
+        </p:style>
+      </p:cxnSp>
+      <p:cxnSp>
+        <p:nvCxnSpPr>
+          <p:cNvPr id="120" name="直線コネクタ 119"/>
+          <p:cNvCxnSpPr/>
+          <p:nvPr/>
+        </p:nvCxnSpPr>
+        <p:spPr>
+          <a:xfrm flipH="1" flipV="1">
+            <a:off x="17266200" y="11878713"/>
+            <a:ext cx="36" cy="180732"/>
+          </a:xfrm>
+          <a:prstGeom prst="line">
+            <a:avLst/>
+          </a:prstGeom>
+        </p:spPr>
+        <p:style>
+          <a:lnRef idx="1">
+            <a:schemeClr val="accent1"/>
+          </a:lnRef>
+          <a:fillRef idx="0">
+            <a:schemeClr val="accent1"/>
+          </a:fillRef>
+          <a:effectRef idx="0">
+            <a:schemeClr val="accent1"/>
+          </a:effectRef>
+          <a:fontRef idx="minor">
+            <a:schemeClr val="tx1"/>
+          </a:fontRef>
+        </p:style>
+      </p:cxnSp>
+      <p:cxnSp>
+        <p:nvCxnSpPr>
+          <p:cNvPr id="121" name="直線コネクタ 120"/>
+          <p:cNvCxnSpPr/>
+          <p:nvPr/>
+        </p:nvCxnSpPr>
+        <p:spPr>
+          <a:xfrm flipV="1">
+            <a:off x="17266200" y="11878714"/>
+            <a:ext cx="3652784" cy="1"/>
+          </a:xfrm>
+          <a:prstGeom prst="line">
+            <a:avLst/>
+          </a:prstGeom>
+          <a:ln>
+            <a:solidFill>
+              <a:srgbClr val="0070C0"/>
+            </a:solidFill>
+            <a:prstDash val="lgDash"/>
+          </a:ln>
+        </p:spPr>
+        <p:style>
+          <a:lnRef idx="1">
+            <a:schemeClr val="accent1"/>
+          </a:lnRef>
+          <a:fillRef idx="0">
+            <a:schemeClr val="accent1"/>
+          </a:fillRef>
+          <a:effectRef idx="0">
+            <a:schemeClr val="accent1"/>
+          </a:effectRef>
+          <a:fontRef idx="minor">
+            <a:schemeClr val="tx1"/>
+          </a:fontRef>
+        </p:style>
+      </p:cxnSp>
+      <p:cxnSp>
+        <p:nvCxnSpPr>
+          <p:cNvPr id="126" name="直線矢印コネクタ 125"/>
+          <p:cNvCxnSpPr/>
+          <p:nvPr/>
+        </p:nvCxnSpPr>
+        <p:spPr>
+          <a:xfrm flipH="1">
+            <a:off x="20918985" y="11874053"/>
+            <a:ext cx="1" cy="205888"/>
+          </a:xfrm>
+          <a:prstGeom prst="straightConnector1">
+            <a:avLst/>
+          </a:prstGeom>
+          <a:ln>
+            <a:tailEnd type="triangle"/>
+          </a:ln>
+        </p:spPr>
+        <p:style>
+          <a:lnRef idx="1">
+            <a:schemeClr val="accent1"/>
+          </a:lnRef>
+          <a:fillRef idx="0">
+            <a:schemeClr val="accent1"/>
+          </a:fillRef>
+          <a:effectRef idx="0">
+            <a:schemeClr val="accent1"/>
+          </a:effectRef>
+          <a:fontRef idx="minor">
+            <a:schemeClr val="tx1"/>
+          </a:fontRef>
+        </p:style>
+      </p:cxnSp>
+      <p:cxnSp>
+        <p:nvCxnSpPr>
+          <p:cNvPr id="131" name="直線コネクタ 130"/>
+          <p:cNvCxnSpPr/>
+          <p:nvPr/>
+        </p:nvCxnSpPr>
+        <p:spPr>
+          <a:xfrm flipH="1">
+            <a:off x="20077389" y="11916014"/>
+            <a:ext cx="484419" cy="0"/>
+          </a:xfrm>
+          <a:prstGeom prst="line">
+            <a:avLst/>
+          </a:prstGeom>
+          <a:ln>
+            <a:solidFill>
+              <a:srgbClr val="0070C0"/>
+            </a:solidFill>
+            <a:prstDash val="lgDash"/>
+          </a:ln>
+        </p:spPr>
+        <p:style>
+          <a:lnRef idx="1">
+            <a:schemeClr val="accent1"/>
+          </a:lnRef>
+          <a:fillRef idx="0">
+            <a:schemeClr val="accent1"/>
+          </a:fillRef>
+          <a:effectRef idx="0">
+            <a:schemeClr val="accent1"/>
+          </a:effectRef>
+          <a:fontRef idx="minor">
+            <a:schemeClr val="tx1"/>
+          </a:fontRef>
+        </p:style>
+      </p:cxnSp>
+      <p:cxnSp>
+        <p:nvCxnSpPr>
+          <p:cNvPr id="134" name="直線コネクタ 133"/>
+          <p:cNvCxnSpPr/>
+          <p:nvPr/>
+        </p:nvCxnSpPr>
+        <p:spPr>
+          <a:xfrm>
+            <a:off x="20561807" y="11916015"/>
+            <a:ext cx="0" cy="159903"/>
+          </a:xfrm>
+          <a:prstGeom prst="line">
+            <a:avLst/>
+          </a:prstGeom>
+          <a:ln>
+            <a:solidFill>
+              <a:srgbClr val="0070C0"/>
+            </a:solidFill>
+            <a:prstDash val="lgDash"/>
+          </a:ln>
+        </p:spPr>
+        <p:style>
+          <a:lnRef idx="1">
+            <a:schemeClr val="accent1"/>
+          </a:lnRef>
+          <a:fillRef idx="0">
+            <a:schemeClr val="accent1"/>
+          </a:fillRef>
+          <a:effectRef idx="0">
+            <a:schemeClr val="accent1"/>
+          </a:effectRef>
+          <a:fontRef idx="minor">
+            <a:schemeClr val="tx1"/>
+          </a:fontRef>
+        </p:style>
+      </p:cxnSp>
+      <p:cxnSp>
+        <p:nvCxnSpPr>
+          <p:cNvPr id="139" name="直線コネクタ 138"/>
+          <p:cNvCxnSpPr/>
+          <p:nvPr/>
+        </p:nvCxnSpPr>
+        <p:spPr>
+          <a:xfrm flipH="1">
+            <a:off x="18430657" y="12691037"/>
+            <a:ext cx="1800482" cy="0"/>
+          </a:xfrm>
+          <a:prstGeom prst="line">
+            <a:avLst/>
+          </a:prstGeom>
+          <a:ln>
+            <a:prstDash val="lgDash"/>
+          </a:ln>
+        </p:spPr>
+        <p:style>
+          <a:lnRef idx="1">
+            <a:schemeClr val="accent1"/>
+          </a:lnRef>
+          <a:fillRef idx="0">
+            <a:schemeClr val="accent1"/>
+          </a:fillRef>
+          <a:effectRef idx="0">
+            <a:schemeClr val="accent1"/>
+          </a:effectRef>
+          <a:fontRef idx="minor">
+            <a:schemeClr val="tx1"/>
+          </a:fontRef>
+        </p:style>
+      </p:cxnSp>
+      <p:cxnSp>
+        <p:nvCxnSpPr>
+          <p:cNvPr id="142" name="直線コネクタ 141"/>
+          <p:cNvCxnSpPr/>
+          <p:nvPr/>
+        </p:nvCxnSpPr>
+        <p:spPr>
+          <a:xfrm>
+            <a:off x="20231140" y="12568683"/>
+            <a:ext cx="1" cy="122355"/>
+          </a:xfrm>
+          <a:prstGeom prst="line">
+            <a:avLst/>
+          </a:prstGeom>
+          <a:ln>
+            <a:prstDash val="lgDash"/>
+          </a:ln>
+        </p:spPr>
+        <p:style>
+          <a:lnRef idx="1">
+            <a:schemeClr val="accent1"/>
+          </a:lnRef>
+          <a:fillRef idx="0">
+            <a:schemeClr val="accent1"/>
+          </a:fillRef>
+          <a:effectRef idx="0">
+            <a:schemeClr val="accent1"/>
+          </a:effectRef>
+          <a:fontRef idx="minor">
+            <a:schemeClr val="tx1"/>
+          </a:fontRef>
+        </p:style>
+      </p:cxnSp>
+      <p:cxnSp>
+        <p:nvCxnSpPr>
+          <p:cNvPr id="145" name="直線矢印コネクタ 144"/>
+          <p:cNvCxnSpPr/>
+          <p:nvPr/>
+        </p:nvCxnSpPr>
+        <p:spPr>
+          <a:xfrm>
+            <a:off x="15930533" y="13501355"/>
+            <a:ext cx="1812" cy="215919"/>
+          </a:xfrm>
+          <a:prstGeom prst="straightConnector1">
+            <a:avLst/>
+          </a:prstGeom>
+          <a:ln>
+            <a:solidFill>
+              <a:srgbClr val="0070C0"/>
+            </a:solidFill>
+            <a:prstDash val="lgDash"/>
+            <a:tailEnd type="triangle"/>
+          </a:ln>
+        </p:spPr>
+        <p:style>
+          <a:lnRef idx="1">
+            <a:schemeClr val="accent1"/>
+          </a:lnRef>
+          <a:fillRef idx="0">
+            <a:schemeClr val="accent1"/>
+          </a:fillRef>
+          <a:effectRef idx="0">
+            <a:schemeClr val="accent1"/>
+          </a:effectRef>
+          <a:fontRef idx="minor">
+            <a:schemeClr val="tx1"/>
+          </a:fontRef>
+        </p:style>
+      </p:cxnSp>
+      <p:cxnSp>
+        <p:nvCxnSpPr>
+          <p:cNvPr id="147" name="直線コネクタ 146"/>
+          <p:cNvCxnSpPr/>
+          <p:nvPr/>
+        </p:nvCxnSpPr>
+        <p:spPr>
+          <a:xfrm flipH="1" flipV="1">
+            <a:off x="15115283" y="13501354"/>
+            <a:ext cx="1167" cy="231614"/>
+          </a:xfrm>
+          <a:prstGeom prst="line">
+            <a:avLst/>
+          </a:prstGeom>
+          <a:ln>
+            <a:prstDash val="lgDash"/>
+          </a:ln>
+        </p:spPr>
+        <p:style>
+          <a:lnRef idx="1">
+            <a:schemeClr val="accent1"/>
+          </a:lnRef>
+          <a:fillRef idx="0">
+            <a:schemeClr val="accent1"/>
+          </a:fillRef>
+          <a:effectRef idx="0">
+            <a:schemeClr val="accent1"/>
+          </a:effectRef>
+          <a:fontRef idx="minor">
+            <a:schemeClr val="tx1"/>
+          </a:fontRef>
+        </p:style>
+      </p:cxnSp>
+      <p:cxnSp>
+        <p:nvCxnSpPr>
+          <p:cNvPr id="150" name="直線コネクタ 149"/>
+          <p:cNvCxnSpPr/>
+          <p:nvPr/>
+        </p:nvCxnSpPr>
+        <p:spPr>
+          <a:xfrm flipH="1">
+            <a:off x="15115283" y="13501354"/>
+            <a:ext cx="818624" cy="0"/>
+          </a:xfrm>
+          <a:prstGeom prst="line">
+            <a:avLst/>
+          </a:prstGeom>
+          <a:ln>
+            <a:solidFill>
+              <a:srgbClr val="0070C0"/>
+            </a:solidFill>
+            <a:prstDash val="lgDash"/>
+          </a:ln>
+        </p:spPr>
+        <p:style>
+          <a:lnRef idx="1">
+            <a:schemeClr val="accent1"/>
+          </a:lnRef>
+          <a:fillRef idx="0">
+            <a:schemeClr val="accent1"/>
+          </a:fillRef>
+          <a:effectRef idx="0">
+            <a:schemeClr val="accent1"/>
+          </a:effectRef>
+          <a:fontRef idx="minor">
+            <a:schemeClr val="tx1"/>
+          </a:fontRef>
+        </p:style>
+      </p:cxnSp>
+      <p:cxnSp>
+        <p:nvCxnSpPr>
+          <p:cNvPr id="155" name="カギ線コネクタ 154"/>
+          <p:cNvCxnSpPr/>
+          <p:nvPr/>
+        </p:nvCxnSpPr>
+        <p:spPr>
+          <a:xfrm flipV="1">
+            <a:off x="16249359" y="12248840"/>
+            <a:ext cx="3470091" cy="1252515"/>
+          </a:xfrm>
+          <a:prstGeom prst="bentConnector3">
+            <a:avLst>
+              <a:gd name="adj1" fmla="val 99969"/>
+            </a:avLst>
+          </a:prstGeom>
+          <a:ln>
+            <a:solidFill>
+              <a:srgbClr val="0070C0"/>
+            </a:solidFill>
+            <a:prstDash val="lgDash"/>
+            <a:tailEnd type="triangle"/>
+          </a:ln>
+        </p:spPr>
+        <p:style>
+          <a:lnRef idx="1">
+            <a:schemeClr val="accent1"/>
+          </a:lnRef>
+          <a:fillRef idx="0">
+            <a:schemeClr val="accent1"/>
+          </a:fillRef>
+          <a:effectRef idx="0">
+            <a:schemeClr val="accent1"/>
+          </a:effectRef>
+          <a:fontRef idx="minor">
+            <a:schemeClr val="tx1"/>
+          </a:fontRef>
+        </p:style>
+      </p:cxnSp>
+      <p:cxnSp>
+        <p:nvCxnSpPr>
+          <p:cNvPr id="162" name="直線コネクタ 161"/>
+          <p:cNvCxnSpPr/>
+          <p:nvPr/>
+        </p:nvCxnSpPr>
+        <p:spPr>
+          <a:xfrm flipH="1" flipV="1">
+            <a:off x="16253536" y="13505793"/>
+            <a:ext cx="1" cy="199397"/>
+          </a:xfrm>
+          <a:prstGeom prst="line">
+            <a:avLst/>
+          </a:prstGeom>
+          <a:ln>
+            <a:prstDash val="lgDash"/>
+          </a:ln>
+        </p:spPr>
+        <p:style>
+          <a:lnRef idx="1">
+            <a:schemeClr val="accent1"/>
+          </a:lnRef>
+          <a:fillRef idx="0">
+            <a:schemeClr val="accent1"/>
+          </a:fillRef>
+          <a:effectRef idx="0">
+            <a:schemeClr val="accent1"/>
+          </a:effectRef>
+          <a:fontRef idx="minor">
+            <a:schemeClr val="tx1"/>
+          </a:fontRef>
+        </p:style>
+      </p:cxnSp>
+      <p:cxnSp>
+        <p:nvCxnSpPr>
+          <p:cNvPr id="170" name="直線矢印コネクタ 169"/>
+          <p:cNvCxnSpPr/>
+          <p:nvPr/>
+        </p:nvCxnSpPr>
+        <p:spPr>
+          <a:xfrm flipH="1">
+            <a:off x="16698462" y="12190299"/>
+            <a:ext cx="2083356" cy="538038"/>
+          </a:xfrm>
+          <a:prstGeom prst="straightConnector1">
+            <a:avLst/>
+          </a:prstGeom>
+          <a:ln>
+            <a:solidFill>
+              <a:srgbClr val="0070C0"/>
+            </a:solidFill>
+            <a:prstDash val="lgDash"/>
+            <a:tailEnd type="triangle"/>
+          </a:ln>
+        </p:spPr>
+        <p:style>
+          <a:lnRef idx="1">
+            <a:schemeClr val="accent1"/>
+          </a:lnRef>
+          <a:fillRef idx="0">
+            <a:schemeClr val="accent1"/>
+          </a:fillRef>
+          <a:effectRef idx="0">
+            <a:schemeClr val="accent1"/>
+          </a:effectRef>
+          <a:fontRef idx="minor">
+            <a:schemeClr val="tx1"/>
+          </a:fontRef>
+        </p:style>
+      </p:cxnSp>
+      <p:sp>
+        <p:nvSpPr>
+          <p:cNvPr id="175" name="円/楕円 174"/>
+          <p:cNvSpPr/>
+          <p:nvPr/>
+        </p:nvSpPr>
+        <p:spPr>
+          <a:xfrm>
+            <a:off x="18616092" y="13103843"/>
+            <a:ext cx="291343" cy="277441"/>
+          </a:xfrm>
+          <a:prstGeom prst="ellipse">
+            <a:avLst/>
+          </a:prstGeom>
+          <a:noFill/>
+          <a:ln w="28575">
+            <a:solidFill>
+              <a:srgbClr val="FF0000"/>
+            </a:solidFill>
+          </a:ln>
+        </p:spPr>
+        <p:style>
+          <a:lnRef idx="2">
+            <a:schemeClr val="accent1">
+              <a:shade val="50000"/>
+            </a:schemeClr>
+          </a:lnRef>
+          <a:fillRef idx="1">
+            <a:schemeClr val="accent1"/>
+          </a:fillRef>
+          <a:effectRef idx="0">
+            <a:schemeClr val="accent1"/>
+          </a:effectRef>
+          <a:fontRef idx="minor">
+            <a:schemeClr val="lt1"/>
+          </a:fontRef>
+        </p:style>
+        <p:txBody>
+          <a:bodyPr rot="0" spcFirstLastPara="0" vertOverflow="overflow" horzOverflow="overflow" vert="horz" wrap="square" lIns="91440" tIns="45720" rIns="91440" bIns="45720" numCol="1" spcCol="0" rtlCol="0" fromWordArt="0" anchor="ctr" anchorCtr="0" forceAA="0" compatLnSpc="1">
+            <a:prstTxWarp prst="textNoShape">
+              <a:avLst/>
+            </a:prstTxWarp>
+            <a:noAutofit/>
+          </a:bodyPr>
+          <a:lstStyle/>
+          <a:p>
+            <a:pPr algn="ctr"/>
+            <a:endParaRPr lang="ja-JP" altLang="en-US"/>
+          </a:p>
+        </p:txBody>
+      </p:sp>
+      <p:cxnSp>
+        <p:nvCxnSpPr>
+          <p:cNvPr id="177" name="カギ線コネクタ 176"/>
+          <p:cNvCxnSpPr/>
+          <p:nvPr/>
+        </p:nvCxnSpPr>
+        <p:spPr>
+          <a:xfrm flipV="1">
+            <a:off x="16279343" y="14248794"/>
+            <a:ext cx="364876" cy="357996"/>
+          </a:xfrm>
+          <a:prstGeom prst="bentConnector3">
+            <a:avLst>
+              <a:gd name="adj1" fmla="val 147694"/>
+            </a:avLst>
+          </a:prstGeom>
+          <a:ln w="28575">
+            <a:solidFill>
+              <a:srgbClr val="00B050"/>
+            </a:solidFill>
+            <a:tailEnd type="triangle"/>
+          </a:ln>
+        </p:spPr>
+        <p:style>
+          <a:lnRef idx="1">
+            <a:schemeClr val="accent1"/>
+          </a:lnRef>
+          <a:fillRef idx="0">
+            <a:schemeClr val="accent1"/>
+          </a:fillRef>
+          <a:effectRef idx="0">
+            <a:schemeClr val="accent1"/>
+          </a:effectRef>
+          <a:fontRef idx="minor">
+            <a:schemeClr val="tx1"/>
+          </a:fontRef>
+        </p:style>
+      </p:cxnSp>
+      <p:cxnSp>
+        <p:nvCxnSpPr>
+          <p:cNvPr id="187" name="カギ線コネクタ 186"/>
+          <p:cNvCxnSpPr/>
+          <p:nvPr/>
+        </p:nvCxnSpPr>
+        <p:spPr>
+          <a:xfrm>
+            <a:off x="15605166" y="14437922"/>
+            <a:ext cx="823234" cy="168869"/>
+          </a:xfrm>
+          <a:prstGeom prst="bentConnector3">
+            <a:avLst>
+              <a:gd name="adj1" fmla="val 82004"/>
+            </a:avLst>
+          </a:prstGeom>
+          <a:ln w="28575">
+            <a:solidFill>
+              <a:srgbClr val="00B050"/>
+            </a:solidFill>
+          </a:ln>
+        </p:spPr>
+        <p:style>
+          <a:lnRef idx="1">
+            <a:schemeClr val="accent1"/>
+          </a:lnRef>
+          <a:fillRef idx="0">
+            <a:schemeClr val="accent1"/>
+          </a:fillRef>
+          <a:effectRef idx="0">
+            <a:schemeClr val="accent1"/>
+          </a:effectRef>
+          <a:fontRef idx="minor">
+            <a:schemeClr val="tx1"/>
+          </a:fontRef>
+        </p:style>
+      </p:cxnSp>
+      <p:cxnSp>
+        <p:nvCxnSpPr>
+          <p:cNvPr id="197" name="直線矢印コネクタ 196"/>
+          <p:cNvCxnSpPr/>
+          <p:nvPr/>
+        </p:nvCxnSpPr>
+        <p:spPr>
+          <a:xfrm flipH="1" flipV="1">
+            <a:off x="17627695" y="13742530"/>
+            <a:ext cx="2143" cy="288816"/>
+          </a:xfrm>
+          <a:prstGeom prst="straightConnector1">
+            <a:avLst/>
+          </a:prstGeom>
+          <a:ln w="28575">
+            <a:solidFill>
+              <a:srgbClr val="00B050"/>
+            </a:solidFill>
+            <a:tailEnd type="triangle"/>
+          </a:ln>
+        </p:spPr>
+        <p:style>
+          <a:lnRef idx="1">
+            <a:schemeClr val="accent1"/>
+          </a:lnRef>
+          <a:fillRef idx="0">
+            <a:schemeClr val="accent1"/>
+          </a:fillRef>
+          <a:effectRef idx="0">
+            <a:schemeClr val="accent1"/>
+          </a:effectRef>
+          <a:fontRef idx="minor">
+            <a:schemeClr val="tx1"/>
+          </a:fontRef>
+        </p:style>
+      </p:cxnSp>
+    </p:spTree>
+    <p:extLst>
+      <p:ext uri="{BB962C8B-B14F-4D97-AF65-F5344CB8AC3E}">
+        <p14:creationId xmlns:p14="http://schemas.microsoft.com/office/powerpoint/2010/main" val="1278152950"/>
+      </p:ext>
+    </p:extLst>
+  </p:cSld>
+  <p:clrMapOvr>
+    <a:masterClrMapping/>
+  </p:clrMapOvr>
+</p:sld>
+</file>
+
+<file path=ppt/slides/slide8.xml><?xml version="1.0" encoding="utf-8"?>
+<p:sld xmlns:a="http://schemas.openxmlformats.org/drawingml/2006/main" xmlns:r="http://schemas.openxmlformats.org/officeDocument/2006/relationships" xmlns:p="http://schemas.openxmlformats.org/presentationml/2006/main">
+  <p:cSld>
+    <p:spTree>
+      <p:nvGrpSpPr>
+        <p:cNvPr id="1" name=""/>
+        <p:cNvGrpSpPr/>
+        <p:nvPr/>
+      </p:nvGrpSpPr>
+      <p:grpSpPr>
+        <a:xfrm>
+          <a:off x="0" y="0"/>
+          <a:ext cx="0" cy="0"/>
+          <a:chOff x="0" y="0"/>
+          <a:chExt cx="0" cy="0"/>
+        </a:xfrm>
+      </p:grpSpPr>
+      <p:sp>
+        <p:nvSpPr>
+          <p:cNvPr id="158" name="角丸四角形 157"/>
+          <p:cNvSpPr/>
+          <p:nvPr/>
+        </p:nvSpPr>
+        <p:spPr>
+          <a:xfrm>
+            <a:off x="11495314" y="10189029"/>
+            <a:ext cx="20029715" cy="7542380"/>
+          </a:xfrm>
+          <a:prstGeom prst="roundRect">
+            <a:avLst/>
+          </a:prstGeom>
+          <a:solidFill>
+            <a:schemeClr val="bg1"/>
+          </a:solidFill>
+          <a:ln w="28575">
+            <a:solidFill>
+              <a:schemeClr val="tx1"/>
+            </a:solidFill>
+          </a:ln>
+        </p:spPr>
+        <p:style>
+          <a:lnRef idx="2">
+            <a:schemeClr val="accent1">
+              <a:shade val="50000"/>
+            </a:schemeClr>
+          </a:lnRef>
+          <a:fillRef idx="1">
+            <a:schemeClr val="accent1"/>
+          </a:fillRef>
+          <a:effectRef idx="0">
+            <a:schemeClr val="accent1"/>
+          </a:effectRef>
+          <a:fontRef idx="minor">
+            <a:schemeClr val="lt1"/>
+          </a:fontRef>
+        </p:style>
+        <p:txBody>
+          <a:bodyPr rtlCol="0" anchor="ctr"/>
+          <a:lstStyle/>
+          <a:p>
+            <a:pPr algn="ctr"/>
+            <a:endParaRPr kumimoji="1" lang="ja-JP" altLang="en-US"/>
+          </a:p>
+        </p:txBody>
+      </p:sp>
+      <p:pic>
+        <p:nvPicPr>
+          <p:cNvPr id="33" name="図 32"/>
+          <p:cNvPicPr>
+            <a:picLocks noChangeAspect="1"/>
+          </p:cNvPicPr>
+          <p:nvPr/>
+        </p:nvPicPr>
+        <p:blipFill>
+          <a:blip r:embed="rId2">
+            <a:extLst>
+              <a:ext uri="{28A0092B-C50C-407E-A947-70E740481C1C}">
+                <a14:useLocalDpi xmlns:a14="http://schemas.microsoft.com/office/drawing/2010/main" val="0"/>
+              </a:ext>
+            </a:extLst>
+          </a:blip>
+          <a:stretch>
+            <a:fillRect/>
+          </a:stretch>
+        </p:blipFill>
+        <p:spPr>
+          <a:xfrm>
+            <a:off x="11916569" y="10979945"/>
+            <a:ext cx="6962168" cy="4956797"/>
+          </a:xfrm>
+          <a:prstGeom prst="rect">
+            <a:avLst/>
+          </a:prstGeom>
+          <a:ln w="28575">
+            <a:noFill/>
+          </a:ln>
+        </p:spPr>
+      </p:pic>
+      <p:cxnSp>
+        <p:nvCxnSpPr>
+          <p:cNvPr id="34" name="カギ線コネクタ 33"/>
+          <p:cNvCxnSpPr/>
+          <p:nvPr/>
+        </p:nvCxnSpPr>
+        <p:spPr>
+          <a:xfrm flipV="1">
+            <a:off x="16461378" y="11598051"/>
+            <a:ext cx="1927701" cy="687260"/>
+          </a:xfrm>
+          <a:prstGeom prst="bentConnector3">
+            <a:avLst>
+              <a:gd name="adj1" fmla="val 71297"/>
+            </a:avLst>
+          </a:prstGeom>
+          <a:ln w="28575">
+            <a:solidFill>
+              <a:srgbClr val="00B050"/>
+            </a:solidFill>
+            <a:tailEnd type="triangle"/>
+          </a:ln>
+        </p:spPr>
+        <p:style>
+          <a:lnRef idx="1">
+            <a:schemeClr val="accent1"/>
+          </a:lnRef>
+          <a:fillRef idx="0">
+            <a:schemeClr val="accent1"/>
+          </a:fillRef>
+          <a:effectRef idx="0">
+            <a:schemeClr val="accent1"/>
+          </a:effectRef>
+          <a:fontRef idx="minor">
+            <a:schemeClr val="tx1"/>
+          </a:fontRef>
+        </p:style>
+      </p:cxnSp>
+      <p:cxnSp>
+        <p:nvCxnSpPr>
+          <p:cNvPr id="35" name="カギ線コネクタ 34"/>
+          <p:cNvCxnSpPr/>
+          <p:nvPr/>
+        </p:nvCxnSpPr>
+        <p:spPr>
+          <a:xfrm flipV="1">
+            <a:off x="17872294" y="13850409"/>
+            <a:ext cx="516785" cy="339192"/>
+          </a:xfrm>
+          <a:prstGeom prst="bentConnector3">
+            <a:avLst>
+              <a:gd name="adj1" fmla="val 50000"/>
+            </a:avLst>
+          </a:prstGeom>
+          <a:ln w="28575">
+            <a:solidFill>
+              <a:srgbClr val="00B050"/>
+            </a:solidFill>
+            <a:tailEnd type="triangle"/>
+          </a:ln>
+        </p:spPr>
+        <p:style>
+          <a:lnRef idx="1">
+            <a:schemeClr val="accent1"/>
+          </a:lnRef>
+          <a:fillRef idx="0">
+            <a:schemeClr val="accent1"/>
+          </a:fillRef>
+          <a:effectRef idx="0">
+            <a:schemeClr val="accent1"/>
+          </a:effectRef>
+          <a:fontRef idx="minor">
+            <a:schemeClr val="tx1"/>
+          </a:fontRef>
+        </p:style>
+      </p:cxnSp>
+      <p:cxnSp>
+        <p:nvCxnSpPr>
+          <p:cNvPr id="36" name="カギ線コネクタ 35"/>
+          <p:cNvCxnSpPr/>
+          <p:nvPr/>
+        </p:nvCxnSpPr>
+        <p:spPr>
+          <a:xfrm flipV="1">
+            <a:off x="12352377" y="12285310"/>
+            <a:ext cx="5084979" cy="391480"/>
+          </a:xfrm>
+          <a:prstGeom prst="bentConnector3">
+            <a:avLst>
+              <a:gd name="adj1" fmla="val 50000"/>
+            </a:avLst>
+          </a:prstGeom>
+          <a:ln w="28575">
+            <a:solidFill>
+              <a:srgbClr val="00B050"/>
+            </a:solidFill>
+          </a:ln>
+        </p:spPr>
+        <p:style>
+          <a:lnRef idx="1">
+            <a:schemeClr val="accent1"/>
+          </a:lnRef>
+          <a:fillRef idx="0">
+            <a:schemeClr val="accent1"/>
+          </a:fillRef>
+          <a:effectRef idx="0">
+            <a:schemeClr val="accent1"/>
+          </a:effectRef>
+          <a:fontRef idx="minor">
+            <a:schemeClr val="tx1"/>
+          </a:fontRef>
+        </p:style>
+      </p:cxnSp>
+      <p:cxnSp>
+        <p:nvCxnSpPr>
+          <p:cNvPr id="37" name="カギ線コネクタ 36"/>
+          <p:cNvCxnSpPr/>
+          <p:nvPr/>
+        </p:nvCxnSpPr>
+        <p:spPr>
+          <a:xfrm rot="10800000" flipV="1">
+            <a:off x="13150084" y="11631888"/>
+            <a:ext cx="2716667" cy="498961"/>
+          </a:xfrm>
+          <a:prstGeom prst="bentConnector3">
+            <a:avLst>
+              <a:gd name="adj1" fmla="val 58243"/>
+            </a:avLst>
+          </a:prstGeom>
+          <a:ln w="28575">
+            <a:solidFill>
+              <a:srgbClr val="00B050"/>
+            </a:solidFill>
+            <a:tailEnd type="triangle"/>
+          </a:ln>
+        </p:spPr>
+        <p:style>
+          <a:lnRef idx="1">
+            <a:schemeClr val="accent1"/>
+          </a:lnRef>
+          <a:fillRef idx="0">
+            <a:schemeClr val="accent1"/>
+          </a:fillRef>
+          <a:effectRef idx="0">
+            <a:schemeClr val="accent1"/>
+          </a:effectRef>
+          <a:fontRef idx="minor">
+            <a:schemeClr val="tx1"/>
+          </a:fontRef>
+        </p:style>
+      </p:cxnSp>
+      <p:cxnSp>
+        <p:nvCxnSpPr>
+          <p:cNvPr id="38" name="カギ線コネクタ 37"/>
+          <p:cNvCxnSpPr/>
+          <p:nvPr/>
+        </p:nvCxnSpPr>
+        <p:spPr>
+          <a:xfrm rot="5400000">
+            <a:off x="12351790" y="11766992"/>
+            <a:ext cx="882797" cy="713789"/>
+          </a:xfrm>
+          <a:prstGeom prst="bentConnector3">
+            <a:avLst>
+              <a:gd name="adj1" fmla="val -9188"/>
+            </a:avLst>
+          </a:prstGeom>
+          <a:ln w="28575">
+            <a:solidFill>
+              <a:srgbClr val="00B050"/>
+            </a:solidFill>
+            <a:tailEnd type="triangle"/>
+          </a:ln>
+        </p:spPr>
+        <p:style>
+          <a:lnRef idx="1">
+            <a:schemeClr val="accent1"/>
+          </a:lnRef>
+          <a:fillRef idx="0">
+            <a:schemeClr val="accent1"/>
+          </a:fillRef>
+          <a:effectRef idx="0">
+            <a:schemeClr val="accent1"/>
+          </a:effectRef>
+          <a:fontRef idx="minor">
+            <a:schemeClr val="tx1"/>
+          </a:fontRef>
+        </p:style>
+      </p:cxnSp>
+      <p:cxnSp>
+        <p:nvCxnSpPr>
+          <p:cNvPr id="39" name="カギ線コネクタ 38"/>
+          <p:cNvCxnSpPr/>
+          <p:nvPr/>
+        </p:nvCxnSpPr>
+        <p:spPr>
+          <a:xfrm rot="5400000" flipH="1" flipV="1">
+            <a:off x="12509088" y="13974618"/>
+            <a:ext cx="570278" cy="321860"/>
+          </a:xfrm>
+          <a:prstGeom prst="bentConnector3">
+            <a:avLst>
+              <a:gd name="adj1" fmla="val 99084"/>
+            </a:avLst>
+          </a:prstGeom>
+          <a:ln w="28575">
+            <a:solidFill>
+              <a:srgbClr val="00B050"/>
+            </a:solidFill>
+            <a:tailEnd type="triangle"/>
+          </a:ln>
+        </p:spPr>
+        <p:style>
+          <a:lnRef idx="1">
+            <a:schemeClr val="accent1"/>
+          </a:lnRef>
+          <a:fillRef idx="0">
+            <a:schemeClr val="accent1"/>
+          </a:fillRef>
+          <a:effectRef idx="0">
+            <a:schemeClr val="accent1"/>
+          </a:effectRef>
+          <a:fontRef idx="minor">
+            <a:schemeClr val="tx1"/>
+          </a:fontRef>
+        </p:style>
+      </p:cxnSp>
+      <p:pic>
+        <p:nvPicPr>
+          <p:cNvPr id="2" name="図 1"/>
+          <p:cNvPicPr>
+            <a:picLocks noChangeAspect="1"/>
+          </p:cNvPicPr>
+          <p:nvPr/>
+        </p:nvPicPr>
+        <p:blipFill>
+          <a:blip r:embed="rId3">
+            <a:extLst>
+              <a:ext uri="{28A0092B-C50C-407E-A947-70E740481C1C}">
+                <a14:useLocalDpi xmlns:a14="http://schemas.microsoft.com/office/drawing/2010/main" val="0"/>
+              </a:ext>
+            </a:extLst>
+          </a:blip>
+          <a:stretch>
+            <a:fillRect/>
+          </a:stretch>
+        </p:blipFill>
+        <p:spPr>
+          <a:xfrm>
+            <a:off x="18792527" y="11041589"/>
+            <a:ext cx="6096000" cy="6296025"/>
+          </a:xfrm>
+          <a:prstGeom prst="rect">
+            <a:avLst/>
+          </a:prstGeom>
+          <a:ln w="28575">
+            <a:noFill/>
+          </a:ln>
+        </p:spPr>
+      </p:pic>
+      <p:pic>
+        <p:nvPicPr>
+          <p:cNvPr id="3" name="図 2"/>
+          <p:cNvPicPr>
+            <a:picLocks noChangeAspect="1"/>
+          </p:cNvPicPr>
+          <p:nvPr/>
+        </p:nvPicPr>
+        <p:blipFill rotWithShape="1">
+          <a:blip r:embed="rId4">
+            <a:extLst>
+              <a:ext uri="{28A0092B-C50C-407E-A947-70E740481C1C}">
+                <a14:useLocalDpi xmlns:a14="http://schemas.microsoft.com/office/drawing/2010/main" val="0"/>
+              </a:ext>
+            </a:extLst>
+          </a:blip>
+          <a:srcRect r="9768" b="11826"/>
+          <a:stretch/>
+        </p:blipFill>
+        <p:spPr>
+          <a:xfrm>
+            <a:off x="24888528" y="10979945"/>
+            <a:ext cx="6299818" cy="6357669"/>
+          </a:xfrm>
+          <a:prstGeom prst="rect">
+            <a:avLst/>
+          </a:prstGeom>
+          <a:ln w="28575">
+            <a:noFill/>
+          </a:ln>
+        </p:spPr>
+      </p:pic>
+      <p:cxnSp>
+        <p:nvCxnSpPr>
+          <p:cNvPr id="44" name="カギ線コネクタ 43"/>
+          <p:cNvCxnSpPr/>
+          <p:nvPr/>
+        </p:nvCxnSpPr>
+        <p:spPr>
+          <a:xfrm rot="5400000">
+            <a:off x="17059275" y="12525375"/>
+            <a:ext cx="2095500" cy="895350"/>
+          </a:xfrm>
+          <a:prstGeom prst="bentConnector3">
+            <a:avLst>
+              <a:gd name="adj1" fmla="val 50000"/>
+            </a:avLst>
+          </a:prstGeom>
+          <a:ln w="28575">
+            <a:solidFill>
+              <a:srgbClr val="0070C0"/>
+            </a:solidFill>
+            <a:prstDash val="lgDash"/>
+            <a:tailEnd type="triangle"/>
+          </a:ln>
+        </p:spPr>
+        <p:style>
+          <a:lnRef idx="1">
+            <a:schemeClr val="accent1"/>
+          </a:lnRef>
+          <a:fillRef idx="0">
+            <a:schemeClr val="accent1"/>
+          </a:fillRef>
+          <a:effectRef idx="0">
+            <a:schemeClr val="accent1"/>
+          </a:effectRef>
+          <a:fontRef idx="minor">
+            <a:schemeClr val="tx1"/>
+          </a:fontRef>
+        </p:style>
+      </p:cxnSp>
+      <p:cxnSp>
+        <p:nvCxnSpPr>
+          <p:cNvPr id="49" name="直線コネクタ 48"/>
+          <p:cNvCxnSpPr/>
+          <p:nvPr/>
+        </p:nvCxnSpPr>
+        <p:spPr>
+          <a:xfrm flipV="1">
+            <a:off x="18725109" y="11041589"/>
+            <a:ext cx="11116" cy="2808820"/>
+          </a:xfrm>
+          <a:prstGeom prst="line">
+            <a:avLst/>
+          </a:prstGeom>
+          <a:ln w="28575">
+            <a:prstDash val="lgDash"/>
+          </a:ln>
+        </p:spPr>
+        <p:style>
+          <a:lnRef idx="1">
+            <a:schemeClr val="accent1"/>
+          </a:lnRef>
+          <a:fillRef idx="0">
+            <a:schemeClr val="accent1"/>
+          </a:fillRef>
+          <a:effectRef idx="0">
+            <a:schemeClr val="accent1"/>
+          </a:effectRef>
+          <a:fontRef idx="minor">
+            <a:schemeClr val="tx1"/>
+          </a:fontRef>
+        </p:style>
+      </p:cxnSp>
+      <p:cxnSp>
+        <p:nvCxnSpPr>
+          <p:cNvPr id="51" name="直線コネクタ 50"/>
+          <p:cNvCxnSpPr/>
+          <p:nvPr/>
+        </p:nvCxnSpPr>
+        <p:spPr>
+          <a:xfrm>
+            <a:off x="18792527" y="11041589"/>
+            <a:ext cx="4469313" cy="4662"/>
+          </a:xfrm>
+          <a:prstGeom prst="line">
+            <a:avLst/>
+          </a:prstGeom>
+          <a:ln w="28575">
+            <a:solidFill>
+              <a:srgbClr val="0070C0"/>
+            </a:solidFill>
+            <a:prstDash val="lgDash"/>
+          </a:ln>
+        </p:spPr>
+        <p:style>
+          <a:lnRef idx="1">
+            <a:schemeClr val="accent1"/>
+          </a:lnRef>
+          <a:fillRef idx="0">
+            <a:schemeClr val="accent1"/>
+          </a:fillRef>
+          <a:effectRef idx="0">
+            <a:schemeClr val="accent1"/>
+          </a:effectRef>
+          <a:fontRef idx="minor">
+            <a:schemeClr val="tx1"/>
+          </a:fontRef>
+        </p:style>
+      </p:cxnSp>
+      <p:cxnSp>
+        <p:nvCxnSpPr>
+          <p:cNvPr id="52" name="直線矢印コネクタ 51"/>
+          <p:cNvCxnSpPr/>
+          <p:nvPr/>
+        </p:nvCxnSpPr>
+        <p:spPr>
+          <a:xfrm>
+            <a:off x="23261840" y="11041589"/>
+            <a:ext cx="2" cy="472851"/>
+          </a:xfrm>
+          <a:prstGeom prst="straightConnector1">
+            <a:avLst/>
+          </a:prstGeom>
+          <a:ln w="28575">
+            <a:prstDash val="lgDash"/>
+            <a:tailEnd type="triangle"/>
+          </a:ln>
+        </p:spPr>
+        <p:style>
+          <a:lnRef idx="1">
+            <a:schemeClr val="accent1"/>
+          </a:lnRef>
+          <a:fillRef idx="0">
+            <a:schemeClr val="accent1"/>
+          </a:fillRef>
+          <a:effectRef idx="0">
+            <a:schemeClr val="accent1"/>
+          </a:effectRef>
+          <a:fontRef idx="minor">
+            <a:schemeClr val="tx1"/>
+          </a:fontRef>
+        </p:style>
+      </p:cxnSp>
+      <p:cxnSp>
+        <p:nvCxnSpPr>
+          <p:cNvPr id="57" name="直線矢印コネクタ 56"/>
+          <p:cNvCxnSpPr/>
+          <p:nvPr/>
+        </p:nvCxnSpPr>
+        <p:spPr>
+          <a:xfrm>
+            <a:off x="22020488" y="11211165"/>
+            <a:ext cx="0" cy="162157"/>
+          </a:xfrm>
+          <a:prstGeom prst="straightConnector1">
+            <a:avLst/>
+          </a:prstGeom>
+          <a:ln w="28575">
+            <a:solidFill>
+              <a:srgbClr val="0070C0"/>
+            </a:solidFill>
+            <a:prstDash val="lgDash"/>
+            <a:tailEnd type="triangle"/>
+          </a:ln>
+        </p:spPr>
+        <p:style>
+          <a:lnRef idx="1">
+            <a:schemeClr val="accent1"/>
+          </a:lnRef>
+          <a:fillRef idx="0">
+            <a:schemeClr val="accent1"/>
+          </a:fillRef>
+          <a:effectRef idx="0">
+            <a:schemeClr val="accent1"/>
+          </a:effectRef>
+          <a:fontRef idx="minor">
+            <a:schemeClr val="tx1"/>
+          </a:fontRef>
+        </p:style>
+      </p:cxnSp>
+      <p:cxnSp>
+        <p:nvCxnSpPr>
+          <p:cNvPr id="58" name="直線コネクタ 57"/>
+          <p:cNvCxnSpPr/>
+          <p:nvPr/>
+        </p:nvCxnSpPr>
+        <p:spPr>
+          <a:xfrm flipH="1" flipV="1">
+            <a:off x="22020490" y="11211164"/>
+            <a:ext cx="722213" cy="1"/>
+          </a:xfrm>
+          <a:prstGeom prst="line">
+            <a:avLst/>
+          </a:prstGeom>
+          <a:ln w="28575">
+            <a:solidFill>
+              <a:srgbClr val="0070C0"/>
+            </a:solidFill>
+            <a:prstDash val="lgDash"/>
+          </a:ln>
+        </p:spPr>
+        <p:style>
+          <a:lnRef idx="1">
+            <a:schemeClr val="accent1"/>
+          </a:lnRef>
+          <a:fillRef idx="0">
+            <a:schemeClr val="accent1"/>
+          </a:fillRef>
+          <a:effectRef idx="0">
+            <a:schemeClr val="accent1"/>
+          </a:effectRef>
+          <a:fontRef idx="minor">
+            <a:schemeClr val="tx1"/>
+          </a:fontRef>
+        </p:style>
+      </p:cxnSp>
+      <p:cxnSp>
+        <p:nvCxnSpPr>
+          <p:cNvPr id="59" name="直線コネクタ 58"/>
+          <p:cNvCxnSpPr/>
+          <p:nvPr/>
+        </p:nvCxnSpPr>
+        <p:spPr>
+          <a:xfrm flipH="1">
+            <a:off x="22742703" y="11226738"/>
+            <a:ext cx="534" cy="162158"/>
+          </a:xfrm>
+          <a:prstGeom prst="line">
+            <a:avLst/>
+          </a:prstGeom>
+          <a:ln w="28575">
+            <a:solidFill>
+              <a:srgbClr val="0070C0"/>
+            </a:solidFill>
+            <a:prstDash val="lgDash"/>
+          </a:ln>
+        </p:spPr>
+        <p:style>
+          <a:lnRef idx="1">
+            <a:schemeClr val="accent1"/>
+          </a:lnRef>
+          <a:fillRef idx="0">
+            <a:schemeClr val="accent1"/>
+          </a:fillRef>
+          <a:effectRef idx="0">
+            <a:schemeClr val="accent1"/>
+          </a:effectRef>
+          <a:fontRef idx="minor">
+            <a:schemeClr val="tx1"/>
+          </a:fontRef>
+        </p:style>
+      </p:cxnSp>
+      <p:cxnSp>
+        <p:nvCxnSpPr>
+          <p:cNvPr id="64" name="カギ線コネクタ 63"/>
+          <p:cNvCxnSpPr/>
+          <p:nvPr/>
+        </p:nvCxnSpPr>
+        <p:spPr>
+          <a:xfrm rot="16200000" flipH="1">
+            <a:off x="22037391" y="11786645"/>
+            <a:ext cx="448362" cy="240047"/>
+          </a:xfrm>
+          <a:prstGeom prst="bentConnector3">
+            <a:avLst>
+              <a:gd name="adj1" fmla="val 2350"/>
+            </a:avLst>
+          </a:prstGeom>
+          <a:ln w="28575">
+            <a:solidFill>
+              <a:srgbClr val="00B050"/>
+            </a:solidFill>
+            <a:tailEnd type="triangle"/>
+          </a:ln>
+        </p:spPr>
+        <p:style>
+          <a:lnRef idx="1">
+            <a:schemeClr val="accent1"/>
+          </a:lnRef>
+          <a:fillRef idx="0">
+            <a:schemeClr val="accent1"/>
+          </a:fillRef>
+          <a:effectRef idx="0">
+            <a:schemeClr val="accent1"/>
+          </a:effectRef>
+          <a:fontRef idx="minor">
+            <a:schemeClr val="tx1"/>
+          </a:fontRef>
+        </p:style>
+      </p:cxnSp>
+      <p:cxnSp>
+        <p:nvCxnSpPr>
+          <p:cNvPr id="68" name="直線矢印コネクタ 67"/>
+          <p:cNvCxnSpPr/>
+          <p:nvPr/>
+        </p:nvCxnSpPr>
+        <p:spPr>
+          <a:xfrm flipH="1">
+            <a:off x="19010652" y="12285310"/>
+            <a:ext cx="3302418" cy="0"/>
+          </a:xfrm>
+          <a:prstGeom prst="straightConnector1">
+            <a:avLst/>
+          </a:prstGeom>
+          <a:ln w="28575">
+            <a:solidFill>
+              <a:srgbClr val="0070C0"/>
+            </a:solidFill>
+            <a:prstDash val="lgDash"/>
+            <a:tailEnd type="triangle"/>
+          </a:ln>
+        </p:spPr>
+        <p:style>
+          <a:lnRef idx="1">
+            <a:schemeClr val="accent1"/>
+          </a:lnRef>
+          <a:fillRef idx="0">
+            <a:schemeClr val="accent1"/>
+          </a:fillRef>
+          <a:effectRef idx="0">
+            <a:schemeClr val="accent1"/>
+          </a:effectRef>
+          <a:fontRef idx="minor">
+            <a:schemeClr val="tx1"/>
+          </a:fontRef>
+        </p:style>
+      </p:cxnSp>
+      <p:cxnSp>
+        <p:nvCxnSpPr>
+          <p:cNvPr id="75" name="カギ線コネクタ 74"/>
+          <p:cNvCxnSpPr/>
+          <p:nvPr/>
+        </p:nvCxnSpPr>
+        <p:spPr>
+          <a:xfrm rot="5400000" flipH="1" flipV="1">
+            <a:off x="18928916" y="11799755"/>
+            <a:ext cx="332271" cy="302068"/>
+          </a:xfrm>
+          <a:prstGeom prst="bentConnector3">
+            <a:avLst>
+              <a:gd name="adj1" fmla="val 50000"/>
+            </a:avLst>
+          </a:prstGeom>
+          <a:ln w="28575">
+            <a:solidFill>
+              <a:srgbClr val="00B050"/>
+            </a:solidFill>
+            <a:tailEnd type="triangle"/>
+          </a:ln>
+        </p:spPr>
+        <p:style>
+          <a:lnRef idx="1">
+            <a:schemeClr val="accent1"/>
+          </a:lnRef>
+          <a:fillRef idx="0">
+            <a:schemeClr val="accent1"/>
+          </a:fillRef>
+          <a:effectRef idx="0">
+            <a:schemeClr val="accent1"/>
+          </a:effectRef>
+          <a:fontRef idx="minor">
+            <a:schemeClr val="tx1"/>
+          </a:fontRef>
+        </p:style>
+      </p:cxnSp>
+      <p:cxnSp>
+        <p:nvCxnSpPr>
+          <p:cNvPr id="77" name="直線矢印コネクタ 76"/>
+          <p:cNvCxnSpPr/>
+          <p:nvPr/>
+        </p:nvCxnSpPr>
+        <p:spPr>
+          <a:xfrm flipV="1">
+            <a:off x="18952643" y="14744392"/>
+            <a:ext cx="0" cy="235378"/>
+          </a:xfrm>
+          <a:prstGeom prst="straightConnector1">
+            <a:avLst/>
+          </a:prstGeom>
+          <a:ln w="28575">
+            <a:solidFill>
+              <a:srgbClr val="00B050"/>
+            </a:solidFill>
+            <a:tailEnd type="triangle"/>
+          </a:ln>
+        </p:spPr>
+        <p:style>
+          <a:lnRef idx="1">
+            <a:schemeClr val="accent1"/>
+          </a:lnRef>
+          <a:fillRef idx="0">
+            <a:schemeClr val="accent1"/>
+          </a:fillRef>
+          <a:effectRef idx="0">
+            <a:schemeClr val="accent1"/>
+          </a:effectRef>
+          <a:fontRef idx="minor">
+            <a:schemeClr val="tx1"/>
+          </a:fontRef>
+        </p:style>
+      </p:cxnSp>
+      <p:cxnSp>
+        <p:nvCxnSpPr>
+          <p:cNvPr id="81" name="カギ線コネクタ 80"/>
+          <p:cNvCxnSpPr/>
+          <p:nvPr/>
+        </p:nvCxnSpPr>
+        <p:spPr>
+          <a:xfrm rot="10800000" flipV="1">
+            <a:off x="18939704" y="14749457"/>
+            <a:ext cx="646572" cy="217374"/>
+          </a:xfrm>
+          <a:prstGeom prst="bentConnector3">
+            <a:avLst>
+              <a:gd name="adj1" fmla="val -13373"/>
+            </a:avLst>
+          </a:prstGeom>
+          <a:ln w="28575">
+            <a:solidFill>
+              <a:srgbClr val="00B050"/>
+            </a:solidFill>
+          </a:ln>
+        </p:spPr>
+        <p:style>
+          <a:lnRef idx="1">
+            <a:schemeClr val="accent1"/>
+          </a:lnRef>
+          <a:fillRef idx="0">
+            <a:schemeClr val="accent1"/>
+          </a:fillRef>
+          <a:effectRef idx="0">
+            <a:schemeClr val="accent1"/>
+          </a:effectRef>
+          <a:fontRef idx="minor">
+            <a:schemeClr val="tx1"/>
+          </a:fontRef>
+        </p:style>
+      </p:cxnSp>
+      <p:cxnSp>
+        <p:nvCxnSpPr>
+          <p:cNvPr id="87" name="直線矢印コネクタ 86"/>
+          <p:cNvCxnSpPr/>
+          <p:nvPr/>
+        </p:nvCxnSpPr>
+        <p:spPr>
+          <a:xfrm>
+            <a:off x="20539616" y="13987561"/>
+            <a:ext cx="1175" cy="568366"/>
+          </a:xfrm>
+          <a:prstGeom prst="straightConnector1">
+            <a:avLst/>
+          </a:prstGeom>
+          <a:ln w="28575">
+            <a:prstDash val="lgDash"/>
+            <a:tailEnd type="triangle"/>
+          </a:ln>
+        </p:spPr>
+        <p:style>
+          <a:lnRef idx="1">
+            <a:schemeClr val="accent1"/>
+          </a:lnRef>
+          <a:fillRef idx="0">
+            <a:schemeClr val="accent1"/>
+          </a:fillRef>
+          <a:effectRef idx="0">
+            <a:schemeClr val="accent1"/>
+          </a:effectRef>
+          <a:fontRef idx="minor">
+            <a:schemeClr val="tx1"/>
+          </a:fontRef>
+        </p:style>
+      </p:cxnSp>
+      <p:cxnSp>
+        <p:nvCxnSpPr>
+          <p:cNvPr id="88" name="直線コネクタ 87"/>
+          <p:cNvCxnSpPr/>
+          <p:nvPr/>
+        </p:nvCxnSpPr>
+        <p:spPr>
+          <a:xfrm flipH="1" flipV="1">
+            <a:off x="18952643" y="13983779"/>
+            <a:ext cx="1578936" cy="0"/>
+          </a:xfrm>
+          <a:prstGeom prst="line">
+            <a:avLst/>
+          </a:prstGeom>
+          <a:ln w="28575">
+            <a:prstDash val="lgDash"/>
+          </a:ln>
+        </p:spPr>
+        <p:style>
+          <a:lnRef idx="1">
+            <a:schemeClr val="accent1"/>
+          </a:lnRef>
+          <a:fillRef idx="0">
+            <a:schemeClr val="accent1"/>
+          </a:fillRef>
+          <a:effectRef idx="0">
+            <a:schemeClr val="accent1"/>
+          </a:effectRef>
+          <a:fontRef idx="minor">
+            <a:schemeClr val="tx1"/>
+          </a:fontRef>
+        </p:style>
+      </p:cxnSp>
+      <p:cxnSp>
+        <p:nvCxnSpPr>
+          <p:cNvPr id="89" name="直線コネクタ 88"/>
+          <p:cNvCxnSpPr/>
+          <p:nvPr/>
+        </p:nvCxnSpPr>
+        <p:spPr>
+          <a:xfrm flipV="1">
+            <a:off x="18944017" y="13962417"/>
+            <a:ext cx="0" cy="618654"/>
+          </a:xfrm>
+          <a:prstGeom prst="line">
+            <a:avLst/>
+          </a:prstGeom>
+          <a:ln w="28575">
+            <a:prstDash val="lgDash"/>
+          </a:ln>
+        </p:spPr>
+        <p:style>
+          <a:lnRef idx="1">
+            <a:schemeClr val="accent1"/>
+          </a:lnRef>
+          <a:fillRef idx="0">
+            <a:schemeClr val="accent1"/>
+          </a:fillRef>
+          <a:effectRef idx="0">
+            <a:schemeClr val="accent1"/>
+          </a:effectRef>
+          <a:fontRef idx="minor">
+            <a:schemeClr val="tx1"/>
+          </a:fontRef>
+        </p:style>
+      </p:cxnSp>
+      <p:cxnSp>
+        <p:nvCxnSpPr>
+          <p:cNvPr id="95" name="カギ線コネクタ 94"/>
+          <p:cNvCxnSpPr/>
+          <p:nvPr/>
+        </p:nvCxnSpPr>
+        <p:spPr>
+          <a:xfrm flipV="1">
+            <a:off x="20579329" y="14643186"/>
+            <a:ext cx="692141" cy="323646"/>
+          </a:xfrm>
+          <a:prstGeom prst="bentConnector3">
+            <a:avLst>
+              <a:gd name="adj1" fmla="val 50000"/>
+            </a:avLst>
+          </a:prstGeom>
+          <a:ln w="28575">
+            <a:solidFill>
+              <a:srgbClr val="00B050"/>
+            </a:solidFill>
+            <a:tailEnd type="triangle"/>
+          </a:ln>
+        </p:spPr>
+        <p:style>
+          <a:lnRef idx="1">
+            <a:schemeClr val="accent1"/>
+          </a:lnRef>
+          <a:fillRef idx="0">
+            <a:schemeClr val="accent1"/>
+          </a:fillRef>
+          <a:effectRef idx="0">
+            <a:schemeClr val="accent1"/>
+          </a:effectRef>
+          <a:fontRef idx="minor">
+            <a:schemeClr val="tx1"/>
+          </a:fontRef>
+        </p:style>
+      </p:cxnSp>
+      <p:cxnSp>
+        <p:nvCxnSpPr>
+          <p:cNvPr id="97" name="直線矢印コネクタ 96"/>
+          <p:cNvCxnSpPr/>
+          <p:nvPr/>
+        </p:nvCxnSpPr>
+        <p:spPr>
+          <a:xfrm flipV="1">
+            <a:off x="21392867" y="11784654"/>
+            <a:ext cx="0" cy="2771273"/>
+          </a:xfrm>
+          <a:prstGeom prst="straightConnector1">
+            <a:avLst/>
+          </a:prstGeom>
+          <a:ln w="28575">
+            <a:solidFill>
+              <a:srgbClr val="0070C0"/>
+            </a:solidFill>
+            <a:prstDash val="lgDash"/>
+            <a:tailEnd type="triangle"/>
+          </a:ln>
+        </p:spPr>
+        <p:style>
+          <a:lnRef idx="1">
+            <a:schemeClr val="accent1"/>
+          </a:lnRef>
+          <a:fillRef idx="0">
+            <a:schemeClr val="accent1"/>
+          </a:fillRef>
+          <a:effectRef idx="0">
+            <a:schemeClr val="accent1"/>
+          </a:effectRef>
+          <a:fontRef idx="minor">
+            <a:schemeClr val="tx1"/>
+          </a:fontRef>
+        </p:style>
+      </p:cxnSp>
+      <p:cxnSp>
+        <p:nvCxnSpPr>
+          <p:cNvPr id="100" name="カギ線コネクタ 99"/>
+          <p:cNvCxnSpPr/>
+          <p:nvPr/>
+        </p:nvCxnSpPr>
+        <p:spPr>
+          <a:xfrm rot="10800000">
+            <a:off x="19953609" y="11839740"/>
+            <a:ext cx="1616296" cy="250326"/>
+          </a:xfrm>
+          <a:prstGeom prst="bentConnector3">
+            <a:avLst>
+              <a:gd name="adj1" fmla="val 100243"/>
+            </a:avLst>
+          </a:prstGeom>
+          <a:ln w="28575">
+            <a:solidFill>
+              <a:srgbClr val="00B050"/>
+            </a:solidFill>
+            <a:tailEnd type="triangle"/>
+          </a:ln>
+        </p:spPr>
+        <p:style>
+          <a:lnRef idx="1">
+            <a:schemeClr val="accent1"/>
+          </a:lnRef>
+          <a:fillRef idx="0">
+            <a:schemeClr val="accent1"/>
+          </a:fillRef>
+          <a:effectRef idx="0">
+            <a:schemeClr val="accent1"/>
+          </a:effectRef>
+          <a:fontRef idx="minor">
+            <a:schemeClr val="tx1"/>
+          </a:fontRef>
+        </p:style>
+      </p:cxnSp>
+      <p:cxnSp>
+        <p:nvCxnSpPr>
+          <p:cNvPr id="106" name="直線コネクタ 105"/>
+          <p:cNvCxnSpPr/>
+          <p:nvPr/>
+        </p:nvCxnSpPr>
+        <p:spPr>
+          <a:xfrm>
+            <a:off x="16054803" y="10735516"/>
+            <a:ext cx="3687308" cy="10335"/>
+          </a:xfrm>
+          <a:prstGeom prst="line">
+            <a:avLst/>
+          </a:prstGeom>
+          <a:ln w="28575">
+            <a:solidFill>
+              <a:srgbClr val="0070C0"/>
+            </a:solidFill>
+            <a:prstDash val="lgDash"/>
+          </a:ln>
+        </p:spPr>
+        <p:style>
+          <a:lnRef idx="1">
+            <a:schemeClr val="accent1"/>
+          </a:lnRef>
+          <a:fillRef idx="0">
+            <a:schemeClr val="accent1"/>
+          </a:fillRef>
+          <a:effectRef idx="0">
+            <a:schemeClr val="accent1"/>
+          </a:effectRef>
+          <a:fontRef idx="minor">
+            <a:schemeClr val="tx1"/>
+          </a:fontRef>
+        </p:style>
+      </p:cxnSp>
+      <p:cxnSp>
+        <p:nvCxnSpPr>
+          <p:cNvPr id="107" name="直線矢印コネクタ 106"/>
+          <p:cNvCxnSpPr/>
+          <p:nvPr/>
+        </p:nvCxnSpPr>
+        <p:spPr>
+          <a:xfrm>
+            <a:off x="16045545" y="10745851"/>
+            <a:ext cx="2771" cy="638296"/>
+          </a:xfrm>
+          <a:prstGeom prst="straightConnector1">
+            <a:avLst/>
+          </a:prstGeom>
+          <a:ln w="28575">
+            <a:prstDash val="lgDash"/>
+            <a:tailEnd type="triangle"/>
+          </a:ln>
+        </p:spPr>
+        <p:style>
+          <a:lnRef idx="1">
+            <a:schemeClr val="accent1"/>
+          </a:lnRef>
+          <a:fillRef idx="0">
+            <a:schemeClr val="accent1"/>
+          </a:fillRef>
+          <a:effectRef idx="0">
+            <a:schemeClr val="accent1"/>
+          </a:effectRef>
+          <a:fontRef idx="minor">
+            <a:schemeClr val="tx1"/>
+          </a:fontRef>
+        </p:style>
+      </p:cxnSp>
+      <p:cxnSp>
+        <p:nvCxnSpPr>
+          <p:cNvPr id="112" name="直線コネクタ 111"/>
+          <p:cNvCxnSpPr/>
+          <p:nvPr/>
+        </p:nvCxnSpPr>
+        <p:spPr>
+          <a:xfrm flipH="1" flipV="1">
+            <a:off x="19742111" y="10750916"/>
+            <a:ext cx="6487" cy="813212"/>
+          </a:xfrm>
+          <a:prstGeom prst="line">
+            <a:avLst/>
+          </a:prstGeom>
+          <a:ln w="28575">
+            <a:solidFill>
+              <a:srgbClr val="0070C0"/>
+            </a:solidFill>
+            <a:prstDash val="lgDash"/>
+          </a:ln>
+        </p:spPr>
+        <p:style>
+          <a:lnRef idx="1">
+            <a:schemeClr val="accent1"/>
+          </a:lnRef>
+          <a:fillRef idx="0">
+            <a:schemeClr val="accent1"/>
+          </a:fillRef>
+          <a:effectRef idx="0">
+            <a:schemeClr val="accent1"/>
+          </a:effectRef>
+          <a:fontRef idx="minor">
+            <a:schemeClr val="tx1"/>
+          </a:fontRef>
+        </p:style>
+      </p:cxnSp>
+      <p:sp>
+        <p:nvSpPr>
+          <p:cNvPr id="115" name="円/楕円 114"/>
+          <p:cNvSpPr/>
+          <p:nvPr/>
+        </p:nvSpPr>
+        <p:spPr>
+          <a:xfrm>
+            <a:off x="12275801" y="14182291"/>
+            <a:ext cx="671083" cy="664282"/>
+          </a:xfrm>
+          <a:prstGeom prst="ellipse">
+            <a:avLst/>
+          </a:prstGeom>
+          <a:noFill/>
+          <a:ln w="28575">
+            <a:solidFill>
+              <a:srgbClr val="FF0000"/>
+            </a:solidFill>
+          </a:ln>
+        </p:spPr>
+        <p:style>
+          <a:lnRef idx="2">
+            <a:schemeClr val="accent1">
+              <a:shade val="50000"/>
+            </a:schemeClr>
+          </a:lnRef>
+          <a:fillRef idx="1">
+            <a:schemeClr val="accent1"/>
+          </a:fillRef>
+          <a:effectRef idx="0">
+            <a:schemeClr val="accent1"/>
+          </a:effectRef>
+          <a:fontRef idx="minor">
+            <a:schemeClr val="lt1"/>
+          </a:fontRef>
+        </p:style>
+        <p:txBody>
+          <a:bodyPr rot="0" spcFirstLastPara="0" vertOverflow="overflow" horzOverflow="overflow" vert="horz" wrap="square" lIns="91440" tIns="45720" rIns="91440" bIns="45720" numCol="1" spcCol="0" rtlCol="0" fromWordArt="0" anchor="ctr" anchorCtr="0" forceAA="0" compatLnSpc="1">
+            <a:prstTxWarp prst="textNoShape">
+              <a:avLst/>
+            </a:prstTxWarp>
+            <a:noAutofit/>
+          </a:bodyPr>
+          <a:lstStyle/>
+          <a:p>
+            <a:pPr algn="ctr"/>
+            <a:endParaRPr lang="ja-JP" altLang="en-US">
+              <a:solidFill>
+                <a:srgbClr val="FF0000"/>
+              </a:solidFill>
+            </a:endParaRPr>
+          </a:p>
+        </p:txBody>
+      </p:sp>
+      <p:sp>
+        <p:nvSpPr>
+          <p:cNvPr id="116" name="テキスト ボックス 115"/>
+          <p:cNvSpPr txBox="1"/>
+          <p:nvPr/>
+        </p:nvSpPr>
+        <p:spPr>
+          <a:xfrm>
+            <a:off x="13030126" y="14581071"/>
+            <a:ext cx="1415772" cy="584775"/>
+          </a:xfrm>
+          <a:prstGeom prst="rect">
+            <a:avLst/>
+          </a:prstGeom>
+          <a:solidFill>
+            <a:schemeClr val="bg1"/>
+          </a:solidFill>
+          <a:ln w="28575">
+            <a:solidFill>
+              <a:srgbClr val="00B050"/>
+            </a:solidFill>
+          </a:ln>
+        </p:spPr>
+        <p:txBody>
+          <a:bodyPr wrap="none" rtlCol="0">
+            <a:spAutoFit/>
+          </a:bodyPr>
+          <a:lstStyle/>
+          <a:p>
+            <a:r>
+              <a:rPr lang="ja-JP" altLang="en-US" sz="1600" b="1" dirty="0">
+                <a:solidFill>
+                  <a:srgbClr val="FF0000"/>
+                </a:solidFill>
+              </a:rPr>
+              <a:t>倉庫側</a:t>
+            </a:r>
+            <a:endParaRPr lang="en-US" altLang="ja-JP" sz="1600" b="1" dirty="0">
+              <a:solidFill>
+                <a:srgbClr val="FF0000"/>
+              </a:solidFill>
+            </a:endParaRPr>
+          </a:p>
+          <a:p>
+            <a:r>
+              <a:rPr lang="ja-JP" altLang="en-US" sz="1600" b="1" dirty="0">
+                <a:solidFill>
+                  <a:srgbClr val="FF0000"/>
+                </a:solidFill>
+              </a:rPr>
+              <a:t>スタート地点</a:t>
+            </a:r>
+          </a:p>
+        </p:txBody>
+      </p:sp>
+      <p:sp>
+        <p:nvSpPr>
+          <p:cNvPr id="118" name="円/楕円 117"/>
+          <p:cNvSpPr/>
+          <p:nvPr/>
+        </p:nvSpPr>
+        <p:spPr>
+          <a:xfrm>
+            <a:off x="21355204" y="13235191"/>
+            <a:ext cx="671083" cy="664282"/>
+          </a:xfrm>
+          <a:prstGeom prst="ellipse">
+            <a:avLst/>
+          </a:prstGeom>
+          <a:noFill/>
+          <a:ln w="28575">
+            <a:solidFill>
+              <a:srgbClr val="FF0000"/>
+            </a:solidFill>
+          </a:ln>
+        </p:spPr>
+        <p:style>
+          <a:lnRef idx="2">
+            <a:schemeClr val="accent1">
+              <a:shade val="50000"/>
+            </a:schemeClr>
+          </a:lnRef>
+          <a:fillRef idx="1">
+            <a:schemeClr val="accent1"/>
+          </a:fillRef>
+          <a:effectRef idx="0">
+            <a:schemeClr val="accent1"/>
+          </a:effectRef>
+          <a:fontRef idx="minor">
+            <a:schemeClr val="lt1"/>
+          </a:fontRef>
+        </p:style>
+        <p:txBody>
+          <a:bodyPr rot="0" spcFirstLastPara="0" vertOverflow="overflow" horzOverflow="overflow" vert="horz" wrap="square" lIns="91440" tIns="45720" rIns="91440" bIns="45720" numCol="1" spcCol="0" rtlCol="0" fromWordArt="0" anchor="ctr" anchorCtr="0" forceAA="0" compatLnSpc="1">
+            <a:prstTxWarp prst="textNoShape">
+              <a:avLst/>
+            </a:prstTxWarp>
+            <a:noAutofit/>
+          </a:bodyPr>
+          <a:lstStyle/>
+          <a:p>
+            <a:pPr algn="ctr"/>
+            <a:endParaRPr lang="ja-JP" altLang="en-US">
+              <a:solidFill>
+                <a:srgbClr val="FF0000"/>
+              </a:solidFill>
+            </a:endParaRPr>
+          </a:p>
+        </p:txBody>
+      </p:sp>
+      <p:sp>
+        <p:nvSpPr>
+          <p:cNvPr id="119" name="テキスト ボックス 118"/>
+          <p:cNvSpPr txBox="1"/>
+          <p:nvPr/>
+        </p:nvSpPr>
+        <p:spPr>
+          <a:xfrm>
+            <a:off x="21999040" y="13792353"/>
+            <a:ext cx="1415772" cy="584775"/>
+          </a:xfrm>
+          <a:prstGeom prst="rect">
+            <a:avLst/>
+          </a:prstGeom>
+          <a:solidFill>
+            <a:schemeClr val="bg1"/>
+          </a:solidFill>
+          <a:ln w="28575">
+            <a:solidFill>
+              <a:srgbClr val="7030A0"/>
+            </a:solidFill>
+          </a:ln>
+        </p:spPr>
+        <p:txBody>
+          <a:bodyPr wrap="none" rtlCol="0">
+            <a:spAutoFit/>
+          </a:bodyPr>
+          <a:lstStyle/>
+          <a:p>
+            <a:r>
+              <a:rPr lang="ja-JP" altLang="en-US" sz="1600" b="1" dirty="0" smtClean="0">
+                <a:solidFill>
+                  <a:srgbClr val="FF0000"/>
+                </a:solidFill>
+              </a:rPr>
+              <a:t>ビル側</a:t>
+            </a:r>
+            <a:endParaRPr lang="en-US" altLang="ja-JP" sz="1600" b="1" dirty="0" smtClean="0">
+              <a:solidFill>
+                <a:srgbClr val="FF0000"/>
+              </a:solidFill>
+            </a:endParaRPr>
+          </a:p>
+          <a:p>
+            <a:r>
+              <a:rPr lang="ja-JP" altLang="en-US" sz="1600" b="1" dirty="0" smtClean="0">
+                <a:solidFill>
+                  <a:srgbClr val="FF0000"/>
+                </a:solidFill>
+              </a:rPr>
+              <a:t>スタート</a:t>
+            </a:r>
+            <a:r>
+              <a:rPr lang="ja-JP" altLang="en-US" sz="1600" b="1" dirty="0">
+                <a:solidFill>
+                  <a:srgbClr val="FF0000"/>
+                </a:solidFill>
+              </a:rPr>
+              <a:t>地点</a:t>
+            </a:r>
+          </a:p>
+        </p:txBody>
+      </p:sp>
+      <p:cxnSp>
+        <p:nvCxnSpPr>
+          <p:cNvPr id="122" name="カギ線コネクタ 121"/>
+          <p:cNvCxnSpPr/>
+          <p:nvPr/>
+        </p:nvCxnSpPr>
+        <p:spPr>
+          <a:xfrm rot="10800000">
+            <a:off x="20761757" y="12738156"/>
+            <a:ext cx="704442" cy="677417"/>
+          </a:xfrm>
+          <a:prstGeom prst="bentConnector3">
+            <a:avLst>
+              <a:gd name="adj1" fmla="val 50000"/>
+            </a:avLst>
+          </a:prstGeom>
+          <a:ln w="28575">
+            <a:solidFill>
+              <a:srgbClr val="7030A0"/>
+            </a:solidFill>
+            <a:tailEnd type="triangle"/>
+          </a:ln>
+        </p:spPr>
+        <p:style>
+          <a:lnRef idx="1">
+            <a:schemeClr val="accent1"/>
+          </a:lnRef>
+          <a:fillRef idx="0">
+            <a:schemeClr val="accent1"/>
+          </a:fillRef>
+          <a:effectRef idx="0">
+            <a:schemeClr val="accent1"/>
+          </a:effectRef>
+          <a:fontRef idx="minor">
+            <a:schemeClr val="tx1"/>
+          </a:fontRef>
+        </p:style>
+      </p:cxnSp>
+      <p:cxnSp>
+        <p:nvCxnSpPr>
+          <p:cNvPr id="124" name="カギ線コネクタ 123"/>
+          <p:cNvCxnSpPr/>
+          <p:nvPr/>
+        </p:nvCxnSpPr>
+        <p:spPr>
+          <a:xfrm flipV="1">
+            <a:off x="21062466" y="15682248"/>
+            <a:ext cx="771202" cy="426481"/>
+          </a:xfrm>
+          <a:prstGeom prst="bentConnector3">
+            <a:avLst>
+              <a:gd name="adj1" fmla="val 129324"/>
+            </a:avLst>
+          </a:prstGeom>
+          <a:ln w="28575">
+            <a:solidFill>
+              <a:srgbClr val="7030A0"/>
+            </a:solidFill>
+            <a:tailEnd type="triangle"/>
+          </a:ln>
+        </p:spPr>
+        <p:style>
+          <a:lnRef idx="1">
+            <a:schemeClr val="accent1"/>
+          </a:lnRef>
+          <a:fillRef idx="0">
+            <a:schemeClr val="accent1"/>
+          </a:fillRef>
+          <a:effectRef idx="0">
+            <a:schemeClr val="accent1"/>
+          </a:effectRef>
+          <a:fontRef idx="minor">
+            <a:schemeClr val="tx1"/>
+          </a:fontRef>
+        </p:style>
+      </p:cxnSp>
+      <p:cxnSp>
+        <p:nvCxnSpPr>
+          <p:cNvPr id="128" name="カギ線コネクタ 127"/>
+          <p:cNvCxnSpPr/>
+          <p:nvPr/>
+        </p:nvCxnSpPr>
+        <p:spPr>
+          <a:xfrm rot="10800000">
+            <a:off x="19893045" y="15660697"/>
+            <a:ext cx="1266945" cy="448032"/>
+          </a:xfrm>
+          <a:prstGeom prst="bentConnector3">
+            <a:avLst>
+              <a:gd name="adj1" fmla="val 10355"/>
+            </a:avLst>
+          </a:prstGeom>
+          <a:ln w="28575">
+            <a:solidFill>
+              <a:srgbClr val="7030A0"/>
+            </a:solidFill>
+          </a:ln>
+        </p:spPr>
+        <p:style>
+          <a:lnRef idx="1">
+            <a:schemeClr val="accent1"/>
+          </a:lnRef>
+          <a:fillRef idx="0">
+            <a:schemeClr val="accent1"/>
+          </a:fillRef>
+          <a:effectRef idx="0">
+            <a:schemeClr val="accent1"/>
+          </a:effectRef>
+          <a:fontRef idx="minor">
+            <a:schemeClr val="tx1"/>
+          </a:fontRef>
+        </p:style>
+      </p:cxnSp>
+      <p:cxnSp>
+        <p:nvCxnSpPr>
+          <p:cNvPr id="132" name="直線矢印コネクタ 131"/>
+          <p:cNvCxnSpPr/>
+          <p:nvPr/>
+        </p:nvCxnSpPr>
+        <p:spPr>
+          <a:xfrm>
+            <a:off x="22020488" y="15042736"/>
+            <a:ext cx="1826439" cy="0"/>
+          </a:xfrm>
+          <a:prstGeom prst="straightConnector1">
+            <a:avLst/>
+          </a:prstGeom>
+          <a:ln w="28575">
+            <a:prstDash val="lgDash"/>
+            <a:tailEnd type="triangle"/>
+          </a:ln>
+        </p:spPr>
+        <p:style>
+          <a:lnRef idx="1">
+            <a:schemeClr val="accent1"/>
+          </a:lnRef>
+          <a:fillRef idx="0">
+            <a:schemeClr val="accent1"/>
+          </a:fillRef>
+          <a:effectRef idx="0">
+            <a:schemeClr val="accent1"/>
+          </a:effectRef>
+          <a:fontRef idx="minor">
+            <a:schemeClr val="tx1"/>
+          </a:fontRef>
+        </p:style>
+      </p:cxnSp>
+      <p:cxnSp>
+        <p:nvCxnSpPr>
+          <p:cNvPr id="133" name="直線コネクタ 132"/>
+          <p:cNvCxnSpPr/>
+          <p:nvPr/>
+        </p:nvCxnSpPr>
+        <p:spPr>
+          <a:xfrm flipV="1">
+            <a:off x="21999040" y="15042736"/>
+            <a:ext cx="0" cy="373478"/>
+          </a:xfrm>
+          <a:prstGeom prst="line">
+            <a:avLst/>
+          </a:prstGeom>
+          <a:ln w="28575">
+            <a:prstDash val="lgDash"/>
+          </a:ln>
+        </p:spPr>
+        <p:style>
+          <a:lnRef idx="1">
+            <a:schemeClr val="accent1"/>
+          </a:lnRef>
+          <a:fillRef idx="0">
+            <a:schemeClr val="accent1"/>
+          </a:fillRef>
+          <a:effectRef idx="0">
+            <a:schemeClr val="accent1"/>
+          </a:effectRef>
+          <a:fontRef idx="minor">
+            <a:schemeClr val="tx1"/>
+          </a:fontRef>
+        </p:style>
+      </p:cxnSp>
+      <p:cxnSp>
+        <p:nvCxnSpPr>
+          <p:cNvPr id="137" name="カギ線コネクタ 136"/>
+          <p:cNvCxnSpPr/>
+          <p:nvPr/>
+        </p:nvCxnSpPr>
+        <p:spPr>
+          <a:xfrm rot="16200000" flipV="1">
+            <a:off x="23668568" y="14765407"/>
+            <a:ext cx="273858" cy="231828"/>
+          </a:xfrm>
+          <a:prstGeom prst="bentConnector3">
+            <a:avLst>
+              <a:gd name="adj1" fmla="val 50000"/>
+            </a:avLst>
+          </a:prstGeom>
+          <a:ln w="28575">
+            <a:solidFill>
+              <a:srgbClr val="7030A0"/>
+            </a:solidFill>
+            <a:tailEnd type="triangle"/>
+          </a:ln>
+        </p:spPr>
+        <p:style>
+          <a:lnRef idx="1">
+            <a:schemeClr val="accent1"/>
+          </a:lnRef>
+          <a:fillRef idx="0">
+            <a:schemeClr val="accent1"/>
+          </a:fillRef>
+          <a:effectRef idx="0">
+            <a:schemeClr val="accent1"/>
+          </a:effectRef>
+          <a:fontRef idx="minor">
+            <a:schemeClr val="tx1"/>
+          </a:fontRef>
+        </p:style>
+      </p:cxnSp>
+      <p:cxnSp>
+        <p:nvCxnSpPr>
+          <p:cNvPr id="140" name="直線コネクタ 139"/>
+          <p:cNvCxnSpPr/>
+          <p:nvPr/>
+        </p:nvCxnSpPr>
+        <p:spPr>
+          <a:xfrm>
+            <a:off x="24581868" y="11159037"/>
+            <a:ext cx="5909635" cy="4662"/>
+          </a:xfrm>
+          <a:prstGeom prst="line">
+            <a:avLst/>
+          </a:prstGeom>
+          <a:ln w="28575">
+            <a:solidFill>
+              <a:srgbClr val="0070C0"/>
+            </a:solidFill>
+            <a:prstDash val="lgDash"/>
+          </a:ln>
+        </p:spPr>
+        <p:style>
+          <a:lnRef idx="1">
+            <a:schemeClr val="accent1"/>
+          </a:lnRef>
+          <a:fillRef idx="0">
+            <a:schemeClr val="accent1"/>
+          </a:fillRef>
+          <a:effectRef idx="0">
+            <a:schemeClr val="accent1"/>
+          </a:effectRef>
+          <a:fontRef idx="minor">
+            <a:schemeClr val="tx1"/>
+          </a:fontRef>
+        </p:style>
+      </p:cxnSp>
+      <p:cxnSp>
+        <p:nvCxnSpPr>
+          <p:cNvPr id="141" name="直線矢印コネクタ 140"/>
+          <p:cNvCxnSpPr/>
+          <p:nvPr/>
+        </p:nvCxnSpPr>
+        <p:spPr>
+          <a:xfrm>
+            <a:off x="30491503" y="11159037"/>
+            <a:ext cx="2" cy="472851"/>
+          </a:xfrm>
+          <a:prstGeom prst="straightConnector1">
+            <a:avLst/>
+          </a:prstGeom>
+          <a:ln w="28575">
+            <a:prstDash val="lgDash"/>
+            <a:tailEnd type="triangle"/>
+          </a:ln>
+        </p:spPr>
+        <p:style>
+          <a:lnRef idx="1">
+            <a:schemeClr val="accent1"/>
+          </a:lnRef>
+          <a:fillRef idx="0">
+            <a:schemeClr val="accent1"/>
+          </a:fillRef>
+          <a:effectRef idx="0">
+            <a:schemeClr val="accent1"/>
+          </a:effectRef>
+          <a:fontRef idx="minor">
+            <a:schemeClr val="tx1"/>
+          </a:fontRef>
+        </p:style>
+      </p:cxnSp>
+      <p:cxnSp>
+        <p:nvCxnSpPr>
+          <p:cNvPr id="143" name="直線コネクタ 142"/>
+          <p:cNvCxnSpPr/>
+          <p:nvPr/>
+        </p:nvCxnSpPr>
+        <p:spPr>
+          <a:xfrm>
+            <a:off x="24595016" y="11166940"/>
+            <a:ext cx="315" cy="3577451"/>
+          </a:xfrm>
+          <a:prstGeom prst="line">
+            <a:avLst/>
+          </a:prstGeom>
+          <a:ln w="28575">
+            <a:solidFill>
+              <a:srgbClr val="0070C0"/>
+            </a:solidFill>
+            <a:prstDash val="lgDash"/>
+          </a:ln>
+        </p:spPr>
+        <p:style>
+          <a:lnRef idx="1">
+            <a:schemeClr val="accent1"/>
+          </a:lnRef>
+          <a:fillRef idx="0">
+            <a:schemeClr val="accent1"/>
+          </a:fillRef>
+          <a:effectRef idx="0">
+            <a:schemeClr val="accent1"/>
+          </a:effectRef>
+          <a:fontRef idx="minor">
+            <a:schemeClr val="tx1"/>
+          </a:fontRef>
+        </p:style>
+      </p:cxnSp>
+      <p:cxnSp>
+        <p:nvCxnSpPr>
+          <p:cNvPr id="146" name="直線コネクタ 145"/>
+          <p:cNvCxnSpPr/>
+          <p:nvPr/>
+        </p:nvCxnSpPr>
+        <p:spPr>
+          <a:xfrm>
+            <a:off x="23829250" y="14744391"/>
+            <a:ext cx="734760" cy="0"/>
+          </a:xfrm>
+          <a:prstGeom prst="line">
+            <a:avLst/>
+          </a:prstGeom>
+          <a:ln w="28575">
+            <a:solidFill>
+              <a:srgbClr val="0070C0"/>
+            </a:solidFill>
+            <a:prstDash val="lgDash"/>
+          </a:ln>
+        </p:spPr>
+        <p:style>
+          <a:lnRef idx="1">
+            <a:schemeClr val="accent1"/>
+          </a:lnRef>
+          <a:fillRef idx="0">
+            <a:schemeClr val="accent1"/>
+          </a:fillRef>
+          <a:effectRef idx="0">
+            <a:schemeClr val="accent1"/>
+          </a:effectRef>
+          <a:fontRef idx="minor">
+            <a:schemeClr val="tx1"/>
+          </a:fontRef>
+        </p:style>
+      </p:cxnSp>
+      <p:cxnSp>
+        <p:nvCxnSpPr>
+          <p:cNvPr id="151" name="カギ線コネクタ 150"/>
+          <p:cNvCxnSpPr/>
+          <p:nvPr/>
+        </p:nvCxnSpPr>
+        <p:spPr>
+          <a:xfrm rot="10800000" flipV="1">
+            <a:off x="26918521" y="11941680"/>
+            <a:ext cx="3327808" cy="945183"/>
+          </a:xfrm>
+          <a:prstGeom prst="bentConnector3">
+            <a:avLst>
+              <a:gd name="adj1" fmla="val 86494"/>
+            </a:avLst>
+          </a:prstGeom>
+          <a:ln w="28575">
+            <a:solidFill>
+              <a:srgbClr val="7030A0"/>
+            </a:solidFill>
+            <a:tailEnd type="triangle"/>
+          </a:ln>
+        </p:spPr>
+        <p:style>
+          <a:lnRef idx="1">
+            <a:schemeClr val="accent1"/>
+          </a:lnRef>
+          <a:fillRef idx="0">
+            <a:schemeClr val="accent1"/>
+          </a:fillRef>
+          <a:effectRef idx="0">
+            <a:schemeClr val="accent1"/>
+          </a:effectRef>
+          <a:fontRef idx="minor">
+            <a:schemeClr val="tx1"/>
+          </a:fontRef>
+        </p:style>
+      </p:cxnSp>
+      <p:sp>
+        <p:nvSpPr>
+          <p:cNvPr id="130" name="四角形吹き出し 129"/>
+          <p:cNvSpPr/>
+          <p:nvPr/>
+        </p:nvSpPr>
+        <p:spPr>
+          <a:xfrm>
+            <a:off x="27156207" y="13983779"/>
+            <a:ext cx="3974986" cy="616293"/>
+          </a:xfrm>
+          <a:prstGeom prst="wedgeRectCallout">
+            <a:avLst>
+              <a:gd name="adj1" fmla="val -53857"/>
+              <a:gd name="adj2" fmla="val -204981"/>
+            </a:avLst>
+          </a:prstGeom>
+          <a:solidFill>
+            <a:schemeClr val="bg1"/>
+          </a:solidFill>
+          <a:ln w="28575"/>
+        </p:spPr>
+        <p:style>
+          <a:lnRef idx="2">
+            <a:schemeClr val="accent1">
+              <a:shade val="50000"/>
+            </a:schemeClr>
+          </a:lnRef>
+          <a:fillRef idx="1">
+            <a:schemeClr val="accent1"/>
+          </a:fillRef>
+          <a:effectRef idx="0">
+            <a:schemeClr val="accent1"/>
+          </a:effectRef>
+          <a:fontRef idx="minor">
+            <a:schemeClr val="lt1"/>
+          </a:fontRef>
+        </p:style>
+        <p:txBody>
+          <a:bodyPr rtlCol="0" anchor="ctr"/>
+          <a:lstStyle/>
+          <a:p>
+            <a:pPr algn="ctr"/>
+            <a:endParaRPr kumimoji="1" lang="ja-JP" altLang="en-US"/>
+          </a:p>
+        </p:txBody>
+      </p:sp>
+      <p:sp>
+        <p:nvSpPr>
+          <p:cNvPr id="129" name="テキスト ボックス 128"/>
+          <p:cNvSpPr txBox="1"/>
+          <p:nvPr/>
+        </p:nvSpPr>
+        <p:spPr>
+          <a:xfrm>
+            <a:off x="27156472" y="13962417"/>
+            <a:ext cx="4031873" cy="707886"/>
+          </a:xfrm>
+          <a:prstGeom prst="rect">
+            <a:avLst/>
+          </a:prstGeom>
+          <a:noFill/>
+          <a:ln w="28575">
+            <a:noFill/>
+          </a:ln>
+        </p:spPr>
+        <p:txBody>
+          <a:bodyPr wrap="none" rtlCol="0">
+            <a:spAutoFit/>
+          </a:bodyPr>
+          <a:lstStyle/>
+          <a:p>
+            <a:r>
+              <a:rPr kumimoji="1" lang="ja-JP" altLang="en-US" sz="2000" b="1" dirty="0" smtClean="0"/>
+              <a:t>まず真ん中に入りアイテム回収後</a:t>
+            </a:r>
+            <a:endParaRPr kumimoji="1" lang="en-US" altLang="ja-JP" sz="2000" b="1" dirty="0" smtClean="0"/>
+          </a:p>
+          <a:p>
+            <a:r>
+              <a:rPr kumimoji="1" lang="ja-JP" altLang="en-US" sz="2000" b="1" dirty="0" smtClean="0"/>
+              <a:t>一番左のワープパネルへ</a:t>
+            </a:r>
+            <a:endParaRPr kumimoji="1" lang="ja-JP" altLang="en-US" sz="2000" b="1" dirty="0"/>
+          </a:p>
+        </p:txBody>
+      </p:sp>
+      <p:sp>
+        <p:nvSpPr>
+          <p:cNvPr id="135" name="テキスト ボックス 134"/>
+          <p:cNvSpPr txBox="1"/>
+          <p:nvPr/>
+        </p:nvSpPr>
+        <p:spPr>
+          <a:xfrm>
+            <a:off x="29610500" y="13076865"/>
+            <a:ext cx="986167" cy="461665"/>
+          </a:xfrm>
+          <a:prstGeom prst="rect">
+            <a:avLst/>
+          </a:prstGeom>
+          <a:noFill/>
+          <a:ln w="28575">
+            <a:solidFill>
+              <a:schemeClr val="tx1"/>
+            </a:solidFill>
+          </a:ln>
+        </p:spPr>
+        <p:txBody>
+          <a:bodyPr wrap="none" rtlCol="0">
+            <a:spAutoFit/>
+          </a:bodyPr>
+          <a:lstStyle/>
+          <a:p>
+            <a:r>
+              <a:rPr kumimoji="1" lang="ja-JP" altLang="en-US" sz="2400" b="1" dirty="0" smtClean="0"/>
+              <a:t>飴</a:t>
+            </a:r>
+            <a:r>
+              <a:rPr kumimoji="1" lang="en-US" altLang="ja-JP" sz="2400" b="1" dirty="0" smtClean="0"/>
+              <a:t>(</a:t>
+            </a:r>
+            <a:r>
+              <a:rPr kumimoji="1" lang="ja-JP" altLang="en-US" sz="2400" b="1" dirty="0" smtClean="0"/>
+              <a:t>隠</a:t>
+            </a:r>
+            <a:r>
+              <a:rPr kumimoji="1" lang="en-US" altLang="ja-JP" sz="2400" b="1" dirty="0" smtClean="0"/>
+              <a:t>)</a:t>
+            </a:r>
+            <a:endParaRPr kumimoji="1" lang="ja-JP" altLang="en-US" sz="2400" b="1" dirty="0"/>
+          </a:p>
+        </p:txBody>
+      </p:sp>
+      <p:cxnSp>
+        <p:nvCxnSpPr>
+          <p:cNvPr id="156" name="カギ線コネクタ 155"/>
+          <p:cNvCxnSpPr/>
+          <p:nvPr/>
+        </p:nvCxnSpPr>
+        <p:spPr>
+          <a:xfrm flipV="1">
+            <a:off x="25602140" y="12738156"/>
+            <a:ext cx="550223" cy="314946"/>
+          </a:xfrm>
+          <a:prstGeom prst="bentConnector3">
+            <a:avLst>
+              <a:gd name="adj1" fmla="val 50000"/>
+            </a:avLst>
+          </a:prstGeom>
+          <a:ln w="28575">
+            <a:solidFill>
+              <a:srgbClr val="7030A0"/>
+            </a:solidFill>
+            <a:tailEnd type="triangle"/>
+          </a:ln>
+        </p:spPr>
+        <p:style>
+          <a:lnRef idx="1">
+            <a:schemeClr val="accent1"/>
+          </a:lnRef>
+          <a:fillRef idx="0">
+            <a:schemeClr val="accent1"/>
+          </a:fillRef>
+          <a:effectRef idx="0">
+            <a:schemeClr val="accent1"/>
+          </a:effectRef>
+          <a:fontRef idx="minor">
+            <a:schemeClr val="tx1"/>
+          </a:fontRef>
+        </p:style>
+      </p:cxnSp>
+      <p:cxnSp>
+        <p:nvCxnSpPr>
+          <p:cNvPr id="160" name="直線矢印コネクタ 159"/>
+          <p:cNvCxnSpPr/>
+          <p:nvPr/>
+        </p:nvCxnSpPr>
+        <p:spPr>
+          <a:xfrm flipH="1">
+            <a:off x="25121405" y="12955665"/>
+            <a:ext cx="1100296" cy="3565337"/>
+          </a:xfrm>
+          <a:prstGeom prst="straightConnector1">
+            <a:avLst/>
+          </a:prstGeom>
+          <a:ln w="28575">
+            <a:prstDash val="lgDash"/>
+            <a:tailEnd type="triangle"/>
+          </a:ln>
+        </p:spPr>
+        <p:style>
+          <a:lnRef idx="1">
+            <a:schemeClr val="accent1"/>
+          </a:lnRef>
+          <a:fillRef idx="0">
+            <a:schemeClr val="accent1"/>
+          </a:fillRef>
+          <a:effectRef idx="0">
+            <a:schemeClr val="accent1"/>
+          </a:effectRef>
+          <a:fontRef idx="minor">
+            <a:schemeClr val="tx1"/>
+          </a:fontRef>
+        </p:style>
+      </p:cxnSp>
+      <p:cxnSp>
+        <p:nvCxnSpPr>
+          <p:cNvPr id="165" name="カギ線コネクタ 164"/>
+          <p:cNvCxnSpPr/>
+          <p:nvPr/>
+        </p:nvCxnSpPr>
+        <p:spPr>
+          <a:xfrm flipV="1">
+            <a:off x="25396441" y="15416214"/>
+            <a:ext cx="1990590" cy="1309646"/>
+          </a:xfrm>
+          <a:prstGeom prst="bentConnector3">
+            <a:avLst>
+              <a:gd name="adj1" fmla="val 28563"/>
+            </a:avLst>
+          </a:prstGeom>
+          <a:ln w="28575">
+            <a:solidFill>
+              <a:srgbClr val="7030A0"/>
+            </a:solidFill>
+            <a:tailEnd type="triangle"/>
+          </a:ln>
+        </p:spPr>
+        <p:style>
+          <a:lnRef idx="1">
+            <a:schemeClr val="accent1"/>
+          </a:lnRef>
+          <a:fillRef idx="0">
+            <a:schemeClr val="accent1"/>
+          </a:fillRef>
+          <a:effectRef idx="0">
+            <a:schemeClr val="accent1"/>
+          </a:effectRef>
+          <a:fontRef idx="minor">
+            <a:schemeClr val="tx1"/>
+          </a:fontRef>
+        </p:style>
+      </p:cxnSp>
+      <p:sp>
+        <p:nvSpPr>
+          <p:cNvPr id="169" name="円/楕円 168"/>
+          <p:cNvSpPr/>
+          <p:nvPr/>
+        </p:nvSpPr>
+        <p:spPr>
+          <a:xfrm>
+            <a:off x="27106930" y="16552178"/>
+            <a:ext cx="671083" cy="664282"/>
+          </a:xfrm>
+          <a:prstGeom prst="ellipse">
+            <a:avLst/>
+          </a:prstGeom>
+          <a:noFill/>
+          <a:ln w="28575">
+            <a:solidFill>
+              <a:srgbClr val="FF0000"/>
+            </a:solidFill>
+          </a:ln>
+        </p:spPr>
+        <p:style>
+          <a:lnRef idx="2">
+            <a:schemeClr val="accent1">
+              <a:shade val="50000"/>
+            </a:schemeClr>
+          </a:lnRef>
+          <a:fillRef idx="1">
+            <a:schemeClr val="accent1"/>
+          </a:fillRef>
+          <a:effectRef idx="0">
+            <a:schemeClr val="accent1"/>
+          </a:effectRef>
+          <a:fontRef idx="minor">
+            <a:schemeClr val="lt1"/>
+          </a:fontRef>
+        </p:style>
+        <p:txBody>
+          <a:bodyPr rot="0" spcFirstLastPara="0" vertOverflow="overflow" horzOverflow="overflow" vert="horz" wrap="square" lIns="91440" tIns="45720" rIns="91440" bIns="45720" numCol="1" spcCol="0" rtlCol="0" fromWordArt="0" anchor="ctr" anchorCtr="0" forceAA="0" compatLnSpc="1">
+            <a:prstTxWarp prst="textNoShape">
+              <a:avLst/>
+            </a:prstTxWarp>
+            <a:noAutofit/>
+          </a:bodyPr>
+          <a:lstStyle/>
+          <a:p>
+            <a:pPr algn="ctr"/>
+            <a:endParaRPr lang="ja-JP" altLang="en-US">
+              <a:solidFill>
+                <a:srgbClr val="FF0000"/>
+              </a:solidFill>
+            </a:endParaRPr>
+          </a:p>
+        </p:txBody>
+      </p:sp>
+      <p:sp>
+        <p:nvSpPr>
+          <p:cNvPr id="171" name="テキスト ボックス 170"/>
+          <p:cNvSpPr txBox="1"/>
+          <p:nvPr/>
+        </p:nvSpPr>
+        <p:spPr>
+          <a:xfrm>
+            <a:off x="27800149" y="16321345"/>
+            <a:ext cx="1415772" cy="584775"/>
+          </a:xfrm>
+          <a:prstGeom prst="rect">
+            <a:avLst/>
+          </a:prstGeom>
+          <a:solidFill>
+            <a:schemeClr val="bg1"/>
+          </a:solidFill>
+          <a:ln w="28575">
+            <a:solidFill>
+              <a:schemeClr val="tx1"/>
+            </a:solidFill>
+          </a:ln>
+        </p:spPr>
+        <p:txBody>
+          <a:bodyPr wrap="none" rtlCol="0">
+            <a:spAutoFit/>
+          </a:bodyPr>
+          <a:lstStyle/>
+          <a:p>
+            <a:r>
+              <a:rPr lang="ja-JP" altLang="en-US" sz="1600" b="1" smtClean="0">
+                <a:solidFill>
+                  <a:srgbClr val="FF0000"/>
+                </a:solidFill>
+              </a:rPr>
+              <a:t>脱出用</a:t>
+            </a:r>
+            <a:endParaRPr lang="en-US" altLang="ja-JP" sz="1600" b="1" dirty="0" smtClean="0">
+              <a:solidFill>
+                <a:srgbClr val="FF0000"/>
+              </a:solidFill>
+            </a:endParaRPr>
+          </a:p>
+          <a:p>
+            <a:r>
+              <a:rPr lang="ja-JP" altLang="en-US" sz="1600" b="1" dirty="0" smtClean="0">
+                <a:solidFill>
+                  <a:srgbClr val="FF0000"/>
+                </a:solidFill>
+              </a:rPr>
+              <a:t>ワープパネル</a:t>
+            </a:r>
+            <a:endParaRPr lang="en-US" altLang="ja-JP" sz="1600" b="1" dirty="0" smtClean="0">
+              <a:solidFill>
+                <a:srgbClr val="FF0000"/>
+              </a:solidFill>
+            </a:endParaRPr>
+          </a:p>
+        </p:txBody>
+      </p:sp>
+      <p:sp>
+        <p:nvSpPr>
+          <p:cNvPr id="172" name="円/楕円 171"/>
+          <p:cNvSpPr/>
+          <p:nvPr/>
+        </p:nvSpPr>
+        <p:spPr>
+          <a:xfrm>
+            <a:off x="17489183" y="11875808"/>
+            <a:ext cx="363101" cy="348328"/>
+          </a:xfrm>
+          <a:prstGeom prst="ellipse">
+            <a:avLst/>
+          </a:prstGeom>
+          <a:noFill/>
+          <a:ln w="28575">
+            <a:solidFill>
+              <a:srgbClr val="FF0000"/>
+            </a:solidFill>
+          </a:ln>
+        </p:spPr>
+        <p:style>
+          <a:lnRef idx="2">
+            <a:schemeClr val="accent1">
+              <a:shade val="50000"/>
+            </a:schemeClr>
+          </a:lnRef>
+          <a:fillRef idx="1">
+            <a:schemeClr val="accent1"/>
+          </a:fillRef>
+          <a:effectRef idx="0">
+            <a:schemeClr val="accent1"/>
+          </a:effectRef>
+          <a:fontRef idx="minor">
+            <a:schemeClr val="lt1"/>
+          </a:fontRef>
+        </p:style>
+        <p:txBody>
+          <a:bodyPr rot="0" spcFirstLastPara="0" vertOverflow="overflow" horzOverflow="overflow" vert="horz" wrap="square" lIns="91440" tIns="45720" rIns="91440" bIns="45720" numCol="1" spcCol="0" rtlCol="0" fromWordArt="0" anchor="ctr" anchorCtr="0" forceAA="0" compatLnSpc="1">
+            <a:prstTxWarp prst="textNoShape">
+              <a:avLst/>
+            </a:prstTxWarp>
+            <a:noAutofit/>
+          </a:bodyPr>
+          <a:lstStyle/>
+          <a:p>
+            <a:pPr algn="ctr"/>
+            <a:endParaRPr lang="ja-JP" altLang="en-US">
+              <a:solidFill>
+                <a:srgbClr val="FF0000"/>
+              </a:solidFill>
+            </a:endParaRPr>
+          </a:p>
+        </p:txBody>
+      </p:sp>
+      <p:sp>
+        <p:nvSpPr>
+          <p:cNvPr id="173" name="円/楕円 172"/>
+          <p:cNvSpPr/>
+          <p:nvPr/>
+        </p:nvSpPr>
+        <p:spPr>
+          <a:xfrm>
+            <a:off x="20745091" y="15630238"/>
+            <a:ext cx="363101" cy="348328"/>
+          </a:xfrm>
+          <a:prstGeom prst="ellipse">
+            <a:avLst/>
+          </a:prstGeom>
+          <a:noFill/>
+          <a:ln w="28575">
+            <a:solidFill>
+              <a:srgbClr val="FF0000"/>
+            </a:solidFill>
+          </a:ln>
+        </p:spPr>
+        <p:style>
+          <a:lnRef idx="2">
+            <a:schemeClr val="accent1">
+              <a:shade val="50000"/>
+            </a:schemeClr>
+          </a:lnRef>
+          <a:fillRef idx="1">
+            <a:schemeClr val="accent1"/>
+          </a:fillRef>
+          <a:effectRef idx="0">
+            <a:schemeClr val="accent1"/>
+          </a:effectRef>
+          <a:fontRef idx="minor">
+            <a:schemeClr val="lt1"/>
+          </a:fontRef>
+        </p:style>
+        <p:txBody>
+          <a:bodyPr rot="0" spcFirstLastPara="0" vertOverflow="overflow" horzOverflow="overflow" vert="horz" wrap="square" lIns="91440" tIns="45720" rIns="91440" bIns="45720" numCol="1" spcCol="0" rtlCol="0" fromWordArt="0" anchor="ctr" anchorCtr="0" forceAA="0" compatLnSpc="1">
+            <a:prstTxWarp prst="textNoShape">
+              <a:avLst/>
+            </a:prstTxWarp>
+            <a:noAutofit/>
+          </a:bodyPr>
+          <a:lstStyle/>
+          <a:p>
+            <a:pPr algn="ctr"/>
+            <a:endParaRPr lang="ja-JP" altLang="en-US">
+              <a:solidFill>
+                <a:srgbClr val="FF0000"/>
+              </a:solidFill>
+            </a:endParaRPr>
+          </a:p>
+        </p:txBody>
+      </p:sp>
+      <p:sp>
+        <p:nvSpPr>
+          <p:cNvPr id="178" name="円/楕円 177"/>
+          <p:cNvSpPr/>
+          <p:nvPr/>
+        </p:nvSpPr>
+        <p:spPr>
+          <a:xfrm>
+            <a:off x="25676967" y="15515240"/>
+            <a:ext cx="363101" cy="348328"/>
+          </a:xfrm>
+          <a:prstGeom prst="ellipse">
+            <a:avLst/>
+          </a:prstGeom>
+          <a:noFill/>
+          <a:ln w="28575">
+            <a:solidFill>
+              <a:srgbClr val="FF0000"/>
+            </a:solidFill>
+          </a:ln>
+        </p:spPr>
+        <p:style>
+          <a:lnRef idx="2">
+            <a:schemeClr val="accent1">
+              <a:shade val="50000"/>
+            </a:schemeClr>
+          </a:lnRef>
+          <a:fillRef idx="1">
+            <a:schemeClr val="accent1"/>
+          </a:fillRef>
+          <a:effectRef idx="0">
+            <a:schemeClr val="accent1"/>
+          </a:effectRef>
+          <a:fontRef idx="minor">
+            <a:schemeClr val="lt1"/>
+          </a:fontRef>
+        </p:style>
+        <p:txBody>
+          <a:bodyPr rot="0" spcFirstLastPara="0" vertOverflow="overflow" horzOverflow="overflow" vert="horz" wrap="square" lIns="91440" tIns="45720" rIns="91440" bIns="45720" numCol="1" spcCol="0" rtlCol="0" fromWordArt="0" anchor="ctr" anchorCtr="0" forceAA="0" compatLnSpc="1">
+            <a:prstTxWarp prst="textNoShape">
+              <a:avLst/>
+            </a:prstTxWarp>
+            <a:noAutofit/>
+          </a:bodyPr>
+          <a:lstStyle/>
+          <a:p>
+            <a:pPr algn="ctr"/>
+            <a:endParaRPr lang="ja-JP" altLang="en-US">
+              <a:solidFill>
+                <a:srgbClr val="FF0000"/>
+              </a:solidFill>
+            </a:endParaRPr>
+          </a:p>
+        </p:txBody>
+      </p:sp>
+      <p:sp>
+        <p:nvSpPr>
+          <p:cNvPr id="179" name="円/楕円 178"/>
+          <p:cNvSpPr/>
+          <p:nvPr/>
+        </p:nvSpPr>
+        <p:spPr>
+          <a:xfrm>
+            <a:off x="29553394" y="11661868"/>
+            <a:ext cx="363101" cy="348328"/>
+          </a:xfrm>
+          <a:prstGeom prst="ellipse">
+            <a:avLst/>
+          </a:prstGeom>
+          <a:noFill/>
+          <a:ln w="28575">
+            <a:solidFill>
+              <a:srgbClr val="FF0000"/>
+            </a:solidFill>
+          </a:ln>
+        </p:spPr>
+        <p:style>
+          <a:lnRef idx="2">
+            <a:schemeClr val="accent1">
+              <a:shade val="50000"/>
+            </a:schemeClr>
+          </a:lnRef>
+          <a:fillRef idx="1">
+            <a:schemeClr val="accent1"/>
+          </a:fillRef>
+          <a:effectRef idx="0">
+            <a:schemeClr val="accent1"/>
+          </a:effectRef>
+          <a:fontRef idx="minor">
+            <a:schemeClr val="lt1"/>
+          </a:fontRef>
+        </p:style>
+        <p:txBody>
+          <a:bodyPr rot="0" spcFirstLastPara="0" vertOverflow="overflow" horzOverflow="overflow" vert="horz" wrap="square" lIns="91440" tIns="45720" rIns="91440" bIns="45720" numCol="1" spcCol="0" rtlCol="0" fromWordArt="0" anchor="ctr" anchorCtr="0" forceAA="0" compatLnSpc="1">
+            <a:prstTxWarp prst="textNoShape">
+              <a:avLst/>
+            </a:prstTxWarp>
+            <a:noAutofit/>
+          </a:bodyPr>
+          <a:lstStyle/>
+          <a:p>
+            <a:pPr algn="ctr"/>
+            <a:endParaRPr lang="ja-JP" altLang="en-US">
+              <a:solidFill>
+                <a:srgbClr val="FF0000"/>
+              </a:solidFill>
+            </a:endParaRPr>
+          </a:p>
+        </p:txBody>
+      </p:sp>
+      <p:sp>
+        <p:nvSpPr>
+          <p:cNvPr id="180" name="円/楕円 179"/>
+          <p:cNvSpPr/>
+          <p:nvPr/>
+        </p:nvSpPr>
+        <p:spPr>
+          <a:xfrm>
+            <a:off x="29571718" y="12131915"/>
+            <a:ext cx="363101" cy="348328"/>
+          </a:xfrm>
+          <a:prstGeom prst="ellipse">
+            <a:avLst/>
+          </a:prstGeom>
+          <a:noFill/>
+          <a:ln w="28575">
+            <a:solidFill>
+              <a:srgbClr val="FF0000"/>
+            </a:solidFill>
+          </a:ln>
+        </p:spPr>
+        <p:style>
+          <a:lnRef idx="2">
+            <a:schemeClr val="accent1">
+              <a:shade val="50000"/>
+            </a:schemeClr>
+          </a:lnRef>
+          <a:fillRef idx="1">
+            <a:schemeClr val="accent1"/>
+          </a:fillRef>
+          <a:effectRef idx="0">
+            <a:schemeClr val="accent1"/>
+          </a:effectRef>
+          <a:fontRef idx="minor">
+            <a:schemeClr val="lt1"/>
+          </a:fontRef>
+        </p:style>
+        <p:txBody>
+          <a:bodyPr rot="0" spcFirstLastPara="0" vertOverflow="overflow" horzOverflow="overflow" vert="horz" wrap="square" lIns="91440" tIns="45720" rIns="91440" bIns="45720" numCol="1" spcCol="0" rtlCol="0" fromWordArt="0" anchor="ctr" anchorCtr="0" forceAA="0" compatLnSpc="1">
+            <a:prstTxWarp prst="textNoShape">
+              <a:avLst/>
+            </a:prstTxWarp>
+            <a:noAutofit/>
+          </a:bodyPr>
+          <a:lstStyle/>
+          <a:p>
+            <a:pPr algn="ctr"/>
+            <a:endParaRPr lang="ja-JP" altLang="en-US">
+              <a:solidFill>
+                <a:srgbClr val="FF0000"/>
+              </a:solidFill>
+            </a:endParaRPr>
+          </a:p>
+        </p:txBody>
+      </p:sp>
+      <p:cxnSp>
+        <p:nvCxnSpPr>
+          <p:cNvPr id="181" name="カギ線コネクタ 180"/>
+          <p:cNvCxnSpPr/>
+          <p:nvPr/>
+        </p:nvCxnSpPr>
+        <p:spPr>
+          <a:xfrm rot="10800000" flipV="1">
+            <a:off x="22706926" y="11767433"/>
+            <a:ext cx="786354" cy="397394"/>
+          </a:xfrm>
+          <a:prstGeom prst="bentConnector3">
+            <a:avLst>
+              <a:gd name="adj1" fmla="val -36136"/>
+            </a:avLst>
+          </a:prstGeom>
+          <a:ln w="28575">
+            <a:solidFill>
+              <a:srgbClr val="00B050"/>
+            </a:solidFill>
+            <a:tailEnd type="triangle"/>
+          </a:ln>
+        </p:spPr>
+        <p:style>
+          <a:lnRef idx="1">
+            <a:schemeClr val="accent1"/>
+          </a:lnRef>
+          <a:fillRef idx="0">
+            <a:schemeClr val="accent1"/>
+          </a:fillRef>
+          <a:effectRef idx="0">
+            <a:schemeClr val="accent1"/>
+          </a:effectRef>
+          <a:fontRef idx="minor">
+            <a:schemeClr val="tx1"/>
+          </a:fontRef>
+        </p:style>
+      </p:cxnSp>
+    </p:spTree>
+    <p:extLst>
+      <p:ext uri="{BB962C8B-B14F-4D97-AF65-F5344CB8AC3E}">
+        <p14:creationId xmlns:p14="http://schemas.microsoft.com/office/powerpoint/2010/main" val="508854254"/>
+      </p:ext>
+    </p:extLst>
+  </p:cSld>
+  <p:clrMapOvr>
+    <a:masterClrMapping/>
+  </p:clrMapOvr>
+</p:sld>
+</file>
+
 <file path=ppt/theme/theme1.xml><?xml version="1.0" encoding="utf-8"?>
 <a:theme xmlns:a="http://schemas.openxmlformats.org/drawingml/2006/main" name="ホワイト">
   <a:themeElements>
-    <a:clrScheme name="Office">
+    <a:clrScheme name="ホワイト">
       <a:dk1>
         <a:sysClr val="windowText" lastClr="000000"/>
       </a:dk1>
@@ -5623,14 +11035,14 @@
         <a:srgbClr val="954F72"/>
       </a:folHlink>
     </a:clrScheme>
-    <a:fontScheme name="Office">
+    <a:fontScheme name="ホワイト">
       <a:majorFont>
-        <a:latin typeface="Yu Gothic Light" panose="020F0302020204030204"/>
+        <a:latin typeface="Calibri Light" panose="020F0302020204030204"/>
         <a:ea typeface=""/>
         <a:cs typeface=""/>
-        <a:font script="Jpan" typeface="Yu Gothic Light"/>
+        <a:font script="Jpan" typeface="游ゴシック Light"/>
         <a:font script="Hang" typeface="맑은 고딕"/>
-        <a:font script="Hans" typeface="DengXian Light"/>
+        <a:font script="Hans" typeface="等线 Light"/>
         <a:font script="Hant" typeface="新細明體"/>
         <a:font script="Arab" typeface="Times New Roman"/>
         <a:font script="Hebr" typeface="Times New Roman"/>
@@ -5660,12 +11072,12 @@
         <a:font script="Geor" typeface="Sylfaen"/>
       </a:majorFont>
       <a:minorFont>
-        <a:latin typeface="Yu Gothic" panose="020F0502020204030204"/>
+        <a:latin typeface="Calibri" panose="020F0502020204030204"/>
         <a:ea typeface=""/>
         <a:cs typeface=""/>
-        <a:font script="Jpan" typeface="Yu Gothic"/>
+        <a:font script="Jpan" typeface="游ゴシック"/>
         <a:font script="Hang" typeface="맑은 고딕"/>
-        <a:font script="Hans" typeface="DengXian"/>
+        <a:font script="Hans" typeface="等线"/>
         <a:font script="Hant" typeface="新細明體"/>
         <a:font script="Arab" typeface="Arial"/>
         <a:font script="Hebr" typeface="Arial"/>
@@ -5695,7 +11107,7 @@
         <a:font script="Geor" typeface="Sylfaen"/>
       </a:minorFont>
     </a:fontScheme>
-    <a:fmtScheme name="Office">
+    <a:fmtScheme name="ホワイト">
       <a:fillStyleLst>
         <a:solidFill>
           <a:schemeClr val="phClr"/>

--- a/docs/image/memo.pptx
+++ b/docs/image/memo.pptx
@@ -204,7 +204,7 @@
           <a:p>
             <a:fld id="{A140407D-287A-7E45-91CE-8E97C0D1AA4D}" type="datetimeFigureOut">
               <a:rPr kumimoji="1" lang="ja-JP" altLang="en-US" smtClean="0"/>
-              <a:t>2017/3/3</a:t>
+              <a:t>2017/3/9</a:t>
             </a:fld>
             <a:endParaRPr kumimoji="1" lang="ja-JP" altLang="en-US"/>
           </a:p>
@@ -727,7 +727,7 @@
           <a:p>
             <a:fld id="{820DCBBD-8F7E-4840-AD5E-0CE5BBBD1E40}" type="datetimeFigureOut">
               <a:rPr kumimoji="1" lang="ja-JP" altLang="en-US" smtClean="0"/>
-              <a:t>2017/3/3</a:t>
+              <a:t>2017/3/9</a:t>
             </a:fld>
             <a:endParaRPr kumimoji="1" lang="ja-JP" altLang="en-US"/>
           </a:p>
@@ -924,7 +924,7 @@
           <a:p>
             <a:fld id="{820DCBBD-8F7E-4840-AD5E-0CE5BBBD1E40}" type="datetimeFigureOut">
               <a:rPr kumimoji="1" lang="ja-JP" altLang="en-US" smtClean="0"/>
-              <a:t>2017/3/3</a:t>
+              <a:t>2017/3/9</a:t>
             </a:fld>
             <a:endParaRPr kumimoji="1" lang="ja-JP" altLang="en-US"/>
           </a:p>
@@ -1131,7 +1131,7 @@
           <a:p>
             <a:fld id="{820DCBBD-8F7E-4840-AD5E-0CE5BBBD1E40}" type="datetimeFigureOut">
               <a:rPr kumimoji="1" lang="ja-JP" altLang="en-US" smtClean="0"/>
-              <a:t>2017/3/3</a:t>
+              <a:t>2017/3/9</a:t>
             </a:fld>
             <a:endParaRPr kumimoji="1" lang="ja-JP" altLang="en-US"/>
           </a:p>
@@ -1328,7 +1328,7 @@
           <a:p>
             <a:fld id="{820DCBBD-8F7E-4840-AD5E-0CE5BBBD1E40}" type="datetimeFigureOut">
               <a:rPr kumimoji="1" lang="ja-JP" altLang="en-US" smtClean="0"/>
-              <a:t>2017/3/3</a:t>
+              <a:t>2017/3/9</a:t>
             </a:fld>
             <a:endParaRPr kumimoji="1" lang="ja-JP" altLang="en-US"/>
           </a:p>
@@ -1567,7 +1567,7 @@
           <a:p>
             <a:fld id="{820DCBBD-8F7E-4840-AD5E-0CE5BBBD1E40}" type="datetimeFigureOut">
               <a:rPr kumimoji="1" lang="ja-JP" altLang="en-US" smtClean="0"/>
-              <a:t>2017/3/3</a:t>
+              <a:t>2017/3/9</a:t>
             </a:fld>
             <a:endParaRPr kumimoji="1" lang="ja-JP" altLang="en-US"/>
           </a:p>
@@ -1858,7 +1858,7 @@
           <a:p>
             <a:fld id="{820DCBBD-8F7E-4840-AD5E-0CE5BBBD1E40}" type="datetimeFigureOut">
               <a:rPr kumimoji="1" lang="ja-JP" altLang="en-US" smtClean="0"/>
-              <a:t>2017/3/3</a:t>
+              <a:t>2017/3/9</a:t>
             </a:fld>
             <a:endParaRPr kumimoji="1" lang="ja-JP" altLang="en-US"/>
           </a:p>
@@ -2284,7 +2284,7 @@
           <a:p>
             <a:fld id="{820DCBBD-8F7E-4840-AD5E-0CE5BBBD1E40}" type="datetimeFigureOut">
               <a:rPr kumimoji="1" lang="ja-JP" altLang="en-US" smtClean="0"/>
-              <a:t>2017/3/3</a:t>
+              <a:t>2017/3/9</a:t>
             </a:fld>
             <a:endParaRPr kumimoji="1" lang="ja-JP" altLang="en-US"/>
           </a:p>
@@ -2397,7 +2397,7 @@
           <a:p>
             <a:fld id="{820DCBBD-8F7E-4840-AD5E-0CE5BBBD1E40}" type="datetimeFigureOut">
               <a:rPr kumimoji="1" lang="ja-JP" altLang="en-US" smtClean="0"/>
-              <a:t>2017/3/3</a:t>
+              <a:t>2017/3/9</a:t>
             </a:fld>
             <a:endParaRPr kumimoji="1" lang="ja-JP" altLang="en-US"/>
           </a:p>
@@ -2487,7 +2487,7 @@
           <a:p>
             <a:fld id="{820DCBBD-8F7E-4840-AD5E-0CE5BBBD1E40}" type="datetimeFigureOut">
               <a:rPr kumimoji="1" lang="ja-JP" altLang="en-US" smtClean="0"/>
-              <a:t>2017/3/3</a:t>
+              <a:t>2017/3/9</a:t>
             </a:fld>
             <a:endParaRPr kumimoji="1" lang="ja-JP" altLang="en-US"/>
           </a:p>
@@ -2791,7 +2791,7 @@
           <a:p>
             <a:fld id="{820DCBBD-8F7E-4840-AD5E-0CE5BBBD1E40}" type="datetimeFigureOut">
               <a:rPr kumimoji="1" lang="ja-JP" altLang="en-US" smtClean="0"/>
-              <a:t>2017/3/3</a:t>
+              <a:t>2017/3/9</a:t>
             </a:fld>
             <a:endParaRPr kumimoji="1" lang="ja-JP" altLang="en-US"/>
           </a:p>
@@ -3043,7 +3043,7 @@
           <a:p>
             <a:fld id="{820DCBBD-8F7E-4840-AD5E-0CE5BBBD1E40}" type="datetimeFigureOut">
               <a:rPr kumimoji="1" lang="ja-JP" altLang="en-US" smtClean="0"/>
-              <a:t>2017/3/3</a:t>
+              <a:t>2017/3/9</a:t>
             </a:fld>
             <a:endParaRPr kumimoji="1" lang="ja-JP" altLang="en-US"/>
           </a:p>
@@ -3283,7 +3283,7 @@
           <a:p>
             <a:fld id="{820DCBBD-8F7E-4840-AD5E-0CE5BBBD1E40}" type="datetimeFigureOut">
               <a:rPr kumimoji="1" lang="ja-JP" altLang="en-US" smtClean="0"/>
-              <a:t>2017/3/3</a:t>
+              <a:t>2017/3/9</a:t>
             </a:fld>
             <a:endParaRPr kumimoji="1" lang="ja-JP" altLang="en-US"/>
           </a:p>
@@ -3727,7 +3727,7 @@
         <p:spPr>
           <a:xfrm>
             <a:off x="16054618" y="13537195"/>
-            <a:ext cx="970137" cy="1035220"/>
+            <a:ext cx="415498" cy="369332"/>
           </a:xfrm>
           <a:prstGeom prst="rect">
             <a:avLst/>
@@ -3741,40 +3741,9 @@
           <a:lstStyle/>
           <a:p>
             <a:r>
-              <a:rPr lang="ja-JP" altLang="en-US" dirty="0"/>
+              <a:rPr lang="ja-JP" altLang="en-US" sz="1800" dirty="0"/>
               <a:t>①</a:t>
             </a:r>
-            <a:endParaRPr lang="ja-JP" altLang="en-US" dirty="0"/>
-          </a:p>
-        </p:txBody>
-      </p:sp>
-      <p:sp>
-        <p:nvSpPr>
-          <p:cNvPr id="6" name="テキスト ボックス 5"/>
-          <p:cNvSpPr txBox="1"/>
-          <p:nvPr/>
-        </p:nvSpPr>
-        <p:spPr>
-          <a:xfrm>
-            <a:off x="15045665" y="12807492"/>
-            <a:ext cx="970137" cy="1035220"/>
-          </a:xfrm>
-          <a:prstGeom prst="rect">
-            <a:avLst/>
-          </a:prstGeom>
-          <a:noFill/>
-        </p:spPr>
-        <p:txBody>
-          <a:bodyPr wrap="none" rtlCol="0">
-            <a:spAutoFit/>
-          </a:bodyPr>
-          <a:lstStyle/>
-          <a:p>
-            <a:r>
-              <a:rPr lang="ja-JP" altLang="en-US"/>
-              <a:t>②</a:t>
-            </a:r>
-            <a:endParaRPr lang="ja-JP" altLang="en-US" dirty="0"/>
           </a:p>
         </p:txBody>
       </p:sp>
@@ -3787,7 +3756,7 @@
         <p:spPr>
           <a:xfrm>
             <a:off x="16470116" y="12807492"/>
-            <a:ext cx="970137" cy="1035220"/>
+            <a:ext cx="415498" cy="369332"/>
           </a:xfrm>
           <a:prstGeom prst="rect">
             <a:avLst/>
@@ -3801,10 +3770,10 @@
           <a:lstStyle/>
           <a:p>
             <a:r>
-              <a:rPr lang="ja-JP" altLang="en-US"/>
-              <a:t>③</a:t>
-            </a:r>
-            <a:endParaRPr lang="ja-JP" altLang="en-US" dirty="0"/>
+              <a:rPr lang="ja-JP" altLang="en-US" sz="1800" dirty="0" smtClean="0"/>
+              <a:t>②</a:t>
+            </a:r>
+            <a:endParaRPr lang="ja-JP" altLang="en-US" sz="1800" dirty="0"/>
           </a:p>
         </p:txBody>
       </p:sp>
@@ -3817,7 +3786,7 @@
         <p:spPr>
           <a:xfrm>
             <a:off x="16172693" y="14139754"/>
-            <a:ext cx="970137" cy="1035220"/>
+            <a:ext cx="415498" cy="369332"/>
           </a:xfrm>
           <a:prstGeom prst="rect">
             <a:avLst/>
@@ -3831,14 +3800,14 @@
           <a:lstStyle/>
           <a:p>
             <a:r>
-              <a:rPr lang="ja-JP" altLang="en-US" dirty="0">
+              <a:rPr lang="ja-JP" altLang="en-US" sz="1800" dirty="0" smtClean="0">
                 <a:solidFill>
                   <a:srgbClr val="FF0000"/>
                 </a:solidFill>
               </a:rPr>
-              <a:t>④</a:t>
-            </a:r>
-            <a:endParaRPr lang="ja-JP" altLang="en-US" dirty="0">
+              <a:t>③</a:t>
+            </a:r>
+            <a:endParaRPr lang="en-US" altLang="ja-JP" sz="1800" dirty="0" smtClean="0">
               <a:solidFill>
                 <a:srgbClr val="FF0000"/>
               </a:solidFill>
@@ -3931,7 +3900,7 @@
         <p:spPr>
           <a:xfrm>
             <a:off x="16618828" y="13633023"/>
-            <a:ext cx="970137" cy="1035220"/>
+            <a:ext cx="415498" cy="369332"/>
           </a:xfrm>
           <a:prstGeom prst="rect">
             <a:avLst/>
@@ -3950,18 +3919,13 @@
           <a:lstStyle/>
           <a:p>
             <a:r>
-              <a:rPr lang="ja-JP" altLang="en-US" dirty="0">
+              <a:rPr lang="ja-JP" altLang="en-US" sz="1800" dirty="0">
                 <a:solidFill>
                   <a:srgbClr val="FFFF00"/>
                 </a:solidFill>
               </a:rPr>
               <a:t>飴</a:t>
             </a:r>
-            <a:endParaRPr lang="ja-JP" altLang="en-US" dirty="0">
-              <a:solidFill>
-                <a:srgbClr val="FFFF00"/>
-              </a:solidFill>
-            </a:endParaRPr>
           </a:p>
         </p:txBody>
       </p:sp>
@@ -4012,7 +3976,7 @@
         <p:spPr>
           <a:xfrm>
             <a:off x="19320292" y="13919756"/>
-            <a:ext cx="970137" cy="1035220"/>
+            <a:ext cx="415498" cy="369332"/>
           </a:xfrm>
           <a:prstGeom prst="rect">
             <a:avLst/>
@@ -4026,14 +3990,14 @@
           <a:lstStyle/>
           <a:p>
             <a:r>
-              <a:rPr lang="ja-JP" altLang="en-US" dirty="0">
+              <a:rPr lang="ja-JP" altLang="en-US" sz="1800" dirty="0" smtClean="0">
                 <a:solidFill>
                   <a:srgbClr val="00B050"/>
                 </a:solidFill>
               </a:rPr>
-              <a:t>⑤</a:t>
-            </a:r>
-            <a:endParaRPr lang="ja-JP" altLang="en-US" dirty="0">
+              <a:t>④</a:t>
+            </a:r>
+            <a:endParaRPr lang="ja-JP" altLang="en-US" sz="1800" dirty="0">
               <a:solidFill>
                 <a:srgbClr val="00B050"/>
               </a:solidFill>
@@ -4081,57 +4045,16 @@
       </p:cxnSp>
       <p:cxnSp>
         <p:nvCxnSpPr>
-          <p:cNvPr id="15" name="カギ線コネクタ 14"/>
+          <p:cNvPr id="33" name="直線矢印コネクタ 32"/>
           <p:cNvCxnSpPr>
             <a:stCxn id="5" idx="0"/>
-            <a:endCxn id="6" idx="2"/>
           </p:cNvCxnSpPr>
           <p:nvPr/>
         </p:nvCxnSpPr>
         <p:spPr>
-          <a:xfrm rot="16200000" flipH="1" flipV="1">
-            <a:off x="15882452" y="13185477"/>
-            <a:ext cx="305517" cy="1008953"/>
-          </a:xfrm>
-          <a:prstGeom prst="bentConnector5">
-            <a:avLst>
-              <a:gd name="adj1" fmla="val -74824"/>
-              <a:gd name="adj2" fmla="val 50000"/>
-              <a:gd name="adj3" fmla="val 174824"/>
-            </a:avLst>
-          </a:prstGeom>
-          <a:ln w="28575">
-            <a:solidFill>
-              <a:schemeClr val="tx1"/>
-            </a:solidFill>
-            <a:tailEnd type="triangle"/>
-          </a:ln>
-        </p:spPr>
-        <p:style>
-          <a:lnRef idx="1">
-            <a:schemeClr val="accent1"/>
-          </a:lnRef>
-          <a:fillRef idx="0">
-            <a:schemeClr val="accent1"/>
-          </a:fillRef>
-          <a:effectRef idx="0">
-            <a:schemeClr val="accent1"/>
-          </a:effectRef>
-          <a:fontRef idx="minor">
-            <a:schemeClr val="tx1"/>
-          </a:fontRef>
-        </p:style>
-      </p:cxnSp>
-      <p:cxnSp>
-        <p:nvCxnSpPr>
-          <p:cNvPr id="33" name="直線矢印コネクタ 32"/>
-          <p:cNvCxnSpPr/>
-          <p:nvPr/>
-        </p:nvCxnSpPr>
-        <p:spPr>
-          <a:xfrm>
-            <a:off x="15611076" y="13242135"/>
-            <a:ext cx="651291" cy="8313"/>
+          <a:xfrm flipV="1">
+            <a:off x="16262367" y="13250448"/>
+            <a:ext cx="0" cy="286747"/>
           </a:xfrm>
           <a:prstGeom prst="straightConnector1">
             <a:avLst/>
@@ -4775,57 +4698,6 @@
           </a:fontRef>
         </p:style>
       </p:cxnSp>
-      <p:sp>
-        <p:nvSpPr>
-          <p:cNvPr id="41" name="四角形吹き出し 40"/>
-          <p:cNvSpPr/>
-          <p:nvPr/>
-        </p:nvSpPr>
-        <p:spPr>
-          <a:xfrm>
-            <a:off x="18077648" y="14908083"/>
-            <a:ext cx="823526" cy="222381"/>
-          </a:xfrm>
-          <a:prstGeom prst="wedgeRectCallout">
-            <a:avLst>
-              <a:gd name="adj1" fmla="val -35266"/>
-              <a:gd name="adj2" fmla="val -89992"/>
-            </a:avLst>
-          </a:prstGeom>
-        </p:spPr>
-        <p:style>
-          <a:lnRef idx="2">
-            <a:schemeClr val="accent1">
-              <a:shade val="50000"/>
-            </a:schemeClr>
-          </a:lnRef>
-          <a:fillRef idx="1">
-            <a:schemeClr val="accent1"/>
-          </a:fillRef>
-          <a:effectRef idx="0">
-            <a:schemeClr val="accent1"/>
-          </a:effectRef>
-          <a:fontRef idx="minor">
-            <a:schemeClr val="lt1"/>
-          </a:fontRef>
-        </p:style>
-        <p:txBody>
-          <a:bodyPr rot="0" spcFirstLastPara="0" vertOverflow="overflow" horzOverflow="overflow" vert="horz" wrap="square" lIns="91440" tIns="45720" rIns="91440" bIns="45720" numCol="1" spcCol="0" rtlCol="0" fromWordArt="0" anchor="ctr" anchorCtr="0" forceAA="0" compatLnSpc="1">
-            <a:prstTxWarp prst="textNoShape">
-              <a:avLst/>
-            </a:prstTxWarp>
-            <a:noAutofit/>
-          </a:bodyPr>
-          <a:lstStyle/>
-          <a:p>
-            <a:pPr algn="ctr"/>
-            <a:r>
-              <a:rPr lang="ja-JP" altLang="en-US" sz="1000" dirty="0"/>
-              <a:t>ブリーのみ</a:t>
-            </a:r>
-          </a:p>
-        </p:txBody>
-      </p:sp>
       <p:cxnSp>
         <p:nvCxnSpPr>
           <p:cNvPr id="42" name="カギ線コネクタ 41"/>
